--- a/CME/figs/figs_WCM/figs_WCM.pptx
+++ b/CME/figs/figs_WCM/figs_WCM.pptx
@@ -10,11 +10,12 @@
     <p:sldId id="258" r:id="rId4"/>
     <p:sldId id="259" r:id="rId5"/>
     <p:sldId id="265" r:id="rId6"/>
-    <p:sldId id="260" r:id="rId7"/>
-    <p:sldId id="261" r:id="rId8"/>
-    <p:sldId id="262" r:id="rId9"/>
-    <p:sldId id="263" r:id="rId10"/>
-    <p:sldId id="264" r:id="rId11"/>
+    <p:sldId id="266" r:id="rId7"/>
+    <p:sldId id="260" r:id="rId8"/>
+    <p:sldId id="261" r:id="rId9"/>
+    <p:sldId id="262" r:id="rId10"/>
+    <p:sldId id="263" r:id="rId11"/>
+    <p:sldId id="264" r:id="rId12"/>
   </p:sldIdLst>
   <p:sldSz cx="12192000" cy="6858000"/>
   <p:notesSz cx="6858000" cy="9144000"/>
@@ -124,14 +125,396 @@
 <file path=ppt/revisionInfo.xml><?xml version="1.0" encoding="utf-8"?>
 <p1510:revInfo xmlns:a="http://schemas.openxmlformats.org/drawingml/2006/main" xmlns:r="http://schemas.openxmlformats.org/officeDocument/2006/relationships" xmlns:p1510="http://schemas.microsoft.com/office/powerpoint/2015/10/main">
   <p1510:revLst>
-    <p1510:client id="{6C62279B-C23D-C44B-818D-AE6AE8742BC2}" v="33" dt="2025-07-08T21:47:57.496"/>
-    <p1510:client id="{A10986F8-0B50-6A49-8D3C-2E5884F60F72}" v="21" dt="2025-07-08T20:47:50.554"/>
+    <p1510:client id="{3538FE26-223B-1D46-BF3C-6AF32D14471A}" v="5" dt="2025-07-12T18:49:46.950"/>
   </p1510:revLst>
 </p1510:revInfo>
 </file>
 
 <file path=ppt/changesInfos/changesInfo1.xml><?xml version="1.0" encoding="utf-8"?>
 <pc:chgInfo xmlns:a="http://schemas.openxmlformats.org/drawingml/2006/main" xmlns:r="http://schemas.openxmlformats.org/officeDocument/2006/relationships" xmlns:ac="http://schemas.microsoft.com/office/drawing/2013/main/command" xmlns:pc="http://schemas.microsoft.com/office/powerpoint/2013/main/command">
+  <pc:docChgLst>
+    <pc:chgData name="Fu, Enguang" userId="0a9dcee4-6405-40fd-bb42-dd19fc94bec1" providerId="ADAL" clId="{3538FE26-223B-1D46-BF3C-6AF32D14471A}"/>
+    <pc:docChg chg="undo custSel addSld modSld">
+      <pc:chgData name="Fu, Enguang" userId="0a9dcee4-6405-40fd-bb42-dd19fc94bec1" providerId="ADAL" clId="{3538FE26-223B-1D46-BF3C-6AF32D14471A}" dt="2025-07-12T18:50:32.669" v="58" actId="14100"/>
+      <pc:docMkLst>
+        <pc:docMk/>
+      </pc:docMkLst>
+      <pc:sldChg chg="addSp delSp modSp mod">
+        <pc:chgData name="Fu, Enguang" userId="0a9dcee4-6405-40fd-bb42-dd19fc94bec1" providerId="ADAL" clId="{3538FE26-223B-1D46-BF3C-6AF32D14471A}" dt="2025-07-12T18:50:32.669" v="58" actId="14100"/>
+        <pc:sldMkLst>
+          <pc:docMk/>
+          <pc:sldMk cId="1824931327" sldId="265"/>
+        </pc:sldMkLst>
+        <pc:spChg chg="add mod">
+          <ac:chgData name="Fu, Enguang" userId="0a9dcee4-6405-40fd-bb42-dd19fc94bec1" providerId="ADAL" clId="{3538FE26-223B-1D46-BF3C-6AF32D14471A}" dt="2025-07-12T18:50:11.428" v="57" actId="1076"/>
+          <ac:spMkLst>
+            <pc:docMk/>
+            <pc:sldMk cId="1824931327" sldId="265"/>
+            <ac:spMk id="4" creationId="{7EDE067F-345A-A6AB-F172-7F337A770BD1}"/>
+          </ac:spMkLst>
+        </pc:spChg>
+        <pc:spChg chg="mod">
+          <ac:chgData name="Fu, Enguang" userId="0a9dcee4-6405-40fd-bb42-dd19fc94bec1" providerId="ADAL" clId="{3538FE26-223B-1D46-BF3C-6AF32D14471A}" dt="2025-07-12T18:49:30.747" v="40" actId="14100"/>
+          <ac:spMkLst>
+            <pc:docMk/>
+            <pc:sldMk cId="1824931327" sldId="265"/>
+            <ac:spMk id="10" creationId="{9C525F88-0424-70CA-D96A-666F75333606}"/>
+          </ac:spMkLst>
+        </pc:spChg>
+        <pc:spChg chg="del mod">
+          <ac:chgData name="Fu, Enguang" userId="0a9dcee4-6405-40fd-bb42-dd19fc94bec1" providerId="ADAL" clId="{3538FE26-223B-1D46-BF3C-6AF32D14471A}" dt="2025-07-12T18:50:07.664" v="56" actId="478"/>
+          <ac:spMkLst>
+            <pc:docMk/>
+            <pc:sldMk cId="1824931327" sldId="265"/>
+            <ac:spMk id="11" creationId="{0CC33605-3070-AA63-9831-9645B1676D2C}"/>
+          </ac:spMkLst>
+        </pc:spChg>
+        <pc:spChg chg="mod">
+          <ac:chgData name="Fu, Enguang" userId="0a9dcee4-6405-40fd-bb42-dd19fc94bec1" providerId="ADAL" clId="{3538FE26-223B-1D46-BF3C-6AF32D14471A}" dt="2025-07-12T18:50:11.428" v="57" actId="1076"/>
+          <ac:spMkLst>
+            <pc:docMk/>
+            <pc:sldMk cId="1824931327" sldId="265"/>
+            <ac:spMk id="13" creationId="{B28E5CDA-58DD-683D-20E2-40E6E7D412FA}"/>
+          </ac:spMkLst>
+        </pc:spChg>
+        <pc:spChg chg="add mod">
+          <ac:chgData name="Fu, Enguang" userId="0a9dcee4-6405-40fd-bb42-dd19fc94bec1" providerId="ADAL" clId="{3538FE26-223B-1D46-BF3C-6AF32D14471A}" dt="2025-07-12T18:50:11.428" v="57" actId="1076"/>
+          <ac:spMkLst>
+            <pc:docMk/>
+            <pc:sldMk cId="1824931327" sldId="265"/>
+            <ac:spMk id="14" creationId="{696D8080-A50B-75C4-08B3-BEEA33BCC810}"/>
+          </ac:spMkLst>
+        </pc:spChg>
+        <pc:spChg chg="add mod">
+          <ac:chgData name="Fu, Enguang" userId="0a9dcee4-6405-40fd-bb42-dd19fc94bec1" providerId="ADAL" clId="{3538FE26-223B-1D46-BF3C-6AF32D14471A}" dt="2025-07-12T18:50:11.428" v="57" actId="1076"/>
+          <ac:spMkLst>
+            <pc:docMk/>
+            <pc:sldMk cId="1824931327" sldId="265"/>
+            <ac:spMk id="15" creationId="{16D56F36-7A58-ADAE-9A7F-E8C3124112CA}"/>
+          </ac:spMkLst>
+        </pc:spChg>
+        <pc:spChg chg="add mod">
+          <ac:chgData name="Fu, Enguang" userId="0a9dcee4-6405-40fd-bb42-dd19fc94bec1" providerId="ADAL" clId="{3538FE26-223B-1D46-BF3C-6AF32D14471A}" dt="2025-07-12T18:50:11.428" v="57" actId="1076"/>
+          <ac:spMkLst>
+            <pc:docMk/>
+            <pc:sldMk cId="1824931327" sldId="265"/>
+            <ac:spMk id="16" creationId="{2A55DEBD-83BF-F495-F0E1-FF4C70DE895A}"/>
+          </ac:spMkLst>
+        </pc:spChg>
+        <pc:spChg chg="add mod">
+          <ac:chgData name="Fu, Enguang" userId="0a9dcee4-6405-40fd-bb42-dd19fc94bec1" providerId="ADAL" clId="{3538FE26-223B-1D46-BF3C-6AF32D14471A}" dt="2025-07-12T18:50:11.428" v="57" actId="1076"/>
+          <ac:spMkLst>
+            <pc:docMk/>
+            <pc:sldMk cId="1824931327" sldId="265"/>
+            <ac:spMk id="17" creationId="{A85BB38F-F8B2-7D2A-7483-57D7F7F409F6}"/>
+          </ac:spMkLst>
+        </pc:spChg>
+        <pc:spChg chg="mod">
+          <ac:chgData name="Fu, Enguang" userId="0a9dcee4-6405-40fd-bb42-dd19fc94bec1" providerId="ADAL" clId="{3538FE26-223B-1D46-BF3C-6AF32D14471A}" dt="2025-07-12T18:50:32.669" v="58" actId="14100"/>
+          <ac:spMkLst>
+            <pc:docMk/>
+            <pc:sldMk cId="1824931327" sldId="265"/>
+            <ac:spMk id="18" creationId="{B1476F15-A00D-9288-6F5B-400814A41696}"/>
+          </ac:spMkLst>
+        </pc:spChg>
+        <pc:spChg chg="add del mod">
+          <ac:chgData name="Fu, Enguang" userId="0a9dcee4-6405-40fd-bb42-dd19fc94bec1" providerId="ADAL" clId="{3538FE26-223B-1D46-BF3C-6AF32D14471A}" dt="2025-07-12T18:50:01.769" v="55" actId="478"/>
+          <ac:spMkLst>
+            <pc:docMk/>
+            <pc:sldMk cId="1824931327" sldId="265"/>
+            <ac:spMk id="19" creationId="{393367A5-9B57-A0D4-63D1-F65601E83989}"/>
+          </ac:spMkLst>
+        </pc:spChg>
+        <pc:spChg chg="add del mod">
+          <ac:chgData name="Fu, Enguang" userId="0a9dcee4-6405-40fd-bb42-dd19fc94bec1" providerId="ADAL" clId="{3538FE26-223B-1D46-BF3C-6AF32D14471A}" dt="2025-07-12T18:50:00.574" v="54" actId="478"/>
+          <ac:spMkLst>
+            <pc:docMk/>
+            <pc:sldMk cId="1824931327" sldId="265"/>
+            <ac:spMk id="20" creationId="{70CE9782-EFAF-976F-8422-4C20E55CDD84}"/>
+          </ac:spMkLst>
+        </pc:spChg>
+        <pc:spChg chg="add del mod">
+          <ac:chgData name="Fu, Enguang" userId="0a9dcee4-6405-40fd-bb42-dd19fc94bec1" providerId="ADAL" clId="{3538FE26-223B-1D46-BF3C-6AF32D14471A}" dt="2025-07-12T18:49:53.579" v="48" actId="478"/>
+          <ac:spMkLst>
+            <pc:docMk/>
+            <pc:sldMk cId="1824931327" sldId="265"/>
+            <ac:spMk id="21" creationId="{3BF32565-5907-6357-594A-514B5ED4DF73}"/>
+          </ac:spMkLst>
+        </pc:spChg>
+        <pc:spChg chg="del">
+          <ac:chgData name="Fu, Enguang" userId="0a9dcee4-6405-40fd-bb42-dd19fc94bec1" providerId="ADAL" clId="{3538FE26-223B-1D46-BF3C-6AF32D14471A}" dt="2025-07-12T18:49:57.813" v="51" actId="478"/>
+          <ac:spMkLst>
+            <pc:docMk/>
+            <pc:sldMk cId="1824931327" sldId="265"/>
+            <ac:spMk id="22" creationId="{B82A5171-6FF1-0419-E790-B94330A8AB5F}"/>
+          </ac:spMkLst>
+        </pc:spChg>
+        <pc:spChg chg="add del mod">
+          <ac:chgData name="Fu, Enguang" userId="0a9dcee4-6405-40fd-bb42-dd19fc94bec1" providerId="ADAL" clId="{3538FE26-223B-1D46-BF3C-6AF32D14471A}" dt="2025-07-12T18:49:50.385" v="43" actId="478"/>
+          <ac:spMkLst>
+            <pc:docMk/>
+            <pc:sldMk cId="1824931327" sldId="265"/>
+            <ac:spMk id="23" creationId="{430E90FC-EFD4-CE96-538F-6EA82B31E5A5}"/>
+          </ac:spMkLst>
+        </pc:spChg>
+        <pc:spChg chg="del mod">
+          <ac:chgData name="Fu, Enguang" userId="0a9dcee4-6405-40fd-bb42-dd19fc94bec1" providerId="ADAL" clId="{3538FE26-223B-1D46-BF3C-6AF32D14471A}" dt="2025-07-12T18:49:59.882" v="53" actId="478"/>
+          <ac:spMkLst>
+            <pc:docMk/>
+            <pc:sldMk cId="1824931327" sldId="265"/>
+            <ac:spMk id="26" creationId="{32A6061F-DDFD-1D1C-F0D8-5FB9B973EBA3}"/>
+          </ac:spMkLst>
+        </pc:spChg>
+        <pc:spChg chg="add del mod">
+          <ac:chgData name="Fu, Enguang" userId="0a9dcee4-6405-40fd-bb42-dd19fc94bec1" providerId="ADAL" clId="{3538FE26-223B-1D46-BF3C-6AF32D14471A}" dt="2025-07-12T18:49:58.546" v="52" actId="478"/>
+          <ac:spMkLst>
+            <pc:docMk/>
+            <pc:sldMk cId="1824931327" sldId="265"/>
+            <ac:spMk id="27" creationId="{138D6DC3-95B6-E465-0854-13E84CCC061F}"/>
+          </ac:spMkLst>
+        </pc:spChg>
+        <pc:spChg chg="del">
+          <ac:chgData name="Fu, Enguang" userId="0a9dcee4-6405-40fd-bb42-dd19fc94bec1" providerId="ADAL" clId="{3538FE26-223B-1D46-BF3C-6AF32D14471A}" dt="2025-07-12T18:49:56.949" v="50" actId="478"/>
+          <ac:spMkLst>
+            <pc:docMk/>
+            <pc:sldMk cId="1824931327" sldId="265"/>
+            <ac:spMk id="29" creationId="{BAA846DE-8FEC-C985-5172-72E65534F099}"/>
+          </ac:spMkLst>
+        </pc:spChg>
+        <pc:grpChg chg="del mod">
+          <ac:chgData name="Fu, Enguang" userId="0a9dcee4-6405-40fd-bb42-dd19fc94bec1" providerId="ADAL" clId="{3538FE26-223B-1D46-BF3C-6AF32D14471A}" dt="2025-07-12T18:50:07.664" v="56" actId="478"/>
+          <ac:grpSpMkLst>
+            <pc:docMk/>
+            <pc:sldMk cId="1824931327" sldId="265"/>
+            <ac:grpSpMk id="2" creationId="{4C097009-33D7-BE63-EDBE-4C271492479C}"/>
+          </ac:grpSpMkLst>
+        </pc:grpChg>
+        <pc:picChg chg="mod modVis modCrop">
+          <ac:chgData name="Fu, Enguang" userId="0a9dcee4-6405-40fd-bb42-dd19fc94bec1" providerId="ADAL" clId="{3538FE26-223B-1D46-BF3C-6AF32D14471A}" dt="2025-07-12T18:48:55.519" v="34" actId="732"/>
+          <ac:picMkLst>
+            <pc:docMk/>
+            <pc:sldMk cId="1824931327" sldId="265"/>
+            <ac:picMk id="3" creationId="{CF778D2F-7B6D-057F-C594-50E85E3420A0}"/>
+          </ac:picMkLst>
+        </pc:picChg>
+        <pc:picChg chg="mod">
+          <ac:chgData name="Fu, Enguang" userId="0a9dcee4-6405-40fd-bb42-dd19fc94bec1" providerId="ADAL" clId="{3538FE26-223B-1D46-BF3C-6AF32D14471A}" dt="2025-07-12T18:50:11.428" v="57" actId="1076"/>
+          <ac:picMkLst>
+            <pc:docMk/>
+            <pc:sldMk cId="1824931327" sldId="265"/>
+            <ac:picMk id="12" creationId="{D63053FD-7CE0-3711-A0FC-1204AA11F28E}"/>
+          </ac:picMkLst>
+        </pc:picChg>
+        <pc:cxnChg chg="del mod">
+          <ac:chgData name="Fu, Enguang" userId="0a9dcee4-6405-40fd-bb42-dd19fc94bec1" providerId="ADAL" clId="{3538FE26-223B-1D46-BF3C-6AF32D14471A}" dt="2025-07-12T18:49:51.091" v="44" actId="478"/>
+          <ac:cxnSpMkLst>
+            <pc:docMk/>
+            <pc:sldMk cId="1824931327" sldId="265"/>
+            <ac:cxnSpMk id="24" creationId="{C5668AAF-ECC4-8C33-93E7-F505BFC29D85}"/>
+          </ac:cxnSpMkLst>
+        </pc:cxnChg>
+        <pc:cxnChg chg="del mod">
+          <ac:chgData name="Fu, Enguang" userId="0a9dcee4-6405-40fd-bb42-dd19fc94bec1" providerId="ADAL" clId="{3538FE26-223B-1D46-BF3C-6AF32D14471A}" dt="2025-07-12T18:49:51.602" v="45" actId="478"/>
+          <ac:cxnSpMkLst>
+            <pc:docMk/>
+            <pc:sldMk cId="1824931327" sldId="265"/>
+            <ac:cxnSpMk id="25" creationId="{A9A496E6-44F1-E740-3C18-F7B606FBA13F}"/>
+          </ac:cxnSpMkLst>
+        </pc:cxnChg>
+        <pc:cxnChg chg="del">
+          <ac:chgData name="Fu, Enguang" userId="0a9dcee4-6405-40fd-bb42-dd19fc94bec1" providerId="ADAL" clId="{3538FE26-223B-1D46-BF3C-6AF32D14471A}" dt="2025-07-12T18:49:54.511" v="49" actId="478"/>
+          <ac:cxnSpMkLst>
+            <pc:docMk/>
+            <pc:sldMk cId="1824931327" sldId="265"/>
+            <ac:cxnSpMk id="28" creationId="{7FCF5ED6-C2AF-D8C9-FB2B-9242BD4CB510}"/>
+          </ac:cxnSpMkLst>
+        </pc:cxnChg>
+      </pc:sldChg>
+      <pc:sldChg chg="addSp delSp modSp new mod">
+        <pc:chgData name="Fu, Enguang" userId="0a9dcee4-6405-40fd-bb42-dd19fc94bec1" providerId="ADAL" clId="{3538FE26-223B-1D46-BF3C-6AF32D14471A}" dt="2025-07-12T18:48:37.420" v="30" actId="14100"/>
+        <pc:sldMkLst>
+          <pc:docMk/>
+          <pc:sldMk cId="2713148803" sldId="266"/>
+        </pc:sldMkLst>
+        <pc:spChg chg="add mod">
+          <ac:chgData name="Fu, Enguang" userId="0a9dcee4-6405-40fd-bb42-dd19fc94bec1" providerId="ADAL" clId="{3538FE26-223B-1D46-BF3C-6AF32D14471A}" dt="2025-07-12T18:45:22.589" v="1"/>
+          <ac:spMkLst>
+            <pc:docMk/>
+            <pc:sldMk cId="2713148803" sldId="266"/>
+            <ac:spMk id="5" creationId="{1C1F519D-3FEB-CE35-FE39-360D614D7686}"/>
+          </ac:spMkLst>
+        </pc:spChg>
+        <pc:spChg chg="add mod">
+          <ac:chgData name="Fu, Enguang" userId="0a9dcee4-6405-40fd-bb42-dd19fc94bec1" providerId="ADAL" clId="{3538FE26-223B-1D46-BF3C-6AF32D14471A}" dt="2025-07-12T18:45:22.589" v="1"/>
+          <ac:spMkLst>
+            <pc:docMk/>
+            <pc:sldMk cId="2713148803" sldId="266"/>
+            <ac:spMk id="6" creationId="{10A50EC9-7371-236A-9CD6-1378681FEC70}"/>
+          </ac:spMkLst>
+        </pc:spChg>
+        <pc:spChg chg="add mod">
+          <ac:chgData name="Fu, Enguang" userId="0a9dcee4-6405-40fd-bb42-dd19fc94bec1" providerId="ADAL" clId="{3538FE26-223B-1D46-BF3C-6AF32D14471A}" dt="2025-07-12T18:45:22.589" v="1"/>
+          <ac:spMkLst>
+            <pc:docMk/>
+            <pc:sldMk cId="2713148803" sldId="266"/>
+            <ac:spMk id="7" creationId="{3FF25DEF-A790-D525-F089-E5CAD31C2EFC}"/>
+          </ac:spMkLst>
+        </pc:spChg>
+        <pc:spChg chg="add mod">
+          <ac:chgData name="Fu, Enguang" userId="0a9dcee4-6405-40fd-bb42-dd19fc94bec1" providerId="ADAL" clId="{3538FE26-223B-1D46-BF3C-6AF32D14471A}" dt="2025-07-12T18:45:22.589" v="1"/>
+          <ac:spMkLst>
+            <pc:docMk/>
+            <pc:sldMk cId="2713148803" sldId="266"/>
+            <ac:spMk id="8" creationId="{D5169514-80BD-8D65-8254-BFA9ECA613BC}"/>
+          </ac:spMkLst>
+        </pc:spChg>
+        <pc:spChg chg="add mod">
+          <ac:chgData name="Fu, Enguang" userId="0a9dcee4-6405-40fd-bb42-dd19fc94bec1" providerId="ADAL" clId="{3538FE26-223B-1D46-BF3C-6AF32D14471A}" dt="2025-07-12T18:45:22.589" v="1"/>
+          <ac:spMkLst>
+            <pc:docMk/>
+            <pc:sldMk cId="2713148803" sldId="266"/>
+            <ac:spMk id="9" creationId="{DE05D048-D524-501E-E8B1-7AA0B22AECBD}"/>
+          </ac:spMkLst>
+        </pc:spChg>
+        <pc:spChg chg="add mod">
+          <ac:chgData name="Fu, Enguang" userId="0a9dcee4-6405-40fd-bb42-dd19fc94bec1" providerId="ADAL" clId="{3538FE26-223B-1D46-BF3C-6AF32D14471A}" dt="2025-07-12T18:45:22.589" v="1"/>
+          <ac:spMkLst>
+            <pc:docMk/>
+            <pc:sldMk cId="2713148803" sldId="266"/>
+            <ac:spMk id="12" creationId="{B5AF8C2F-5DE0-5C2E-ABAB-9D10F8E110B5}"/>
+          </ac:spMkLst>
+        </pc:spChg>
+        <pc:spChg chg="add mod">
+          <ac:chgData name="Fu, Enguang" userId="0a9dcee4-6405-40fd-bb42-dd19fc94bec1" providerId="ADAL" clId="{3538FE26-223B-1D46-BF3C-6AF32D14471A}" dt="2025-07-12T18:45:22.589" v="1"/>
+          <ac:spMkLst>
+            <pc:docMk/>
+            <pc:sldMk cId="2713148803" sldId="266"/>
+            <ac:spMk id="13" creationId="{485B0F93-43AC-0EB6-F641-DF1D4462B55C}"/>
+          </ac:spMkLst>
+        </pc:spChg>
+        <pc:spChg chg="add mod">
+          <ac:chgData name="Fu, Enguang" userId="0a9dcee4-6405-40fd-bb42-dd19fc94bec1" providerId="ADAL" clId="{3538FE26-223B-1D46-BF3C-6AF32D14471A}" dt="2025-07-12T18:45:22.589" v="1"/>
+          <ac:spMkLst>
+            <pc:docMk/>
+            <pc:sldMk cId="2713148803" sldId="266"/>
+            <ac:spMk id="16" creationId="{73C82851-A00F-729E-A79C-1AFC7B240FF2}"/>
+          </ac:spMkLst>
+        </pc:spChg>
+        <pc:spChg chg="add mod">
+          <ac:chgData name="Fu, Enguang" userId="0a9dcee4-6405-40fd-bb42-dd19fc94bec1" providerId="ADAL" clId="{3538FE26-223B-1D46-BF3C-6AF32D14471A}" dt="2025-07-12T18:45:22.589" v="1"/>
+          <ac:spMkLst>
+            <pc:docMk/>
+            <pc:sldMk cId="2713148803" sldId="266"/>
+            <ac:spMk id="17" creationId="{3C40BC37-47A9-61B8-34E1-25E2E2D92D13}"/>
+          </ac:spMkLst>
+        </pc:spChg>
+        <pc:spChg chg="add mod">
+          <ac:chgData name="Fu, Enguang" userId="0a9dcee4-6405-40fd-bb42-dd19fc94bec1" providerId="ADAL" clId="{3538FE26-223B-1D46-BF3C-6AF32D14471A}" dt="2025-07-12T18:45:22.589" v="1"/>
+          <ac:spMkLst>
+            <pc:docMk/>
+            <pc:sldMk cId="2713148803" sldId="266"/>
+            <ac:spMk id="19" creationId="{C4BC8D58-7AFC-2389-EFDD-E88F922E3C9D}"/>
+          </ac:spMkLst>
+        </pc:spChg>
+        <pc:spChg chg="add mod">
+          <ac:chgData name="Fu, Enguang" userId="0a9dcee4-6405-40fd-bb42-dd19fc94bec1" providerId="ADAL" clId="{3538FE26-223B-1D46-BF3C-6AF32D14471A}" dt="2025-07-12T18:45:47.005" v="2"/>
+          <ac:spMkLst>
+            <pc:docMk/>
+            <pc:sldMk cId="2713148803" sldId="266"/>
+            <ac:spMk id="21" creationId="{8584FB71-2E55-45D1-3FC5-E9B6FC3AF4E5}"/>
+          </ac:spMkLst>
+        </pc:spChg>
+        <pc:spChg chg="add mod">
+          <ac:chgData name="Fu, Enguang" userId="0a9dcee4-6405-40fd-bb42-dd19fc94bec1" providerId="ADAL" clId="{3538FE26-223B-1D46-BF3C-6AF32D14471A}" dt="2025-07-12T18:45:47.005" v="2"/>
+          <ac:spMkLst>
+            <pc:docMk/>
+            <pc:sldMk cId="2713148803" sldId="266"/>
+            <ac:spMk id="22" creationId="{5B816E3D-2F8B-072B-13F9-16F0E85186AD}"/>
+          </ac:spMkLst>
+        </pc:spChg>
+        <pc:spChg chg="add mod">
+          <ac:chgData name="Fu, Enguang" userId="0a9dcee4-6405-40fd-bb42-dd19fc94bec1" providerId="ADAL" clId="{3538FE26-223B-1D46-BF3C-6AF32D14471A}" dt="2025-07-12T18:45:47.005" v="2"/>
+          <ac:spMkLst>
+            <pc:docMk/>
+            <pc:sldMk cId="2713148803" sldId="266"/>
+            <ac:spMk id="24" creationId="{CAE6D322-22F3-50FF-CA36-75869B19D22A}"/>
+          </ac:spMkLst>
+        </pc:spChg>
+        <pc:spChg chg="add mod">
+          <ac:chgData name="Fu, Enguang" userId="0a9dcee4-6405-40fd-bb42-dd19fc94bec1" providerId="ADAL" clId="{3538FE26-223B-1D46-BF3C-6AF32D14471A}" dt="2025-07-12T18:45:47.005" v="2"/>
+          <ac:spMkLst>
+            <pc:docMk/>
+            <pc:sldMk cId="2713148803" sldId="266"/>
+            <ac:spMk id="25" creationId="{802E3F1E-8EB2-FB4E-55CF-9A561F76C525}"/>
+          </ac:spMkLst>
+        </pc:spChg>
+        <pc:spChg chg="add mod">
+          <ac:chgData name="Fu, Enguang" userId="0a9dcee4-6405-40fd-bb42-dd19fc94bec1" providerId="ADAL" clId="{3538FE26-223B-1D46-BF3C-6AF32D14471A}" dt="2025-07-12T18:45:47.005" v="2"/>
+          <ac:spMkLst>
+            <pc:docMk/>
+            <pc:sldMk cId="2713148803" sldId="266"/>
+            <ac:spMk id="28" creationId="{40D634E9-2FE1-705C-16B4-7D37BC03BA9F}"/>
+          </ac:spMkLst>
+        </pc:spChg>
+        <pc:spChg chg="add mod">
+          <ac:chgData name="Fu, Enguang" userId="0a9dcee4-6405-40fd-bb42-dd19fc94bec1" providerId="ADAL" clId="{3538FE26-223B-1D46-BF3C-6AF32D14471A}" dt="2025-07-12T18:45:47.005" v="2"/>
+          <ac:spMkLst>
+            <pc:docMk/>
+            <pc:sldMk cId="2713148803" sldId="266"/>
+            <ac:spMk id="29" creationId="{03A0515E-FA92-1D6C-2359-708DE48EBE39}"/>
+          </ac:spMkLst>
+        </pc:spChg>
+        <pc:spChg chg="add mod">
+          <ac:chgData name="Fu, Enguang" userId="0a9dcee4-6405-40fd-bb42-dd19fc94bec1" providerId="ADAL" clId="{3538FE26-223B-1D46-BF3C-6AF32D14471A}" dt="2025-07-12T18:45:47.005" v="2"/>
+          <ac:spMkLst>
+            <pc:docMk/>
+            <pc:sldMk cId="2713148803" sldId="266"/>
+            <ac:spMk id="30" creationId="{CE40C256-8443-2510-142B-3DB1A1F795A1}"/>
+          </ac:spMkLst>
+        </pc:spChg>
+        <pc:spChg chg="add mod">
+          <ac:chgData name="Fu, Enguang" userId="0a9dcee4-6405-40fd-bb42-dd19fc94bec1" providerId="ADAL" clId="{3538FE26-223B-1D46-BF3C-6AF32D14471A}" dt="2025-07-12T18:45:47.005" v="2"/>
+          <ac:spMkLst>
+            <pc:docMk/>
+            <pc:sldMk cId="2713148803" sldId="266"/>
+            <ac:spMk id="34" creationId="{B7F582D5-9830-EA82-F3D2-863594FBF630}"/>
+          </ac:spMkLst>
+        </pc:spChg>
+        <pc:spChg chg="add mod">
+          <ac:chgData name="Fu, Enguang" userId="0a9dcee4-6405-40fd-bb42-dd19fc94bec1" providerId="ADAL" clId="{3538FE26-223B-1D46-BF3C-6AF32D14471A}" dt="2025-07-12T18:45:47.005" v="2"/>
+          <ac:spMkLst>
+            <pc:docMk/>
+            <pc:sldMk cId="2713148803" sldId="266"/>
+            <ac:spMk id="35" creationId="{4C5CCCF2-09F4-022B-6EC0-4C2F46916B8A}"/>
+          </ac:spMkLst>
+        </pc:spChg>
+        <pc:spChg chg="add mod">
+          <ac:chgData name="Fu, Enguang" userId="0a9dcee4-6405-40fd-bb42-dd19fc94bec1" providerId="ADAL" clId="{3538FE26-223B-1D46-BF3C-6AF32D14471A}" dt="2025-07-12T18:45:47.005" v="2"/>
+          <ac:spMkLst>
+            <pc:docMk/>
+            <pc:sldMk cId="2713148803" sldId="266"/>
+            <ac:spMk id="37" creationId="{1D7FBE5F-C461-0FEF-32A9-4A69D57AFD42}"/>
+          </ac:spMkLst>
+        </pc:spChg>
+        <pc:spChg chg="add del mod modVis">
+          <ac:chgData name="Fu, Enguang" userId="0a9dcee4-6405-40fd-bb42-dd19fc94bec1" providerId="ADAL" clId="{3538FE26-223B-1D46-BF3C-6AF32D14471A}" dt="2025-07-12T18:48:37.420" v="30" actId="14100"/>
+          <ac:spMkLst>
+            <pc:docMk/>
+            <pc:sldMk cId="2713148803" sldId="266"/>
+            <ac:spMk id="38" creationId="{1ADBC5FC-7586-3893-8175-7F1777B9B982}"/>
+          </ac:spMkLst>
+        </pc:spChg>
+        <pc:picChg chg="add del mod modCrop">
+          <ac:chgData name="Fu, Enguang" userId="0a9dcee4-6405-40fd-bb42-dd19fc94bec1" providerId="ADAL" clId="{3538FE26-223B-1D46-BF3C-6AF32D14471A}" dt="2025-07-12T18:48:30.486" v="28" actId="732"/>
+          <ac:picMkLst>
+            <pc:docMk/>
+            <pc:sldMk cId="2713148803" sldId="266"/>
+            <ac:picMk id="2" creationId="{1123AEC9-7E5A-8AB4-163A-40CBA5582382}"/>
+          </ac:picMkLst>
+        </pc:picChg>
+      </pc:sldChg>
+    </pc:docChg>
+  </pc:docChgLst>
   <pc:docChgLst>
     <pc:chgData name="Fu, Enguang" userId="0a9dcee4-6405-40fd-bb42-dd19fc94bec1" providerId="ADAL" clId="{6C62279B-C23D-C44B-818D-AE6AE8742BC2}"/>
     <pc:docChg chg="undo custSel addSld modSld">
@@ -279,14 +662,6 @@
             <ac:spMk id="6" creationId="{4ED73095-FBB5-B2D6-7C82-E48DC8F7C553}"/>
           </ac:spMkLst>
         </pc:spChg>
-        <pc:spChg chg="del mod">
-          <ac:chgData name="Fu, Enguang" userId="0a9dcee4-6405-40fd-bb42-dd19fc94bec1" providerId="ADAL" clId="{6C62279B-C23D-C44B-818D-AE6AE8742BC2}" dt="2025-07-08T21:13:52.670" v="14" actId="478"/>
-          <ac:spMkLst>
-            <pc:docMk/>
-            <pc:sldMk cId="779650603" sldId="259"/>
-            <ac:spMk id="9" creationId="{1DFABA56-83E6-C924-1C16-09DF48557A77}"/>
-          </ac:spMkLst>
-        </pc:spChg>
         <pc:spChg chg="mod topLvl">
           <ac:chgData name="Fu, Enguang" userId="0a9dcee4-6405-40fd-bb42-dd19fc94bec1" providerId="ADAL" clId="{6C62279B-C23D-C44B-818D-AE6AE8742BC2}" dt="2025-07-08T21:14:22.358" v="21" actId="164"/>
           <ac:spMkLst>
@@ -351,14 +726,6 @@
             <ac:grpSpMk id="2" creationId="{C45AC06D-CEEC-B735-2834-FD02C7D6FD7F}"/>
           </ac:grpSpMkLst>
         </pc:grpChg>
-        <pc:grpChg chg="del mod">
-          <ac:chgData name="Fu, Enguang" userId="0a9dcee4-6405-40fd-bb42-dd19fc94bec1" providerId="ADAL" clId="{6C62279B-C23D-C44B-818D-AE6AE8742BC2}" dt="2025-07-08T21:14:16.021" v="20" actId="165"/>
-          <ac:grpSpMkLst>
-            <pc:docMk/>
-            <pc:sldMk cId="779650603" sldId="259"/>
-            <ac:grpSpMk id="7" creationId="{88277FAB-EE73-9516-DDA3-2D99DD4FC303}"/>
-          </ac:grpSpMkLst>
-        </pc:grpChg>
         <pc:grpChg chg="add mod">
           <ac:chgData name="Fu, Enguang" userId="0a9dcee4-6405-40fd-bb42-dd19fc94bec1" providerId="ADAL" clId="{6C62279B-C23D-C44B-818D-AE6AE8742BC2}" dt="2025-07-08T21:14:30.249" v="24" actId="1076"/>
           <ac:grpSpMkLst>
@@ -382,14 +749,6 @@
           <pc:docMk/>
           <pc:sldMk cId="2157769966" sldId="260"/>
         </pc:sldMkLst>
-        <pc:spChg chg="del mod">
-          <ac:chgData name="Fu, Enguang" userId="0a9dcee4-6405-40fd-bb42-dd19fc94bec1" providerId="ADAL" clId="{6C62279B-C23D-C44B-818D-AE6AE8742BC2}" dt="2025-07-08T21:18:38.582" v="55" actId="478"/>
-          <ac:spMkLst>
-            <pc:docMk/>
-            <pc:sldMk cId="2157769966" sldId="260"/>
-            <ac:spMk id="3" creationId="{9D5B780C-17B3-D769-50B1-8EA2D0DF1D9F}"/>
-          </ac:spMkLst>
-        </pc:spChg>
         <pc:spChg chg="mod">
           <ac:chgData name="Fu, Enguang" userId="0a9dcee4-6405-40fd-bb42-dd19fc94bec1" providerId="ADAL" clId="{6C62279B-C23D-C44B-818D-AE6AE8742BC2}" dt="2025-07-08T21:18:03.055" v="49"/>
           <ac:spMkLst>
@@ -509,14 +868,6 @@
             <ac:spMk id="4" creationId="{79EBA177-4E82-4C70-E687-47518D3177A9}"/>
           </ac:spMkLst>
         </pc:spChg>
-        <pc:spChg chg="add del mod">
-          <ac:chgData name="Fu, Enguang" userId="0a9dcee4-6405-40fd-bb42-dd19fc94bec1" providerId="ADAL" clId="{6C62279B-C23D-C44B-818D-AE6AE8742BC2}" dt="2025-07-08T21:20:33.585" v="60" actId="478"/>
-          <ac:spMkLst>
-            <pc:docMk/>
-            <pc:sldMk cId="3024936783" sldId="261"/>
-            <ac:spMk id="5" creationId="{252C193C-2191-467E-49A8-FBC8B5F12FC5}"/>
-          </ac:spMkLst>
-        </pc:spChg>
         <pc:spChg chg="mod">
           <ac:chgData name="Fu, Enguang" userId="0a9dcee4-6405-40fd-bb42-dd19fc94bec1" providerId="ADAL" clId="{6C62279B-C23D-C44B-818D-AE6AE8742BC2}" dt="2025-07-08T21:19:49.833" v="58"/>
           <ac:spMkLst>
@@ -531,14 +882,6 @@
             <pc:docMk/>
             <pc:sldMk cId="3024936783" sldId="261"/>
             <ac:spMk id="9" creationId="{DD8EA9FC-9EEF-9BC1-EFA9-1F6F2E17817F}"/>
-          </ac:spMkLst>
-        </pc:spChg>
-        <pc:spChg chg="add del mod">
-          <ac:chgData name="Fu, Enguang" userId="0a9dcee4-6405-40fd-bb42-dd19fc94bec1" providerId="ADAL" clId="{6C62279B-C23D-C44B-818D-AE6AE8742BC2}" dt="2025-07-08T21:20:31.870" v="59" actId="478"/>
-          <ac:spMkLst>
-            <pc:docMk/>
-            <pc:sldMk cId="3024936783" sldId="261"/>
-            <ac:spMk id="11" creationId="{1C9CEC55-4E5C-4DE3-3354-8031C164BC38}"/>
           </ac:spMkLst>
         </pc:spChg>
         <pc:spChg chg="add mod">
@@ -668,14 +1011,6 @@
             <ac:spMk id="19" creationId="{920492A3-D807-DB67-F503-95546BE2A23E}"/>
           </ac:spMkLst>
         </pc:spChg>
-        <pc:spChg chg="add del mod">
-          <ac:chgData name="Fu, Enguang" userId="0a9dcee4-6405-40fd-bb42-dd19fc94bec1" providerId="ADAL" clId="{6C62279B-C23D-C44B-818D-AE6AE8742BC2}" dt="2025-07-08T21:23:07.585" v="76" actId="478"/>
-          <ac:spMkLst>
-            <pc:docMk/>
-            <pc:sldMk cId="1930015207" sldId="262"/>
-            <ac:spMk id="20" creationId="{16328752-B6C9-6F0D-21FF-EE6140EF0E1C}"/>
-          </ac:spMkLst>
-        </pc:spChg>
         <pc:spChg chg="add mod">
           <ac:chgData name="Fu, Enguang" userId="0a9dcee4-6405-40fd-bb42-dd19fc94bec1" providerId="ADAL" clId="{6C62279B-C23D-C44B-818D-AE6AE8742BC2}" dt="2025-07-08T21:23:21.934" v="82" actId="167"/>
           <ac:spMkLst>
@@ -713,14 +1048,6 @@
             <pc:docMk/>
             <pc:sldMk cId="3365423249" sldId="263"/>
             <ac:spMk id="5" creationId="{4BA3DC94-E7B8-FD92-ECEC-E16B2FCFBA19}"/>
-          </ac:spMkLst>
-        </pc:spChg>
-        <pc:spChg chg="add del mod">
-          <ac:chgData name="Fu, Enguang" userId="0a9dcee4-6405-40fd-bb42-dd19fc94bec1" providerId="ADAL" clId="{6C62279B-C23D-C44B-818D-AE6AE8742BC2}" dt="2025-07-08T21:24:52.221" v="89" actId="21"/>
-          <ac:spMkLst>
-            <pc:docMk/>
-            <pc:sldMk cId="3365423249" sldId="263"/>
-            <ac:spMk id="6" creationId="{CB28D5A9-74C6-0301-D88F-8202C1B2A7D1}"/>
           </ac:spMkLst>
         </pc:spChg>
         <pc:spChg chg="add mod">
@@ -762,14 +1089,6 @@
             <ac:picMk id="3" creationId="{6EC8A763-70A3-4460-8787-570402016FAA}"/>
           </ac:picMkLst>
         </pc:picChg>
-        <pc:picChg chg="add mod">
-          <ac:chgData name="Fu, Enguang" userId="0a9dcee4-6405-40fd-bb42-dd19fc94bec1" providerId="ADAL" clId="{6C62279B-C23D-C44B-818D-AE6AE8742BC2}" dt="2025-07-08T21:26:11.035" v="100"/>
-          <ac:picMkLst>
-            <pc:docMk/>
-            <pc:sldMk cId="133361433" sldId="264"/>
-            <ac:picMk id="5" creationId="{BD3CB4BE-9F19-C66D-5796-E9E9080F7CFF}"/>
-          </ac:picMkLst>
-        </pc:picChg>
       </pc:sldChg>
       <pc:sldChg chg="addSp delSp modSp new mod">
         <pc:chgData name="Fu, Enguang" userId="0a9dcee4-6405-40fd-bb42-dd19fc94bec1" providerId="ADAL" clId="{6C62279B-C23D-C44B-818D-AE6AE8742BC2}" dt="2025-07-08T21:48:02.748" v="116" actId="14100"/>
@@ -777,14 +1096,6 @@
           <pc:docMk/>
           <pc:sldMk cId="1824931327" sldId="265"/>
         </pc:sldMkLst>
-        <pc:spChg chg="del mod">
-          <ac:chgData name="Fu, Enguang" userId="0a9dcee4-6405-40fd-bb42-dd19fc94bec1" providerId="ADAL" clId="{6C62279B-C23D-C44B-818D-AE6AE8742BC2}" dt="2025-07-08T21:47:37.716" v="111" actId="478"/>
-          <ac:spMkLst>
-            <pc:docMk/>
-            <pc:sldMk cId="1824931327" sldId="265"/>
-            <ac:spMk id="4" creationId="{CAEC722E-7B35-3168-626E-6E2B618A619A}"/>
-          </ac:spMkLst>
-        </pc:spChg>
         <pc:spChg chg="mod">
           <ac:chgData name="Fu, Enguang" userId="0a9dcee4-6405-40fd-bb42-dd19fc94bec1" providerId="ADAL" clId="{6C62279B-C23D-C44B-818D-AE6AE8742BC2}" dt="2025-07-08T21:47:34.693" v="109"/>
           <ac:spMkLst>
@@ -833,22 +1144,6 @@
             <ac:spMk id="10" creationId="{9C525F88-0424-70CA-D96A-666F75333606}"/>
           </ac:spMkLst>
         </pc:spChg>
-        <pc:spChg chg="add mod">
-          <ac:chgData name="Fu, Enguang" userId="0a9dcee4-6405-40fd-bb42-dd19fc94bec1" providerId="ADAL" clId="{6C62279B-C23D-C44B-818D-AE6AE8742BC2}" dt="2025-07-08T21:47:57.496" v="115" actId="167"/>
-          <ac:spMkLst>
-            <pc:docMk/>
-            <pc:sldMk cId="1824931327" sldId="265"/>
-            <ac:spMk id="11" creationId="{0CC33605-3070-AA63-9831-9645B1676D2C}"/>
-          </ac:spMkLst>
-        </pc:spChg>
-        <pc:grpChg chg="add mod">
-          <ac:chgData name="Fu, Enguang" userId="0a9dcee4-6405-40fd-bb42-dd19fc94bec1" providerId="ADAL" clId="{6C62279B-C23D-C44B-818D-AE6AE8742BC2}" dt="2025-07-08T21:48:02.748" v="116" actId="14100"/>
-          <ac:grpSpMkLst>
-            <pc:docMk/>
-            <pc:sldMk cId="1824931327" sldId="265"/>
-            <ac:grpSpMk id="2" creationId="{4C097009-33D7-BE63-EDBE-4C271492479C}"/>
-          </ac:grpSpMkLst>
-        </pc:grpChg>
         <pc:picChg chg="mod">
           <ac:chgData name="Fu, Enguang" userId="0a9dcee4-6405-40fd-bb42-dd19fc94bec1" providerId="ADAL" clId="{6C62279B-C23D-C44B-818D-AE6AE8742BC2}" dt="2025-07-08T21:47:34.693" v="109"/>
           <ac:picMkLst>
@@ -1010,7 +1305,7 @@
           <a:p>
             <a:fld id="{091E6A92-88BF-494A-9DE1-33458F3BDB38}" type="datetimeFigureOut">
               <a:rPr lang="en-US" smtClean="0"/>
-              <a:t>7/8/25</a:t>
+              <a:t>7/12/25</a:t>
             </a:fld>
             <a:endParaRPr lang="en-US"/>
           </a:p>
@@ -1208,7 +1503,7 @@
           <a:p>
             <a:fld id="{091E6A92-88BF-494A-9DE1-33458F3BDB38}" type="datetimeFigureOut">
               <a:rPr lang="en-US" smtClean="0"/>
-              <a:t>7/8/25</a:t>
+              <a:t>7/12/25</a:t>
             </a:fld>
             <a:endParaRPr lang="en-US"/>
           </a:p>
@@ -1416,7 +1711,7 @@
           <a:p>
             <a:fld id="{091E6A92-88BF-494A-9DE1-33458F3BDB38}" type="datetimeFigureOut">
               <a:rPr lang="en-US" smtClean="0"/>
-              <a:t>7/8/25</a:t>
+              <a:t>7/12/25</a:t>
             </a:fld>
             <a:endParaRPr lang="en-US"/>
           </a:p>
@@ -1614,7 +1909,7 @@
           <a:p>
             <a:fld id="{091E6A92-88BF-494A-9DE1-33458F3BDB38}" type="datetimeFigureOut">
               <a:rPr lang="en-US" smtClean="0"/>
-              <a:t>7/8/25</a:t>
+              <a:t>7/12/25</a:t>
             </a:fld>
             <a:endParaRPr lang="en-US"/>
           </a:p>
@@ -1889,7 +2184,7 @@
           <a:p>
             <a:fld id="{091E6A92-88BF-494A-9DE1-33458F3BDB38}" type="datetimeFigureOut">
               <a:rPr lang="en-US" smtClean="0"/>
-              <a:t>7/8/25</a:t>
+              <a:t>7/12/25</a:t>
             </a:fld>
             <a:endParaRPr lang="en-US"/>
           </a:p>
@@ -2154,7 +2449,7 @@
           <a:p>
             <a:fld id="{091E6A92-88BF-494A-9DE1-33458F3BDB38}" type="datetimeFigureOut">
               <a:rPr lang="en-US" smtClean="0"/>
-              <a:t>7/8/25</a:t>
+              <a:t>7/12/25</a:t>
             </a:fld>
             <a:endParaRPr lang="en-US"/>
           </a:p>
@@ -2566,7 +2861,7 @@
           <a:p>
             <a:fld id="{091E6A92-88BF-494A-9DE1-33458F3BDB38}" type="datetimeFigureOut">
               <a:rPr lang="en-US" smtClean="0"/>
-              <a:t>7/8/25</a:t>
+              <a:t>7/12/25</a:t>
             </a:fld>
             <a:endParaRPr lang="en-US"/>
           </a:p>
@@ -2707,7 +3002,7 @@
           <a:p>
             <a:fld id="{091E6A92-88BF-494A-9DE1-33458F3BDB38}" type="datetimeFigureOut">
               <a:rPr lang="en-US" smtClean="0"/>
-              <a:t>7/8/25</a:t>
+              <a:t>7/12/25</a:t>
             </a:fld>
             <a:endParaRPr lang="en-US"/>
           </a:p>
@@ -2820,7 +3115,7 @@
           <a:p>
             <a:fld id="{091E6A92-88BF-494A-9DE1-33458F3BDB38}" type="datetimeFigureOut">
               <a:rPr lang="en-US" smtClean="0"/>
-              <a:t>7/8/25</a:t>
+              <a:t>7/12/25</a:t>
             </a:fld>
             <a:endParaRPr lang="en-US"/>
           </a:p>
@@ -3131,7 +3426,7 @@
           <a:p>
             <a:fld id="{091E6A92-88BF-494A-9DE1-33458F3BDB38}" type="datetimeFigureOut">
               <a:rPr lang="en-US" smtClean="0"/>
-              <a:t>7/8/25</a:t>
+              <a:t>7/12/25</a:t>
             </a:fld>
             <a:endParaRPr lang="en-US"/>
           </a:p>
@@ -3419,7 +3714,7 @@
           <a:p>
             <a:fld id="{091E6A92-88BF-494A-9DE1-33458F3BDB38}" type="datetimeFigureOut">
               <a:rPr lang="en-US" smtClean="0"/>
-              <a:t>7/8/25</a:t>
+              <a:t>7/12/25</a:t>
             </a:fld>
             <a:endParaRPr lang="en-US"/>
           </a:p>
@@ -3660,7 +3955,7 @@
           <a:p>
             <a:fld id="{091E6A92-88BF-494A-9DE1-33458F3BDB38}" type="datetimeFigureOut">
               <a:rPr lang="en-US" smtClean="0"/>
-              <a:t>7/8/25</a:t>
+              <a:t>7/12/25</a:t>
             </a:fld>
             <a:endParaRPr lang="en-US"/>
           </a:p>
@@ -4145,6 +4440,1410 @@
 </file>
 
 <file path=ppt/slides/slide10.xml><?xml version="1.0" encoding="utf-8"?>
+<p:sld xmlns:a="http://schemas.openxmlformats.org/drawingml/2006/main" xmlns:r="http://schemas.openxmlformats.org/officeDocument/2006/relationships" xmlns:p="http://schemas.openxmlformats.org/presentationml/2006/main">
+  <p:cSld>
+    <p:spTree>
+      <p:nvGrpSpPr>
+        <p:cNvPr id="1" name=""/>
+        <p:cNvGrpSpPr/>
+        <p:nvPr/>
+      </p:nvGrpSpPr>
+      <p:grpSpPr>
+        <a:xfrm>
+          <a:off x="0" y="0"/>
+          <a:ext cx="0" cy="0"/>
+          <a:chOff x="0" y="0"/>
+          <a:chExt cx="0" cy="0"/>
+        </a:xfrm>
+      </p:grpSpPr>
+      <p:sp>
+        <p:nvSpPr>
+          <p:cNvPr id="7" name="Rectangle 6">
+            <a:extLst>
+              <a:ext uri="{FF2B5EF4-FFF2-40B4-BE49-F238E27FC236}">
+                <a16:creationId xmlns:a16="http://schemas.microsoft.com/office/drawing/2014/main" id="{CE3CAD40-B007-16EB-8E6F-47F65833BE6B}"/>
+              </a:ext>
+            </a:extLst>
+          </p:cNvPr>
+          <p:cNvSpPr/>
+          <p:nvPr/>
+        </p:nvSpPr>
+        <p:spPr>
+          <a:xfrm>
+            <a:off x="124691" y="2105891"/>
+            <a:ext cx="11942618" cy="2313709"/>
+          </a:xfrm>
+          <a:prstGeom prst="rect">
+            <a:avLst/>
+          </a:prstGeom>
+          <a:ln>
+            <a:noFill/>
+          </a:ln>
+        </p:spPr>
+        <p:style>
+          <a:lnRef idx="2">
+            <a:schemeClr val="accent6"/>
+          </a:lnRef>
+          <a:fillRef idx="1">
+            <a:schemeClr val="lt1"/>
+          </a:fillRef>
+          <a:effectRef idx="0">
+            <a:schemeClr val="accent6"/>
+          </a:effectRef>
+          <a:fontRef idx="minor">
+            <a:schemeClr val="dk1"/>
+          </a:fontRef>
+        </p:style>
+        <p:txBody>
+          <a:bodyPr rtlCol="0" anchor="ctr"/>
+          <a:lstStyle/>
+          <a:p>
+            <a:pPr algn="ctr"/>
+            <a:endParaRPr lang="en-US" dirty="0"/>
+          </a:p>
+        </p:txBody>
+      </p:sp>
+      <p:pic>
+        <p:nvPicPr>
+          <p:cNvPr id="2" name="Picture 1">
+            <a:extLst>
+              <a:ext uri="{FF2B5EF4-FFF2-40B4-BE49-F238E27FC236}">
+                <a16:creationId xmlns:a16="http://schemas.microsoft.com/office/drawing/2014/main" id="{F7419858-F4F9-AADA-A816-37C35021524D}"/>
+              </a:ext>
+            </a:extLst>
+          </p:cNvPr>
+          <p:cNvPicPr>
+            <a:picLocks noChangeAspect="1"/>
+          </p:cNvPicPr>
+          <p:nvPr/>
+        </p:nvPicPr>
+        <p:blipFill rotWithShape="1">
+          <a:blip r:embed="rId2"/>
+          <a:srcRect r="1033" b="6556"/>
+          <a:stretch/>
+        </p:blipFill>
+        <p:spPr>
+          <a:xfrm>
+            <a:off x="610899" y="2633828"/>
+            <a:ext cx="4618818" cy="1303617"/>
+          </a:xfrm>
+          <a:prstGeom prst="rect">
+            <a:avLst/>
+          </a:prstGeom>
+        </p:spPr>
+      </p:pic>
+      <mc:AlternateContent xmlns:mc="http://schemas.openxmlformats.org/markup-compatibility/2006" xmlns:a14="http://schemas.microsoft.com/office/drawing/2010/main">
+        <mc:Choice Requires="a14">
+          <p:sp>
+            <p:nvSpPr>
+              <p:cNvPr id="3" name="TextBox 2">
+                <a:extLst>
+                  <a:ext uri="{FF2B5EF4-FFF2-40B4-BE49-F238E27FC236}">
+                    <a16:creationId xmlns:a16="http://schemas.microsoft.com/office/drawing/2014/main" id="{11E12EC9-E8CE-8B3B-465C-128CF9C2E1E7}"/>
+                  </a:ext>
+                </a:extLst>
+              </p:cNvPr>
+              <p:cNvSpPr txBox="1"/>
+              <p:nvPr/>
+            </p:nvSpPr>
+            <p:spPr>
+              <a:xfrm>
+                <a:off x="2022594" y="2208393"/>
+                <a:ext cx="1795428" cy="377796"/>
+              </a:xfrm>
+              <a:prstGeom prst="rect">
+                <a:avLst/>
+              </a:prstGeom>
+              <a:noFill/>
+            </p:spPr>
+            <p:txBody>
+              <a:bodyPr wrap="none" lIns="0" tIns="0" rIns="0" bIns="0" rtlCol="0">
+                <a:spAutoFit/>
+              </a:bodyPr>
+              <a:lstStyle/>
+              <a:p>
+                <a:pPr/>
+                <a14:m>
+                  <m:oMathPara xmlns:m="http://schemas.openxmlformats.org/officeDocument/2006/math">
+                    <m:oMathParaPr>
+                      <m:jc m:val="centerGroup"/>
+                    </m:oMathParaPr>
+                    <m:oMath xmlns:m="http://schemas.openxmlformats.org/officeDocument/2006/math">
+                      <m:r>
+                        <a:rPr lang="en-US" altLang="zh-CN" b="0" i="1" smtClean="0">
+                          <a:latin typeface="Cambria Math" panose="02040503050406030204" pitchFamily="18" charset="0"/>
+                        </a:rPr>
+                        <m:t>𝐴</m:t>
+                      </m:r>
+                      <m:r>
+                        <a:rPr lang="en-US" altLang="zh-CN" b="0" i="1" smtClean="0">
+                          <a:latin typeface="Cambria Math" panose="02040503050406030204" pitchFamily="18" charset="0"/>
+                        </a:rPr>
+                        <m:t>+</m:t>
+                      </m:r>
+                      <m:r>
+                        <a:rPr lang="en-US" altLang="zh-CN" b="0" i="1" smtClean="0">
+                          <a:latin typeface="Cambria Math" panose="02040503050406030204" pitchFamily="18" charset="0"/>
+                        </a:rPr>
+                        <m:t>𝑋</m:t>
+                      </m:r>
+                      <m:r>
+                        <a:rPr lang="zh-CN" altLang="en-US" b="0" i="1" smtClean="0">
+                          <a:latin typeface="Cambria Math" panose="02040503050406030204" pitchFamily="18" charset="0"/>
+                        </a:rPr>
+                        <m:t> </m:t>
+                      </m:r>
+                      <m:groupChr>
+                        <m:groupChrPr>
+                          <m:chr m:val="⇔"/>
+                          <m:vertJc m:val="bot"/>
+                          <m:ctrlPr>
+                            <a:rPr lang="zh-CN" altLang="en-US" b="0" i="1" smtClean="0">
+                              <a:latin typeface="Cambria Math" panose="02040503050406030204" pitchFamily="18" charset="0"/>
+                            </a:rPr>
+                          </m:ctrlPr>
+                        </m:groupChrPr>
+                        <m:e>
+                          <m:sSub>
+                            <m:sSubPr>
+                              <m:ctrlPr>
+                                <a:rPr lang="en-US" altLang="zh-CN" b="0" i="1" smtClean="0">
+                                  <a:latin typeface="Cambria Math" panose="02040503050406030204" pitchFamily="18" charset="0"/>
+                                </a:rPr>
+                              </m:ctrlPr>
+                            </m:sSubPr>
+                            <m:e>
+                              <m:r>
+                                <m:rPr>
+                                  <m:brk m:alnAt="2"/>
+                                </m:rPr>
+                                <a:rPr lang="en-US" altLang="zh-CN" b="0" i="1" smtClean="0">
+                                  <a:latin typeface="Cambria Math" panose="02040503050406030204" pitchFamily="18" charset="0"/>
+                                </a:rPr>
+                                <m:t>𝑘</m:t>
+                              </m:r>
+                            </m:e>
+                            <m:sub>
+                              <m:r>
+                                <m:rPr>
+                                  <m:brk m:alnAt="2"/>
+                                </m:rPr>
+                                <a:rPr lang="en-US" altLang="zh-CN" b="0" i="1" smtClean="0">
+                                  <a:latin typeface="Cambria Math" panose="02040503050406030204" pitchFamily="18" charset="0"/>
+                                </a:rPr>
+                                <m:t>+</m:t>
+                              </m:r>
+                            </m:sub>
+                          </m:sSub>
+                          <m:r>
+                            <m:rPr>
+                              <m:brk m:alnAt="2"/>
+                            </m:rPr>
+                            <a:rPr lang="en-US" altLang="zh-CN" b="0" i="1" smtClean="0">
+                              <a:latin typeface="Cambria Math" panose="02040503050406030204" pitchFamily="18" charset="0"/>
+                            </a:rPr>
+                            <m:t>,</m:t>
+                          </m:r>
+                          <m:r>
+                            <a:rPr lang="zh-CN" altLang="en-US" b="0" i="1" smtClean="0">
+                              <a:latin typeface="Cambria Math" panose="02040503050406030204" pitchFamily="18" charset="0"/>
+                            </a:rPr>
+                            <m:t> </m:t>
+                          </m:r>
+                          <m:sSub>
+                            <m:sSubPr>
+                              <m:ctrlPr>
+                                <a:rPr lang="en-US" altLang="zh-CN" b="0" i="1" smtClean="0">
+                                  <a:latin typeface="Cambria Math" panose="02040503050406030204" pitchFamily="18" charset="0"/>
+                                </a:rPr>
+                              </m:ctrlPr>
+                            </m:sSubPr>
+                            <m:e>
+                              <m:r>
+                                <a:rPr lang="en-US" altLang="zh-CN" b="0" i="1" smtClean="0">
+                                  <a:latin typeface="Cambria Math" panose="02040503050406030204" pitchFamily="18" charset="0"/>
+                                </a:rPr>
+                                <m:t>𝑘</m:t>
+                              </m:r>
+                            </m:e>
+                            <m:sub>
+                              <m:r>
+                                <a:rPr lang="en-US" altLang="zh-CN" b="0" i="1" smtClean="0">
+                                  <a:latin typeface="Cambria Math" panose="02040503050406030204" pitchFamily="18" charset="0"/>
+                                </a:rPr>
+                                <m:t>−</m:t>
+                              </m:r>
+                            </m:sub>
+                          </m:sSub>
+                        </m:e>
+                      </m:groupChr>
+                      <m:r>
+                        <a:rPr lang="en-US" altLang="zh-CN" b="0" i="1" smtClean="0">
+                          <a:latin typeface="Cambria Math" panose="02040503050406030204" pitchFamily="18" charset="0"/>
+                        </a:rPr>
+                        <m:t>𝐵</m:t>
+                      </m:r>
+                      <m:r>
+                        <a:rPr lang="en-US" altLang="zh-CN" b="0" i="1" smtClean="0">
+                          <a:latin typeface="Cambria Math" panose="02040503050406030204" pitchFamily="18" charset="0"/>
+                        </a:rPr>
+                        <m:t>+</m:t>
+                      </m:r>
+                      <m:r>
+                        <a:rPr lang="en-US" altLang="zh-CN" b="0" i="1" smtClean="0">
+                          <a:latin typeface="Cambria Math" panose="02040503050406030204" pitchFamily="18" charset="0"/>
+                        </a:rPr>
+                        <m:t>𝑌</m:t>
+                      </m:r>
+                    </m:oMath>
+                  </m:oMathPara>
+                </a14:m>
+                <a:endParaRPr lang="en-US" dirty="0"/>
+              </a:p>
+            </p:txBody>
+          </p:sp>
+        </mc:Choice>
+        <mc:Fallback xmlns="">
+          <p:sp>
+            <p:nvSpPr>
+              <p:cNvPr id="3" name="TextBox 2">
+                <a:extLst>
+                  <a:ext uri="{FF2B5EF4-FFF2-40B4-BE49-F238E27FC236}">
+                    <a16:creationId xmlns:a16="http://schemas.microsoft.com/office/drawing/2014/main" id="{11E12EC9-E8CE-8B3B-465C-128CF9C2E1E7}"/>
+                  </a:ext>
+                </a:extLst>
+              </p:cNvPr>
+              <p:cNvSpPr txBox="1">
+                <a:spLocks noRot="1" noChangeAspect="1" noMove="1" noResize="1" noEditPoints="1" noAdjustHandles="1" noChangeArrowheads="1" noChangeShapeType="1" noTextEdit="1"/>
+              </p:cNvSpPr>
+              <p:nvPr/>
+            </p:nvSpPr>
+            <p:spPr>
+              <a:xfrm>
+                <a:off x="2022594" y="2208393"/>
+                <a:ext cx="1795428" cy="377796"/>
+              </a:xfrm>
+              <a:prstGeom prst="rect">
+                <a:avLst/>
+              </a:prstGeom>
+              <a:blipFill>
+                <a:blip r:embed="rId3"/>
+                <a:stretch>
+                  <a:fillRect l="-2817" r="-2113" b="-29032"/>
+                </a:stretch>
+              </a:blipFill>
+            </p:spPr>
+            <p:txBody>
+              <a:bodyPr/>
+              <a:lstStyle/>
+              <a:p>
+                <a:r>
+                  <a:rPr lang="en-US">
+                    <a:noFill/>
+                  </a:rPr>
+                  <a:t> </a:t>
+                </a:r>
+              </a:p>
+            </p:txBody>
+          </p:sp>
+        </mc:Fallback>
+      </mc:AlternateContent>
+      <mc:AlternateContent xmlns:mc="http://schemas.openxmlformats.org/markup-compatibility/2006" xmlns:a14="http://schemas.microsoft.com/office/drawing/2010/main">
+        <mc:Choice Requires="a14">
+          <p:sp>
+            <p:nvSpPr>
+              <p:cNvPr id="4" name="TextBox 3">
+                <a:extLst>
+                  <a:ext uri="{FF2B5EF4-FFF2-40B4-BE49-F238E27FC236}">
+                    <a16:creationId xmlns:a16="http://schemas.microsoft.com/office/drawing/2014/main" id="{F33B3E85-8CFA-F502-CF59-C0E3E6899FB3}"/>
+                  </a:ext>
+                </a:extLst>
+              </p:cNvPr>
+              <p:cNvSpPr txBox="1"/>
+              <p:nvPr/>
+            </p:nvSpPr>
+            <p:spPr>
+              <a:xfrm>
+                <a:off x="5701661" y="2586189"/>
+                <a:ext cx="5920403" cy="1096519"/>
+              </a:xfrm>
+              <a:prstGeom prst="rect">
+                <a:avLst/>
+              </a:prstGeom>
+              <a:noFill/>
+            </p:spPr>
+            <p:txBody>
+              <a:bodyPr wrap="none" lIns="0" tIns="0" rIns="0" bIns="0" rtlCol="0">
+                <a:spAutoFit/>
+              </a:bodyPr>
+              <a:lstStyle/>
+              <a:p>
+                <a:pPr/>
+                <a14:m>
+                  <m:oMathPara xmlns:m="http://schemas.openxmlformats.org/officeDocument/2006/math">
+                    <m:oMathParaPr>
+                      <m:jc m:val="centerGroup"/>
+                    </m:oMathParaPr>
+                    <m:oMath xmlns:m="http://schemas.openxmlformats.org/officeDocument/2006/math">
+                      <m:r>
+                        <a:rPr lang="en-US" altLang="zh-CN" b="0" i="1" smtClean="0">
+                          <a:latin typeface="Cambria Math" panose="02040503050406030204" pitchFamily="18" charset="0"/>
+                        </a:rPr>
+                        <m:t>𝑓𝑙𝑢𝑥</m:t>
+                      </m:r>
+                      <m:r>
+                        <a:rPr lang="en-US" altLang="zh-CN" b="0" i="1" smtClean="0">
+                          <a:latin typeface="Cambria Math" panose="02040503050406030204" pitchFamily="18" charset="0"/>
+                        </a:rPr>
+                        <m:t>=</m:t>
+                      </m:r>
+                      <m:f>
+                        <m:fPr>
+                          <m:ctrlPr>
+                            <a:rPr lang="en-US" altLang="zh-CN" b="0" i="1" smtClean="0">
+                              <a:latin typeface="Cambria Math" panose="02040503050406030204" pitchFamily="18" charset="0"/>
+                            </a:rPr>
+                          </m:ctrlPr>
+                        </m:fPr>
+                        <m:num>
+                          <m:sSub>
+                            <m:sSubPr>
+                              <m:ctrlPr>
+                                <a:rPr lang="en-US" altLang="zh-CN" b="0" i="1" smtClean="0">
+                                  <a:latin typeface="Cambria Math" panose="02040503050406030204" pitchFamily="18" charset="0"/>
+                                </a:rPr>
+                              </m:ctrlPr>
+                            </m:sSubPr>
+                            <m:e>
+                              <m:r>
+                                <a:rPr lang="en-US" altLang="zh-CN" b="0" i="1" smtClean="0">
+                                  <a:latin typeface="Cambria Math" panose="02040503050406030204" pitchFamily="18" charset="0"/>
+                                </a:rPr>
+                                <m:t>𝑘</m:t>
+                              </m:r>
+                            </m:e>
+                            <m:sub>
+                              <m:r>
+                                <a:rPr lang="en-US" altLang="zh-CN" b="0" i="1" smtClean="0">
+                                  <a:latin typeface="Cambria Math" panose="02040503050406030204" pitchFamily="18" charset="0"/>
+                                </a:rPr>
+                                <m:t>+</m:t>
+                              </m:r>
+                            </m:sub>
+                          </m:sSub>
+                          <m:d>
+                            <m:dPr>
+                              <m:begChr m:val="["/>
+                              <m:endChr m:val="]"/>
+                              <m:ctrlPr>
+                                <a:rPr lang="en-US" altLang="zh-CN" b="0" i="1" smtClean="0">
+                                  <a:latin typeface="Cambria Math" panose="02040503050406030204" pitchFamily="18" charset="0"/>
+                                </a:rPr>
+                              </m:ctrlPr>
+                            </m:dPr>
+                            <m:e>
+                              <m:r>
+                                <a:rPr lang="en-US" altLang="zh-CN" b="0" i="1" smtClean="0">
+                                  <a:latin typeface="Cambria Math" panose="02040503050406030204" pitchFamily="18" charset="0"/>
+                                </a:rPr>
+                                <m:t>𝐸</m:t>
+                              </m:r>
+                            </m:e>
+                          </m:d>
+                          <m:f>
+                            <m:fPr>
+                              <m:ctrlPr>
+                                <a:rPr lang="en-US" altLang="zh-CN" i="1">
+                                  <a:latin typeface="Cambria Math" panose="02040503050406030204" pitchFamily="18" charset="0"/>
+                                </a:rPr>
+                              </m:ctrlPr>
+                            </m:fPr>
+                            <m:num>
+                              <m:d>
+                                <m:dPr>
+                                  <m:begChr m:val="["/>
+                                  <m:endChr m:val="]"/>
+                                  <m:ctrlPr>
+                                    <a:rPr lang="en-US" altLang="zh-CN" i="1">
+                                      <a:latin typeface="Cambria Math" panose="02040503050406030204" pitchFamily="18" charset="0"/>
+                                    </a:rPr>
+                                  </m:ctrlPr>
+                                </m:dPr>
+                                <m:e>
+                                  <m:r>
+                                    <a:rPr lang="en-US" altLang="zh-CN" i="1">
+                                      <a:latin typeface="Cambria Math" panose="02040503050406030204" pitchFamily="18" charset="0"/>
+                                    </a:rPr>
+                                    <m:t>𝐴</m:t>
+                                  </m:r>
+                                </m:e>
+                              </m:d>
+                            </m:num>
+                            <m:den>
+                              <m:sSub>
+                                <m:sSubPr>
+                                  <m:ctrlPr>
+                                    <a:rPr lang="en-US" altLang="zh-CN" i="1">
+                                      <a:latin typeface="Cambria Math" panose="02040503050406030204" pitchFamily="18" charset="0"/>
+                                    </a:rPr>
+                                  </m:ctrlPr>
+                                </m:sSubPr>
+                                <m:e>
+                                  <m:r>
+                                    <a:rPr lang="en-US" altLang="zh-CN" i="1">
+                                      <a:latin typeface="Cambria Math" panose="02040503050406030204" pitchFamily="18" charset="0"/>
+                                    </a:rPr>
+                                    <m:t>𝐾</m:t>
+                                  </m:r>
+                                </m:e>
+                                <m:sub>
+                                  <m:r>
+                                    <a:rPr lang="en-US" altLang="zh-CN" i="1">
+                                      <a:latin typeface="Cambria Math" panose="02040503050406030204" pitchFamily="18" charset="0"/>
+                                    </a:rPr>
+                                    <m:t>𝑀</m:t>
+                                  </m:r>
+                                  <m:r>
+                                    <a:rPr lang="en-US" altLang="zh-CN" i="1">
+                                      <a:latin typeface="Cambria Math" panose="02040503050406030204" pitchFamily="18" charset="0"/>
+                                    </a:rPr>
+                                    <m:t>,</m:t>
+                                  </m:r>
+                                  <m:r>
+                                    <a:rPr lang="en-US" altLang="zh-CN" i="1">
+                                      <a:latin typeface="Cambria Math" panose="02040503050406030204" pitchFamily="18" charset="0"/>
+                                    </a:rPr>
+                                    <m:t>𝐴</m:t>
+                                  </m:r>
+                                </m:sub>
+                              </m:sSub>
+                            </m:den>
+                          </m:f>
+                          <m:f>
+                            <m:fPr>
+                              <m:ctrlPr>
+                                <a:rPr lang="en-US" altLang="zh-CN" i="1">
+                                  <a:latin typeface="Cambria Math" panose="02040503050406030204" pitchFamily="18" charset="0"/>
+                                </a:rPr>
+                              </m:ctrlPr>
+                            </m:fPr>
+                            <m:num>
+                              <m:d>
+                                <m:dPr>
+                                  <m:begChr m:val="["/>
+                                  <m:endChr m:val="]"/>
+                                  <m:ctrlPr>
+                                    <a:rPr lang="en-US" altLang="zh-CN" i="1">
+                                      <a:latin typeface="Cambria Math" panose="02040503050406030204" pitchFamily="18" charset="0"/>
+                                    </a:rPr>
+                                  </m:ctrlPr>
+                                </m:dPr>
+                                <m:e>
+                                  <m:r>
+                                    <a:rPr lang="en-US" altLang="zh-CN" i="1">
+                                      <a:latin typeface="Cambria Math" panose="02040503050406030204" pitchFamily="18" charset="0"/>
+                                    </a:rPr>
+                                    <m:t>𝑋</m:t>
+                                  </m:r>
+                                </m:e>
+                              </m:d>
+                            </m:num>
+                            <m:den>
+                              <m:sSub>
+                                <m:sSubPr>
+                                  <m:ctrlPr>
+                                    <a:rPr lang="en-US" altLang="zh-CN" i="1">
+                                      <a:latin typeface="Cambria Math" panose="02040503050406030204" pitchFamily="18" charset="0"/>
+                                    </a:rPr>
+                                  </m:ctrlPr>
+                                </m:sSubPr>
+                                <m:e>
+                                  <m:r>
+                                    <a:rPr lang="en-US" altLang="zh-CN" i="1">
+                                      <a:latin typeface="Cambria Math" panose="02040503050406030204" pitchFamily="18" charset="0"/>
+                                    </a:rPr>
+                                    <m:t>𝐾</m:t>
+                                  </m:r>
+                                </m:e>
+                                <m:sub>
+                                  <m:r>
+                                    <a:rPr lang="en-US" altLang="zh-CN" i="1">
+                                      <a:latin typeface="Cambria Math" panose="02040503050406030204" pitchFamily="18" charset="0"/>
+                                    </a:rPr>
+                                    <m:t>𝑀</m:t>
+                                  </m:r>
+                                  <m:r>
+                                    <a:rPr lang="en-US" altLang="zh-CN" i="1">
+                                      <a:latin typeface="Cambria Math" panose="02040503050406030204" pitchFamily="18" charset="0"/>
+                                    </a:rPr>
+                                    <m:t>,</m:t>
+                                  </m:r>
+                                  <m:r>
+                                    <a:rPr lang="en-US" altLang="zh-CN" i="1">
+                                      <a:latin typeface="Cambria Math" panose="02040503050406030204" pitchFamily="18" charset="0"/>
+                                    </a:rPr>
+                                    <m:t>𝑋</m:t>
+                                  </m:r>
+                                </m:sub>
+                              </m:sSub>
+                            </m:den>
+                          </m:f>
+                          <m:r>
+                            <a:rPr lang="en-US" altLang="zh-CN" b="0" i="1" smtClean="0">
+                              <a:latin typeface="Cambria Math" panose="02040503050406030204" pitchFamily="18" charset="0"/>
+                            </a:rPr>
+                            <m:t>−</m:t>
+                          </m:r>
+                          <m:sSub>
+                            <m:sSubPr>
+                              <m:ctrlPr>
+                                <a:rPr lang="en-US" altLang="zh-CN" i="1">
+                                  <a:latin typeface="Cambria Math" panose="02040503050406030204" pitchFamily="18" charset="0"/>
+                                </a:rPr>
+                              </m:ctrlPr>
+                            </m:sSubPr>
+                            <m:e>
+                              <m:r>
+                                <a:rPr lang="en-US" altLang="zh-CN" i="1">
+                                  <a:latin typeface="Cambria Math" panose="02040503050406030204" pitchFamily="18" charset="0"/>
+                                </a:rPr>
+                                <m:t>𝑘</m:t>
+                              </m:r>
+                            </m:e>
+                            <m:sub>
+                              <m:r>
+                                <a:rPr lang="en-US" altLang="zh-CN" b="0" i="1" smtClean="0">
+                                  <a:latin typeface="Cambria Math" panose="02040503050406030204" pitchFamily="18" charset="0"/>
+                                </a:rPr>
+                                <m:t>−</m:t>
+                              </m:r>
+                            </m:sub>
+                          </m:sSub>
+                          <m:r>
+                            <a:rPr lang="en-US" altLang="zh-CN" i="1">
+                              <a:latin typeface="Cambria Math" panose="02040503050406030204" pitchFamily="18" charset="0"/>
+                            </a:rPr>
+                            <m:t>[</m:t>
+                          </m:r>
+                          <m:r>
+                            <a:rPr lang="en-US" altLang="zh-CN" i="1">
+                              <a:latin typeface="Cambria Math" panose="02040503050406030204" pitchFamily="18" charset="0"/>
+                            </a:rPr>
+                            <m:t>𝐸</m:t>
+                          </m:r>
+                          <m:r>
+                            <a:rPr lang="en-US" altLang="zh-CN" i="1">
+                              <a:latin typeface="Cambria Math" panose="02040503050406030204" pitchFamily="18" charset="0"/>
+                            </a:rPr>
+                            <m:t>]</m:t>
+                          </m:r>
+                          <m:f>
+                            <m:fPr>
+                              <m:ctrlPr>
+                                <a:rPr lang="en-US" altLang="zh-CN" i="1">
+                                  <a:latin typeface="Cambria Math" panose="02040503050406030204" pitchFamily="18" charset="0"/>
+                                </a:rPr>
+                              </m:ctrlPr>
+                            </m:fPr>
+                            <m:num>
+                              <m:d>
+                                <m:dPr>
+                                  <m:begChr m:val="["/>
+                                  <m:endChr m:val="]"/>
+                                  <m:ctrlPr>
+                                    <a:rPr lang="en-US" altLang="zh-CN" i="1">
+                                      <a:latin typeface="Cambria Math" panose="02040503050406030204" pitchFamily="18" charset="0"/>
+                                    </a:rPr>
+                                  </m:ctrlPr>
+                                </m:dPr>
+                                <m:e>
+                                  <m:r>
+                                    <a:rPr lang="en-US" altLang="zh-CN" b="0" i="1" smtClean="0">
+                                      <a:latin typeface="Cambria Math" panose="02040503050406030204" pitchFamily="18" charset="0"/>
+                                    </a:rPr>
+                                    <m:t>𝐵</m:t>
+                                  </m:r>
+                                </m:e>
+                              </m:d>
+                            </m:num>
+                            <m:den>
+                              <m:sSub>
+                                <m:sSubPr>
+                                  <m:ctrlPr>
+                                    <a:rPr lang="en-US" altLang="zh-CN" i="1">
+                                      <a:latin typeface="Cambria Math" panose="02040503050406030204" pitchFamily="18" charset="0"/>
+                                    </a:rPr>
+                                  </m:ctrlPr>
+                                </m:sSubPr>
+                                <m:e>
+                                  <m:r>
+                                    <a:rPr lang="en-US" altLang="zh-CN" i="1">
+                                      <a:latin typeface="Cambria Math" panose="02040503050406030204" pitchFamily="18" charset="0"/>
+                                    </a:rPr>
+                                    <m:t>𝐾</m:t>
+                                  </m:r>
+                                </m:e>
+                                <m:sub>
+                                  <m:r>
+                                    <a:rPr lang="en-US" altLang="zh-CN" i="1">
+                                      <a:latin typeface="Cambria Math" panose="02040503050406030204" pitchFamily="18" charset="0"/>
+                                    </a:rPr>
+                                    <m:t>𝑀</m:t>
+                                  </m:r>
+                                  <m:r>
+                                    <a:rPr lang="en-US" altLang="zh-CN" i="1">
+                                      <a:latin typeface="Cambria Math" panose="02040503050406030204" pitchFamily="18" charset="0"/>
+                                    </a:rPr>
+                                    <m:t>,</m:t>
+                                  </m:r>
+                                  <m:r>
+                                    <a:rPr lang="en-US" altLang="zh-CN" b="0" i="1" smtClean="0">
+                                      <a:latin typeface="Cambria Math" panose="02040503050406030204" pitchFamily="18" charset="0"/>
+                                    </a:rPr>
+                                    <m:t>𝐵</m:t>
+                                  </m:r>
+                                </m:sub>
+                              </m:sSub>
+                            </m:den>
+                          </m:f>
+                          <m:f>
+                            <m:fPr>
+                              <m:ctrlPr>
+                                <a:rPr lang="en-US" altLang="zh-CN" i="1">
+                                  <a:latin typeface="Cambria Math" panose="02040503050406030204" pitchFamily="18" charset="0"/>
+                                </a:rPr>
+                              </m:ctrlPr>
+                            </m:fPr>
+                            <m:num>
+                              <m:d>
+                                <m:dPr>
+                                  <m:begChr m:val="["/>
+                                  <m:endChr m:val="]"/>
+                                  <m:ctrlPr>
+                                    <a:rPr lang="en-US" altLang="zh-CN" i="1">
+                                      <a:latin typeface="Cambria Math" panose="02040503050406030204" pitchFamily="18" charset="0"/>
+                                    </a:rPr>
+                                  </m:ctrlPr>
+                                </m:dPr>
+                                <m:e>
+                                  <m:r>
+                                    <a:rPr lang="en-US" altLang="zh-CN" b="0" i="1" smtClean="0">
+                                      <a:latin typeface="Cambria Math" panose="02040503050406030204" pitchFamily="18" charset="0"/>
+                                    </a:rPr>
+                                    <m:t>𝑌</m:t>
+                                  </m:r>
+                                </m:e>
+                              </m:d>
+                            </m:num>
+                            <m:den>
+                              <m:sSub>
+                                <m:sSubPr>
+                                  <m:ctrlPr>
+                                    <a:rPr lang="en-US" altLang="zh-CN" i="1">
+                                      <a:latin typeface="Cambria Math" panose="02040503050406030204" pitchFamily="18" charset="0"/>
+                                    </a:rPr>
+                                  </m:ctrlPr>
+                                </m:sSubPr>
+                                <m:e>
+                                  <m:r>
+                                    <a:rPr lang="en-US" altLang="zh-CN" i="1">
+                                      <a:latin typeface="Cambria Math" panose="02040503050406030204" pitchFamily="18" charset="0"/>
+                                    </a:rPr>
+                                    <m:t>𝐾</m:t>
+                                  </m:r>
+                                </m:e>
+                                <m:sub>
+                                  <m:r>
+                                    <a:rPr lang="en-US" altLang="zh-CN" i="1">
+                                      <a:latin typeface="Cambria Math" panose="02040503050406030204" pitchFamily="18" charset="0"/>
+                                    </a:rPr>
+                                    <m:t>𝑀</m:t>
+                                  </m:r>
+                                  <m:r>
+                                    <a:rPr lang="en-US" altLang="zh-CN" i="1">
+                                      <a:latin typeface="Cambria Math" panose="02040503050406030204" pitchFamily="18" charset="0"/>
+                                    </a:rPr>
+                                    <m:t>,</m:t>
+                                  </m:r>
+                                  <m:r>
+                                    <a:rPr lang="en-US" altLang="zh-CN" b="0" i="1" smtClean="0">
+                                      <a:latin typeface="Cambria Math" panose="02040503050406030204" pitchFamily="18" charset="0"/>
+                                    </a:rPr>
+                                    <m:t>𝑌</m:t>
+                                  </m:r>
+                                </m:sub>
+                              </m:sSub>
+                            </m:den>
+                          </m:f>
+                        </m:num>
+                        <m:den>
+                          <m:d>
+                            <m:dPr>
+                              <m:ctrlPr>
+                                <a:rPr lang="en-US" altLang="zh-CN" i="1">
+                                  <a:latin typeface="Cambria Math" panose="02040503050406030204" pitchFamily="18" charset="0"/>
+                                </a:rPr>
+                              </m:ctrlPr>
+                            </m:dPr>
+                            <m:e>
+                              <m:r>
+                                <a:rPr lang="en-US" altLang="zh-CN" i="1">
+                                  <a:latin typeface="Cambria Math" panose="02040503050406030204" pitchFamily="18" charset="0"/>
+                                </a:rPr>
+                                <m:t>1+</m:t>
+                              </m:r>
+                              <m:f>
+                                <m:fPr>
+                                  <m:ctrlPr>
+                                    <a:rPr lang="en-US" altLang="zh-CN" i="1">
+                                      <a:latin typeface="Cambria Math" panose="02040503050406030204" pitchFamily="18" charset="0"/>
+                                    </a:rPr>
+                                  </m:ctrlPr>
+                                </m:fPr>
+                                <m:num>
+                                  <m:d>
+                                    <m:dPr>
+                                      <m:begChr m:val="["/>
+                                      <m:endChr m:val="]"/>
+                                      <m:ctrlPr>
+                                        <a:rPr lang="en-US" altLang="zh-CN" i="1">
+                                          <a:latin typeface="Cambria Math" panose="02040503050406030204" pitchFamily="18" charset="0"/>
+                                        </a:rPr>
+                                      </m:ctrlPr>
+                                    </m:dPr>
+                                    <m:e>
+                                      <m:r>
+                                        <a:rPr lang="en-US" altLang="zh-CN" i="1">
+                                          <a:latin typeface="Cambria Math" panose="02040503050406030204" pitchFamily="18" charset="0"/>
+                                        </a:rPr>
+                                        <m:t>𝐴</m:t>
+                                      </m:r>
+                                    </m:e>
+                                  </m:d>
+                                </m:num>
+                                <m:den>
+                                  <m:sSub>
+                                    <m:sSubPr>
+                                      <m:ctrlPr>
+                                        <a:rPr lang="en-US" altLang="zh-CN" i="1">
+                                          <a:latin typeface="Cambria Math" panose="02040503050406030204" pitchFamily="18" charset="0"/>
+                                        </a:rPr>
+                                      </m:ctrlPr>
+                                    </m:sSubPr>
+                                    <m:e>
+                                      <m:r>
+                                        <a:rPr lang="en-US" altLang="zh-CN" i="1">
+                                          <a:latin typeface="Cambria Math" panose="02040503050406030204" pitchFamily="18" charset="0"/>
+                                        </a:rPr>
+                                        <m:t>𝐾</m:t>
+                                      </m:r>
+                                    </m:e>
+                                    <m:sub>
+                                      <m:r>
+                                        <a:rPr lang="en-US" altLang="zh-CN" i="1">
+                                          <a:latin typeface="Cambria Math" panose="02040503050406030204" pitchFamily="18" charset="0"/>
+                                        </a:rPr>
+                                        <m:t>𝑀</m:t>
+                                      </m:r>
+                                      <m:r>
+                                        <a:rPr lang="en-US" altLang="zh-CN" i="1">
+                                          <a:latin typeface="Cambria Math" panose="02040503050406030204" pitchFamily="18" charset="0"/>
+                                        </a:rPr>
+                                        <m:t>,</m:t>
+                                      </m:r>
+                                      <m:r>
+                                        <a:rPr lang="en-US" altLang="zh-CN" i="1">
+                                          <a:latin typeface="Cambria Math" panose="02040503050406030204" pitchFamily="18" charset="0"/>
+                                        </a:rPr>
+                                        <m:t>𝐴</m:t>
+                                      </m:r>
+                                    </m:sub>
+                                  </m:sSub>
+                                </m:den>
+                              </m:f>
+                            </m:e>
+                          </m:d>
+                          <m:d>
+                            <m:dPr>
+                              <m:ctrlPr>
+                                <a:rPr lang="en-US" altLang="zh-CN" b="0" i="1" smtClean="0">
+                                  <a:latin typeface="Cambria Math" panose="02040503050406030204" pitchFamily="18" charset="0"/>
+                                </a:rPr>
+                              </m:ctrlPr>
+                            </m:dPr>
+                            <m:e>
+                              <m:r>
+                                <a:rPr lang="en-US" altLang="zh-CN" i="1">
+                                  <a:latin typeface="Cambria Math" panose="02040503050406030204" pitchFamily="18" charset="0"/>
+                                </a:rPr>
+                                <m:t>1+</m:t>
+                              </m:r>
+                              <m:f>
+                                <m:fPr>
+                                  <m:ctrlPr>
+                                    <a:rPr lang="en-US" altLang="zh-CN" i="1">
+                                      <a:latin typeface="Cambria Math" panose="02040503050406030204" pitchFamily="18" charset="0"/>
+                                    </a:rPr>
+                                  </m:ctrlPr>
+                                </m:fPr>
+                                <m:num>
+                                  <m:d>
+                                    <m:dPr>
+                                      <m:begChr m:val="["/>
+                                      <m:endChr m:val="]"/>
+                                      <m:ctrlPr>
+                                        <a:rPr lang="en-US" altLang="zh-CN" b="0" i="1" smtClean="0">
+                                          <a:latin typeface="Cambria Math" panose="02040503050406030204" pitchFamily="18" charset="0"/>
+                                        </a:rPr>
+                                      </m:ctrlPr>
+                                    </m:dPr>
+                                    <m:e>
+                                      <m:r>
+                                        <a:rPr lang="en-US" altLang="zh-CN" b="0" i="1" smtClean="0">
+                                          <a:latin typeface="Cambria Math" panose="02040503050406030204" pitchFamily="18" charset="0"/>
+                                        </a:rPr>
+                                        <m:t>𝑋</m:t>
+                                      </m:r>
+                                    </m:e>
+                                  </m:d>
+                                </m:num>
+                                <m:den>
+                                  <m:sSub>
+                                    <m:sSubPr>
+                                      <m:ctrlPr>
+                                        <a:rPr lang="en-US" altLang="zh-CN" i="1">
+                                          <a:latin typeface="Cambria Math" panose="02040503050406030204" pitchFamily="18" charset="0"/>
+                                        </a:rPr>
+                                      </m:ctrlPr>
+                                    </m:sSubPr>
+                                    <m:e>
+                                      <m:r>
+                                        <a:rPr lang="en-US" altLang="zh-CN" i="1">
+                                          <a:latin typeface="Cambria Math" panose="02040503050406030204" pitchFamily="18" charset="0"/>
+                                        </a:rPr>
+                                        <m:t>𝐾</m:t>
+                                      </m:r>
+                                    </m:e>
+                                    <m:sub>
+                                      <m:r>
+                                        <a:rPr lang="en-US" altLang="zh-CN" i="1">
+                                          <a:latin typeface="Cambria Math" panose="02040503050406030204" pitchFamily="18" charset="0"/>
+                                        </a:rPr>
+                                        <m:t>𝑀</m:t>
+                                      </m:r>
+                                      <m:r>
+                                        <a:rPr lang="en-US" altLang="zh-CN" i="1">
+                                          <a:latin typeface="Cambria Math" panose="02040503050406030204" pitchFamily="18" charset="0"/>
+                                        </a:rPr>
+                                        <m:t>,</m:t>
+                                      </m:r>
+                                      <m:r>
+                                        <a:rPr lang="en-US" altLang="zh-CN" b="0" i="1" smtClean="0">
+                                          <a:latin typeface="Cambria Math" panose="02040503050406030204" pitchFamily="18" charset="0"/>
+                                        </a:rPr>
+                                        <m:t>𝑋</m:t>
+                                      </m:r>
+                                    </m:sub>
+                                  </m:sSub>
+                                </m:den>
+                              </m:f>
+                            </m:e>
+                          </m:d>
+                          <m:r>
+                            <a:rPr lang="en-US" altLang="zh-CN" i="1">
+                              <a:latin typeface="Cambria Math" panose="02040503050406030204" pitchFamily="18" charset="0"/>
+                            </a:rPr>
+                            <m:t>+</m:t>
+                          </m:r>
+                          <m:d>
+                            <m:dPr>
+                              <m:ctrlPr>
+                                <a:rPr lang="en-US" altLang="zh-CN" b="0" i="1" smtClean="0">
+                                  <a:latin typeface="Cambria Math" panose="02040503050406030204" pitchFamily="18" charset="0"/>
+                                </a:rPr>
+                              </m:ctrlPr>
+                            </m:dPr>
+                            <m:e>
+                              <m:r>
+                                <a:rPr lang="en-US" altLang="zh-CN" i="1">
+                                  <a:latin typeface="Cambria Math" panose="02040503050406030204" pitchFamily="18" charset="0"/>
+                                </a:rPr>
+                                <m:t>1+</m:t>
+                              </m:r>
+                              <m:f>
+                                <m:fPr>
+                                  <m:ctrlPr>
+                                    <a:rPr lang="en-US" altLang="zh-CN" i="1">
+                                      <a:latin typeface="Cambria Math" panose="02040503050406030204" pitchFamily="18" charset="0"/>
+                                    </a:rPr>
+                                  </m:ctrlPr>
+                                </m:fPr>
+                                <m:num>
+                                  <m:d>
+                                    <m:dPr>
+                                      <m:begChr m:val="["/>
+                                      <m:endChr m:val="]"/>
+                                      <m:ctrlPr>
+                                        <a:rPr lang="en-US" altLang="zh-CN" i="1">
+                                          <a:latin typeface="Cambria Math" panose="02040503050406030204" pitchFamily="18" charset="0"/>
+                                        </a:rPr>
+                                      </m:ctrlPr>
+                                    </m:dPr>
+                                    <m:e>
+                                      <m:r>
+                                        <a:rPr lang="en-US" altLang="zh-CN" b="0" i="1" smtClean="0">
+                                          <a:latin typeface="Cambria Math" panose="02040503050406030204" pitchFamily="18" charset="0"/>
+                                        </a:rPr>
+                                        <m:t>𝐵</m:t>
+                                      </m:r>
+                                    </m:e>
+                                  </m:d>
+                                </m:num>
+                                <m:den>
+                                  <m:sSub>
+                                    <m:sSubPr>
+                                      <m:ctrlPr>
+                                        <a:rPr lang="en-US" altLang="zh-CN" i="1">
+                                          <a:latin typeface="Cambria Math" panose="02040503050406030204" pitchFamily="18" charset="0"/>
+                                        </a:rPr>
+                                      </m:ctrlPr>
+                                    </m:sSubPr>
+                                    <m:e>
+                                      <m:r>
+                                        <a:rPr lang="en-US" altLang="zh-CN" i="1">
+                                          <a:latin typeface="Cambria Math" panose="02040503050406030204" pitchFamily="18" charset="0"/>
+                                        </a:rPr>
+                                        <m:t>𝐾</m:t>
+                                      </m:r>
+                                    </m:e>
+                                    <m:sub>
+                                      <m:r>
+                                        <a:rPr lang="en-US" altLang="zh-CN" i="1">
+                                          <a:latin typeface="Cambria Math" panose="02040503050406030204" pitchFamily="18" charset="0"/>
+                                        </a:rPr>
+                                        <m:t>𝑀</m:t>
+                                      </m:r>
+                                      <m:r>
+                                        <a:rPr lang="en-US" altLang="zh-CN" i="1">
+                                          <a:latin typeface="Cambria Math" panose="02040503050406030204" pitchFamily="18" charset="0"/>
+                                        </a:rPr>
+                                        <m:t>,</m:t>
+                                      </m:r>
+                                      <m:r>
+                                        <a:rPr lang="en-US" altLang="zh-CN" b="0" i="1" smtClean="0">
+                                          <a:latin typeface="Cambria Math" panose="02040503050406030204" pitchFamily="18" charset="0"/>
+                                        </a:rPr>
+                                        <m:t>𝐵</m:t>
+                                      </m:r>
+                                    </m:sub>
+                                  </m:sSub>
+                                </m:den>
+                              </m:f>
+                            </m:e>
+                          </m:d>
+                          <m:d>
+                            <m:dPr>
+                              <m:ctrlPr>
+                                <a:rPr lang="en-US" altLang="zh-CN" i="1">
+                                  <a:latin typeface="Cambria Math" panose="02040503050406030204" pitchFamily="18" charset="0"/>
+                                </a:rPr>
+                              </m:ctrlPr>
+                            </m:dPr>
+                            <m:e>
+                              <m:r>
+                                <a:rPr lang="en-US" altLang="zh-CN" i="1">
+                                  <a:latin typeface="Cambria Math" panose="02040503050406030204" pitchFamily="18" charset="0"/>
+                                </a:rPr>
+                                <m:t>1+</m:t>
+                              </m:r>
+                              <m:f>
+                                <m:fPr>
+                                  <m:ctrlPr>
+                                    <a:rPr lang="en-US" altLang="zh-CN" i="1">
+                                      <a:latin typeface="Cambria Math" panose="02040503050406030204" pitchFamily="18" charset="0"/>
+                                    </a:rPr>
+                                  </m:ctrlPr>
+                                </m:fPr>
+                                <m:num>
+                                  <m:d>
+                                    <m:dPr>
+                                      <m:begChr m:val="["/>
+                                      <m:endChr m:val="]"/>
+                                      <m:ctrlPr>
+                                        <a:rPr lang="en-US" altLang="zh-CN" i="1">
+                                          <a:latin typeface="Cambria Math" panose="02040503050406030204" pitchFamily="18" charset="0"/>
+                                        </a:rPr>
+                                      </m:ctrlPr>
+                                    </m:dPr>
+                                    <m:e>
+                                      <m:r>
+                                        <a:rPr lang="en-US" altLang="zh-CN" b="0" i="1" smtClean="0">
+                                          <a:latin typeface="Cambria Math" panose="02040503050406030204" pitchFamily="18" charset="0"/>
+                                        </a:rPr>
+                                        <m:t>𝑌</m:t>
+                                      </m:r>
+                                    </m:e>
+                                  </m:d>
+                                </m:num>
+                                <m:den>
+                                  <m:sSub>
+                                    <m:sSubPr>
+                                      <m:ctrlPr>
+                                        <a:rPr lang="en-US" altLang="zh-CN" i="1">
+                                          <a:latin typeface="Cambria Math" panose="02040503050406030204" pitchFamily="18" charset="0"/>
+                                        </a:rPr>
+                                      </m:ctrlPr>
+                                    </m:sSubPr>
+                                    <m:e>
+                                      <m:r>
+                                        <a:rPr lang="en-US" altLang="zh-CN" i="1">
+                                          <a:latin typeface="Cambria Math" panose="02040503050406030204" pitchFamily="18" charset="0"/>
+                                        </a:rPr>
+                                        <m:t>𝐾</m:t>
+                                      </m:r>
+                                    </m:e>
+                                    <m:sub>
+                                      <m:r>
+                                        <a:rPr lang="en-US" altLang="zh-CN" i="1">
+                                          <a:latin typeface="Cambria Math" panose="02040503050406030204" pitchFamily="18" charset="0"/>
+                                        </a:rPr>
+                                        <m:t>𝑀</m:t>
+                                      </m:r>
+                                      <m:r>
+                                        <a:rPr lang="en-US" altLang="zh-CN" i="1">
+                                          <a:latin typeface="Cambria Math" panose="02040503050406030204" pitchFamily="18" charset="0"/>
+                                        </a:rPr>
+                                        <m:t>,</m:t>
+                                      </m:r>
+                                      <m:r>
+                                        <a:rPr lang="en-US" altLang="zh-CN" b="0" i="1" smtClean="0">
+                                          <a:latin typeface="Cambria Math" panose="02040503050406030204" pitchFamily="18" charset="0"/>
+                                        </a:rPr>
+                                        <m:t>𝑌</m:t>
+                                      </m:r>
+                                    </m:sub>
+                                  </m:sSub>
+                                </m:den>
+                              </m:f>
+                            </m:e>
+                          </m:d>
+                          <m:r>
+                            <a:rPr lang="en-US" altLang="zh-CN" b="0" i="1" smtClean="0">
+                              <a:latin typeface="Cambria Math" panose="02040503050406030204" pitchFamily="18" charset="0"/>
+                            </a:rPr>
+                            <m:t>−1</m:t>
+                          </m:r>
+                        </m:den>
+                      </m:f>
+                    </m:oMath>
+                  </m:oMathPara>
+                </a14:m>
+                <a:endParaRPr lang="en-US" dirty="0"/>
+              </a:p>
+            </p:txBody>
+          </p:sp>
+        </mc:Choice>
+        <mc:Fallback xmlns="">
+          <p:sp>
+            <p:nvSpPr>
+              <p:cNvPr id="4" name="TextBox 3">
+                <a:extLst>
+                  <a:ext uri="{FF2B5EF4-FFF2-40B4-BE49-F238E27FC236}">
+                    <a16:creationId xmlns:a16="http://schemas.microsoft.com/office/drawing/2014/main" id="{F33B3E85-8CFA-F502-CF59-C0E3E6899FB3}"/>
+                  </a:ext>
+                </a:extLst>
+              </p:cNvPr>
+              <p:cNvSpPr txBox="1">
+                <a:spLocks noRot="1" noChangeAspect="1" noMove="1" noResize="1" noEditPoints="1" noAdjustHandles="1" noChangeArrowheads="1" noChangeShapeType="1" noTextEdit="1"/>
+              </p:cNvSpPr>
+              <p:nvPr/>
+            </p:nvSpPr>
+            <p:spPr>
+              <a:xfrm>
+                <a:off x="5701661" y="2586189"/>
+                <a:ext cx="5920403" cy="1096519"/>
+              </a:xfrm>
+              <a:prstGeom prst="rect">
+                <a:avLst/>
+              </a:prstGeom>
+              <a:blipFill>
+                <a:blip r:embed="rId4"/>
+                <a:stretch>
+                  <a:fillRect l="-855" r="-427" b="-2299"/>
+                </a:stretch>
+              </a:blipFill>
+            </p:spPr>
+            <p:txBody>
+              <a:bodyPr/>
+              <a:lstStyle/>
+              <a:p>
+                <a:r>
+                  <a:rPr lang="en-US">
+                    <a:noFill/>
+                  </a:rPr>
+                  <a:t> </a:t>
+                </a:r>
+              </a:p>
+            </p:txBody>
+          </p:sp>
+        </mc:Fallback>
+      </mc:AlternateContent>
+      <mc:AlternateContent xmlns:mc="http://schemas.openxmlformats.org/markup-compatibility/2006" xmlns:a14="http://schemas.microsoft.com/office/drawing/2010/main">
+        <mc:Choice Requires="a14">
+          <p:sp>
+            <p:nvSpPr>
+              <p:cNvPr id="5" name="TextBox 4">
+                <a:extLst>
+                  <a:ext uri="{FF2B5EF4-FFF2-40B4-BE49-F238E27FC236}">
+                    <a16:creationId xmlns:a16="http://schemas.microsoft.com/office/drawing/2014/main" id="{4BA3DC94-E7B8-FD92-ECEC-E16B2FCFBA19}"/>
+                  </a:ext>
+                </a:extLst>
+              </p:cNvPr>
+              <p:cNvSpPr txBox="1"/>
+              <p:nvPr/>
+            </p:nvSpPr>
+            <p:spPr>
+              <a:xfrm>
+                <a:off x="5437474" y="3944414"/>
+                <a:ext cx="6448775" cy="369332"/>
+              </a:xfrm>
+              <a:prstGeom prst="rect">
+                <a:avLst/>
+              </a:prstGeom>
+              <a:noFill/>
+            </p:spPr>
+            <p:txBody>
+              <a:bodyPr wrap="square">
+                <a:spAutoFit/>
+              </a:bodyPr>
+              <a:lstStyle/>
+              <a:p>
+                <a14:m>
+                  <m:oMath xmlns:m="http://schemas.openxmlformats.org/officeDocument/2006/math">
+                    <m:sSub>
+                      <m:sSubPr>
+                        <m:ctrlPr>
+                          <a:rPr lang="en-US" altLang="zh-CN" sz="1800" b="0" i="1" smtClean="0">
+                            <a:latin typeface="Cambria Math" panose="02040503050406030204" pitchFamily="18" charset="0"/>
+                          </a:rPr>
+                        </m:ctrlPr>
+                      </m:sSubPr>
+                      <m:e>
+                        <m:r>
+                          <a:rPr lang="en-US" altLang="zh-CN" sz="1800" b="0" i="1" smtClean="0">
+                            <a:latin typeface="Cambria Math" panose="02040503050406030204" pitchFamily="18" charset="0"/>
+                          </a:rPr>
+                          <m:t>𝐾</m:t>
+                        </m:r>
+                      </m:e>
+                      <m:sub>
+                        <m:r>
+                          <a:rPr lang="en-US" altLang="zh-CN" sz="1800" b="0" i="1" smtClean="0">
+                            <a:latin typeface="Cambria Math" panose="02040503050406030204" pitchFamily="18" charset="0"/>
+                          </a:rPr>
+                          <m:t>𝐴</m:t>
+                        </m:r>
+                      </m:sub>
+                    </m:sSub>
+                  </m:oMath>
+                </a14:m>
+                <a:r>
+                  <a:rPr lang="en-US" sz="1800" dirty="0">
+                    <a:latin typeface="Arial" panose="020B0604020202020204" pitchFamily="34" charset="0"/>
+                    <a:cs typeface="Arial" panose="020B0604020202020204" pitchFamily="34" charset="0"/>
+                  </a:rPr>
+                  <a:t> </a:t>
+                </a:r>
+                <a:r>
+                  <a:rPr lang="en-US" altLang="zh-CN" sz="1800" dirty="0">
+                    <a:latin typeface="Arial" panose="020B0604020202020204" pitchFamily="34" charset="0"/>
+                    <a:cs typeface="Arial" panose="020B0604020202020204" pitchFamily="34" charset="0"/>
+                  </a:rPr>
+                  <a:t>dissociation</a:t>
+                </a:r>
+                <a:r>
+                  <a:rPr lang="zh-CN" altLang="en-US" sz="1800" dirty="0">
+                    <a:latin typeface="Arial" panose="020B0604020202020204" pitchFamily="34" charset="0"/>
+                    <a:cs typeface="Arial" panose="020B0604020202020204" pitchFamily="34" charset="0"/>
+                  </a:rPr>
+                  <a:t> </a:t>
+                </a:r>
+                <a:r>
+                  <a:rPr lang="en-US" altLang="zh-CN" sz="1800" dirty="0">
+                    <a:latin typeface="Arial" panose="020B0604020202020204" pitchFamily="34" charset="0"/>
+                    <a:cs typeface="Arial" panose="020B0604020202020204" pitchFamily="34" charset="0"/>
+                  </a:rPr>
+                  <a:t>constant,</a:t>
+                </a:r>
+                <a:r>
+                  <a:rPr lang="zh-CN" altLang="en-US" sz="1800" dirty="0">
+                    <a:latin typeface="Arial" panose="020B0604020202020204" pitchFamily="34" charset="0"/>
+                    <a:cs typeface="Arial" panose="020B0604020202020204" pitchFamily="34" charset="0"/>
+                  </a:rPr>
+                  <a:t> </a:t>
+                </a:r>
+                <a14:m>
+                  <m:oMath xmlns:m="http://schemas.openxmlformats.org/officeDocument/2006/math">
+                    <m:sSub>
+                      <m:sSubPr>
+                        <m:ctrlPr>
+                          <a:rPr lang="en-US" altLang="zh-CN" i="1">
+                            <a:latin typeface="Cambria Math" panose="02040503050406030204" pitchFamily="18" charset="0"/>
+                          </a:rPr>
+                        </m:ctrlPr>
+                      </m:sSubPr>
+                      <m:e>
+                        <m:r>
+                          <a:rPr lang="en-US" altLang="zh-CN" i="1">
+                            <a:latin typeface="Cambria Math" panose="02040503050406030204" pitchFamily="18" charset="0"/>
+                          </a:rPr>
+                          <m:t>𝑘</m:t>
+                        </m:r>
+                      </m:e>
+                      <m:sub>
+                        <m:r>
+                          <a:rPr lang="en-US" altLang="zh-CN" i="1">
+                            <a:latin typeface="Cambria Math" panose="02040503050406030204" pitchFamily="18" charset="0"/>
+                          </a:rPr>
+                          <m:t>+</m:t>
+                        </m:r>
+                      </m:sub>
+                    </m:sSub>
+                  </m:oMath>
+                </a14:m>
+                <a:r>
+                  <a:rPr lang="zh-CN" altLang="en-US" dirty="0"/>
+                  <a:t> </a:t>
+                </a:r>
+                <a:r>
+                  <a:rPr lang="en-US" altLang="zh-CN" dirty="0"/>
+                  <a:t>and</a:t>
+                </a:r>
+                <a:r>
+                  <a:rPr lang="zh-CN" altLang="en-US" dirty="0"/>
+                  <a:t> </a:t>
+                </a:r>
+                <a14:m>
+                  <m:oMath xmlns:m="http://schemas.openxmlformats.org/officeDocument/2006/math">
+                    <m:sSub>
+                      <m:sSubPr>
+                        <m:ctrlPr>
+                          <a:rPr lang="en-US" altLang="zh-CN" i="1">
+                            <a:latin typeface="Cambria Math" panose="02040503050406030204" pitchFamily="18" charset="0"/>
+                          </a:rPr>
+                        </m:ctrlPr>
+                      </m:sSubPr>
+                      <m:e>
+                        <m:r>
+                          <a:rPr lang="en-US" altLang="zh-CN" i="1">
+                            <a:latin typeface="Cambria Math" panose="02040503050406030204" pitchFamily="18" charset="0"/>
+                          </a:rPr>
+                          <m:t>𝑘</m:t>
+                        </m:r>
+                      </m:e>
+                      <m:sub>
+                        <m:r>
+                          <a:rPr lang="en-US" altLang="zh-CN" b="0" i="1" smtClean="0">
+                            <a:latin typeface="Cambria Math" panose="02040503050406030204" pitchFamily="18" charset="0"/>
+                          </a:rPr>
+                          <m:t>−</m:t>
+                        </m:r>
+                      </m:sub>
+                    </m:sSub>
+                  </m:oMath>
+                </a14:m>
+                <a:r>
+                  <a:rPr lang="en-US" altLang="zh-CN" dirty="0"/>
+                  <a:t>forward</a:t>
+                </a:r>
+                <a:r>
+                  <a:rPr lang="zh-CN" altLang="en-US" dirty="0"/>
+                  <a:t> </a:t>
+                </a:r>
+                <a:r>
+                  <a:rPr lang="en-US" altLang="zh-CN" dirty="0"/>
+                  <a:t>and</a:t>
+                </a:r>
+                <a:r>
+                  <a:rPr lang="zh-CN" altLang="en-US" dirty="0"/>
+                  <a:t> </a:t>
+                </a:r>
+                <a:r>
+                  <a:rPr lang="en-US" altLang="zh-CN" dirty="0"/>
+                  <a:t>backward</a:t>
+                </a:r>
+                <a:r>
+                  <a:rPr lang="zh-CN" altLang="en-US" dirty="0"/>
+                  <a:t> </a:t>
+                </a:r>
+                <a:r>
+                  <a:rPr lang="en-US" altLang="zh-CN" dirty="0"/>
+                  <a:t>rate</a:t>
+                </a:r>
+                <a:endParaRPr lang="en-US" dirty="0"/>
+              </a:p>
+            </p:txBody>
+          </p:sp>
+        </mc:Choice>
+        <mc:Fallback xmlns="">
+          <p:sp>
+            <p:nvSpPr>
+              <p:cNvPr id="5" name="TextBox 4">
+                <a:extLst>
+                  <a:ext uri="{FF2B5EF4-FFF2-40B4-BE49-F238E27FC236}">
+                    <a16:creationId xmlns:a16="http://schemas.microsoft.com/office/drawing/2014/main" id="{4BA3DC94-E7B8-FD92-ECEC-E16B2FCFBA19}"/>
+                  </a:ext>
+                </a:extLst>
+              </p:cNvPr>
+              <p:cNvSpPr txBox="1">
+                <a:spLocks noRot="1" noChangeAspect="1" noMove="1" noResize="1" noEditPoints="1" noAdjustHandles="1" noChangeArrowheads="1" noChangeShapeType="1" noTextEdit="1"/>
+              </p:cNvSpPr>
+              <p:nvPr/>
+            </p:nvSpPr>
+            <p:spPr>
+              <a:xfrm>
+                <a:off x="5437474" y="3944414"/>
+                <a:ext cx="6448775" cy="369332"/>
+              </a:xfrm>
+              <a:prstGeom prst="rect">
+                <a:avLst/>
+              </a:prstGeom>
+              <a:blipFill>
+                <a:blip r:embed="rId5"/>
+                <a:stretch>
+                  <a:fillRect t="-10000" b="-26667"/>
+                </a:stretch>
+              </a:blipFill>
+            </p:spPr>
+            <p:txBody>
+              <a:bodyPr/>
+              <a:lstStyle/>
+              <a:p>
+                <a:r>
+                  <a:rPr lang="en-US">
+                    <a:noFill/>
+                  </a:rPr>
+                  <a:t> </a:t>
+                </a:r>
+              </a:p>
+            </p:txBody>
+          </p:sp>
+        </mc:Fallback>
+      </mc:AlternateContent>
+    </p:spTree>
+    <p:extLst>
+      <p:ext uri="{BB962C8B-B14F-4D97-AF65-F5344CB8AC3E}">
+        <p14:creationId xmlns:p14="http://schemas.microsoft.com/office/powerpoint/2010/main" val="3365423249"/>
+      </p:ext>
+    </p:extLst>
+  </p:cSld>
+  <p:clrMapOvr>
+    <a:masterClrMapping/>
+  </p:clrMapOvr>
+</p:sld>
+</file>
+
+<file path=ppt/slides/slide11.xml><?xml version="1.0" encoding="utf-8"?>
 <p:sld xmlns:a="http://schemas.openxmlformats.org/drawingml/2006/main" xmlns:r="http://schemas.openxmlformats.org/officeDocument/2006/relationships" xmlns:p="http://schemas.openxmlformats.org/presentationml/2006/main">
   <p:cSld>
     <p:spTree>
@@ -6171,10 +7870,10 @@
       </p:grpSpPr>
       <p:sp>
         <p:nvSpPr>
-          <p:cNvPr id="11" name="Rectangle 10">
+          <p:cNvPr id="4" name="Rectangle 3">
             <a:extLst>
               <a:ext uri="{FF2B5EF4-FFF2-40B4-BE49-F238E27FC236}">
-                <a16:creationId xmlns:a16="http://schemas.microsoft.com/office/drawing/2014/main" id="{0CC33605-3070-AA63-9831-9645B1676D2C}"/>
+                <a16:creationId xmlns:a16="http://schemas.microsoft.com/office/drawing/2014/main" id="{7EDE067F-345A-A6AB-F172-7F337A770BD1}"/>
               </a:ext>
             </a:extLst>
           </p:cNvPr>
@@ -6183,28 +7882,33 @@
         </p:nvSpPr>
         <p:spPr>
           <a:xfrm>
-            <a:off x="3542084" y="1646341"/>
-            <a:ext cx="4355007" cy="3355150"/>
+            <a:off x="2619535" y="1459290"/>
+            <a:ext cx="3379427" cy="3350402"/>
           </a:xfrm>
           <a:prstGeom prst="rect">
             <a:avLst/>
           </a:prstGeom>
+          <a:solidFill>
+            <a:schemeClr val="bg1"/>
+          </a:solidFill>
           <a:ln>
             <a:noFill/>
           </a:ln>
         </p:spPr>
         <p:style>
           <a:lnRef idx="2">
-            <a:schemeClr val="accent6"/>
+            <a:schemeClr val="accent1">
+              <a:shade val="15000"/>
+            </a:schemeClr>
           </a:lnRef>
           <a:fillRef idx="1">
-            <a:schemeClr val="lt1"/>
+            <a:schemeClr val="accent1"/>
           </a:fillRef>
           <a:effectRef idx="0">
-            <a:schemeClr val="accent6"/>
+            <a:schemeClr val="accent1"/>
           </a:effectRef>
           <a:fontRef idx="minor">
-            <a:schemeClr val="dk1"/>
+            <a:schemeClr val="lt1"/>
           </a:fontRef>
         </p:style>
         <p:txBody>
@@ -6216,327 +7920,324 @@
           </a:p>
         </p:txBody>
       </p:sp>
-      <p:grpSp>
-        <p:nvGrpSpPr>
-          <p:cNvPr id="2" name="Group 1">
+      <p:pic>
+        <p:nvPicPr>
+          <p:cNvPr id="12" name="Image" descr="Image">
             <a:extLst>
               <a:ext uri="{FF2B5EF4-FFF2-40B4-BE49-F238E27FC236}">
-                <a16:creationId xmlns:a16="http://schemas.microsoft.com/office/drawing/2014/main" id="{4C097009-33D7-BE63-EDBE-4C271492479C}"/>
+                <a16:creationId xmlns:a16="http://schemas.microsoft.com/office/drawing/2014/main" id="{D63053FD-7CE0-3711-A0FC-1204AA11F28E}"/>
               </a:ext>
             </a:extLst>
           </p:cNvPr>
-          <p:cNvGrpSpPr/>
+          <p:cNvPicPr>
+            <a:picLocks noChangeAspect="1"/>
+          </p:cNvPicPr>
           <p:nvPr/>
-        </p:nvGrpSpPr>
-        <p:grpSpPr>
+        </p:nvPicPr>
+        <p:blipFill rotWithShape="1">
+          <a:blip r:embed="rId2"/>
+          <a:srcRect l="7768" t="20821" r="55767" b="9734"/>
+          <a:stretch>
+            <a:fillRect/>
+          </a:stretch>
+        </p:blipFill>
+        <p:spPr>
           <a:xfrm>
-            <a:off x="3542084" y="1646341"/>
-            <a:ext cx="4245620" cy="3355150"/>
-            <a:chOff x="6437684" y="2605470"/>
-            <a:chExt cx="4245620" cy="3254982"/>
+            <a:off x="2619536" y="1454542"/>
+            <a:ext cx="3038475" cy="3355150"/>
           </a:xfrm>
-        </p:grpSpPr>
-        <p:pic>
-          <p:nvPicPr>
-            <p:cNvPr id="3" name="Image" descr="Image">
-              <a:extLst>
-                <a:ext uri="{FF2B5EF4-FFF2-40B4-BE49-F238E27FC236}">
-                  <a16:creationId xmlns:a16="http://schemas.microsoft.com/office/drawing/2014/main" id="{CF778D2F-7B6D-057F-C594-50E85E3420A0}"/>
-                </a:ext>
-              </a:extLst>
-            </p:cNvPr>
-            <p:cNvPicPr>
-              <a:picLocks noChangeAspect="1"/>
-            </p:cNvPicPr>
-            <p:nvPr/>
-          </p:nvPicPr>
-          <p:blipFill rotWithShape="1">
-            <a:blip r:embed="rId2"/>
-            <a:srcRect l="3708" t="20821" r="52476" b="9734"/>
-            <a:stretch/>
-          </p:blipFill>
-          <p:spPr>
-            <a:xfrm>
-              <a:off x="6437684" y="2605470"/>
-              <a:ext cx="3651004" cy="3254982"/>
-            </a:xfrm>
-            <a:prstGeom prst="rect">
-              <a:avLst/>
-            </a:prstGeom>
-            <a:ln w="3175">
-              <a:miter lim="400000"/>
-            </a:ln>
-          </p:spPr>
-        </p:pic>
-        <p:sp>
-          <p:nvSpPr>
-            <p:cNvPr id="5" name="Can 4">
-              <a:extLst>
-                <a:ext uri="{FF2B5EF4-FFF2-40B4-BE49-F238E27FC236}">
-                  <a16:creationId xmlns:a16="http://schemas.microsoft.com/office/drawing/2014/main" id="{F0A1B02B-AA23-E133-7D80-E039A83CD5E2}"/>
-                </a:ext>
-              </a:extLst>
-            </p:cNvPr>
-            <p:cNvSpPr/>
-            <p:nvPr/>
-          </p:nvSpPr>
-          <p:spPr>
-            <a:xfrm rot="3327173">
-              <a:off x="9182662" y="3135223"/>
-              <a:ext cx="144000" cy="213856"/>
-            </a:xfrm>
-            <a:prstGeom prst="can">
-              <a:avLst/>
-            </a:prstGeom>
-          </p:spPr>
-          <p:style>
-            <a:lnRef idx="2">
-              <a:schemeClr val="accent1">
-                <a:shade val="50000"/>
-              </a:schemeClr>
-            </a:lnRef>
-            <a:fillRef idx="1">
-              <a:schemeClr val="accent1"/>
-            </a:fillRef>
-            <a:effectRef idx="0">
-              <a:schemeClr val="accent1"/>
-            </a:effectRef>
-            <a:fontRef idx="minor">
-              <a:schemeClr val="lt1"/>
-            </a:fontRef>
-          </p:style>
-          <p:txBody>
-            <a:bodyPr rtlCol="0" anchor="ctr"/>
-            <a:lstStyle/>
-            <a:p>
-              <a:pPr algn="ctr"/>
-              <a:endParaRPr lang="en-US"/>
-            </a:p>
-          </p:txBody>
-        </p:sp>
-        <p:sp>
-          <p:nvSpPr>
-            <p:cNvPr id="6" name="TextBox 5">
-              <a:extLst>
-                <a:ext uri="{FF2B5EF4-FFF2-40B4-BE49-F238E27FC236}">
-                  <a16:creationId xmlns:a16="http://schemas.microsoft.com/office/drawing/2014/main" id="{EE84F03D-A08E-A9E5-4FBC-F5A6AED438A0}"/>
-                </a:ext>
-              </a:extLst>
-            </p:cNvPr>
-            <p:cNvSpPr txBox="1"/>
-            <p:nvPr/>
-          </p:nvSpPr>
-          <p:spPr>
-            <a:xfrm>
-              <a:off x="9136183" y="2900664"/>
-              <a:ext cx="952505" cy="276999"/>
-            </a:xfrm>
-            <a:prstGeom prst="rect">
-              <a:avLst/>
-            </a:prstGeom>
-            <a:noFill/>
-          </p:spPr>
-          <p:txBody>
-            <a:bodyPr wrap="square">
-              <a:spAutoFit/>
-            </a:bodyPr>
-            <a:lstStyle/>
-            <a:p>
-              <a:r>
-                <a:rPr lang="en-US" altLang="zh-CN" sz="1200"/>
-                <a:t>Nucleoside</a:t>
-              </a:r>
-              <a:endParaRPr lang="en-US" sz="1200"/>
-            </a:p>
-          </p:txBody>
-        </p:sp>
-        <p:sp>
-          <p:nvSpPr>
-            <p:cNvPr id="7" name="Can 6">
-              <a:extLst>
-                <a:ext uri="{FF2B5EF4-FFF2-40B4-BE49-F238E27FC236}">
-                  <a16:creationId xmlns:a16="http://schemas.microsoft.com/office/drawing/2014/main" id="{6E0F08AF-9608-EBEE-CE4C-A359DE6607C2}"/>
-                </a:ext>
-              </a:extLst>
-            </p:cNvPr>
-            <p:cNvSpPr/>
-            <p:nvPr/>
-          </p:nvSpPr>
-          <p:spPr>
-            <a:xfrm rot="5400000">
-              <a:off x="9506961" y="3658456"/>
-              <a:ext cx="144000" cy="213856"/>
-            </a:xfrm>
-            <a:prstGeom prst="can">
-              <a:avLst/>
-            </a:prstGeom>
-            <a:solidFill>
-              <a:schemeClr val="accent2"/>
-            </a:solidFill>
-          </p:spPr>
-          <p:style>
-            <a:lnRef idx="2">
-              <a:schemeClr val="accent1">
-                <a:shade val="50000"/>
-              </a:schemeClr>
-            </a:lnRef>
-            <a:fillRef idx="1">
-              <a:schemeClr val="accent1"/>
-            </a:fillRef>
-            <a:effectRef idx="0">
-              <a:schemeClr val="accent1"/>
-            </a:effectRef>
-            <a:fontRef idx="minor">
-              <a:schemeClr val="lt1"/>
-            </a:fontRef>
-          </p:style>
-          <p:txBody>
-            <a:bodyPr rtlCol="0" anchor="ctr"/>
-            <a:lstStyle/>
-            <a:p>
-              <a:pPr algn="ctr"/>
-              <a:endParaRPr lang="en-US"/>
-            </a:p>
-          </p:txBody>
-        </p:sp>
-        <p:sp>
-          <p:nvSpPr>
-            <p:cNvPr id="8" name="TextBox 7">
-              <a:extLst>
-                <a:ext uri="{FF2B5EF4-FFF2-40B4-BE49-F238E27FC236}">
-                  <a16:creationId xmlns:a16="http://schemas.microsoft.com/office/drawing/2014/main" id="{92F3C78F-B297-B28A-6EFB-6EEBFE7530D2}"/>
-                </a:ext>
-              </a:extLst>
-            </p:cNvPr>
-            <p:cNvSpPr txBox="1"/>
-            <p:nvPr/>
-          </p:nvSpPr>
-          <p:spPr>
-            <a:xfrm>
-              <a:off x="9537357" y="3429000"/>
-              <a:ext cx="862200" cy="276999"/>
-            </a:xfrm>
-            <a:prstGeom prst="rect">
-              <a:avLst/>
-            </a:prstGeom>
-            <a:noFill/>
-          </p:spPr>
-          <p:txBody>
-            <a:bodyPr wrap="square">
-              <a:spAutoFit/>
-            </a:bodyPr>
-            <a:lstStyle/>
-            <a:p>
-              <a:r>
-                <a:rPr lang="en-US" altLang="zh-CN" sz="1200" dirty="0"/>
-                <a:t>Fatty</a:t>
-              </a:r>
-              <a:r>
-                <a:rPr lang="zh-CN" altLang="en-US" sz="1200" dirty="0"/>
-                <a:t> </a:t>
-              </a:r>
-              <a:r>
-                <a:rPr lang="en-US" altLang="zh-CN" sz="1200" dirty="0"/>
-                <a:t>Acid</a:t>
-              </a:r>
-              <a:endParaRPr lang="en-US" sz="1200" dirty="0"/>
-            </a:p>
-          </p:txBody>
-        </p:sp>
-        <p:sp>
-          <p:nvSpPr>
-            <p:cNvPr id="9" name="Can 8">
-              <a:extLst>
-                <a:ext uri="{FF2B5EF4-FFF2-40B4-BE49-F238E27FC236}">
-                  <a16:creationId xmlns:a16="http://schemas.microsoft.com/office/drawing/2014/main" id="{2DA8612E-482A-08CB-37D3-36918D3521F1}"/>
-                </a:ext>
-              </a:extLst>
-            </p:cNvPr>
-            <p:cNvSpPr/>
-            <p:nvPr/>
-          </p:nvSpPr>
-          <p:spPr>
-            <a:xfrm rot="6790259">
-              <a:off x="9478719" y="4506507"/>
-              <a:ext cx="144000" cy="213856"/>
-            </a:xfrm>
-            <a:prstGeom prst="can">
-              <a:avLst/>
-            </a:prstGeom>
-            <a:solidFill>
-              <a:srgbClr val="13294B"/>
-            </a:solidFill>
-          </p:spPr>
-          <p:style>
-            <a:lnRef idx="2">
-              <a:schemeClr val="accent1">
-                <a:shade val="50000"/>
-              </a:schemeClr>
-            </a:lnRef>
-            <a:fillRef idx="1">
-              <a:schemeClr val="accent1"/>
-            </a:fillRef>
-            <a:effectRef idx="0">
-              <a:schemeClr val="accent1"/>
-            </a:effectRef>
-            <a:fontRef idx="minor">
-              <a:schemeClr val="lt1"/>
-            </a:fontRef>
-          </p:style>
-          <p:txBody>
-            <a:bodyPr rtlCol="0" anchor="ctr"/>
-            <a:lstStyle/>
-            <a:p>
-              <a:pPr algn="ctr"/>
-              <a:endParaRPr lang="en-US"/>
-            </a:p>
-          </p:txBody>
-        </p:sp>
-        <p:sp>
-          <p:nvSpPr>
-            <p:cNvPr id="10" name="TextBox 9">
-              <a:extLst>
-                <a:ext uri="{FF2B5EF4-FFF2-40B4-BE49-F238E27FC236}">
-                  <a16:creationId xmlns:a16="http://schemas.microsoft.com/office/drawing/2014/main" id="{9C525F88-0424-70CA-D96A-666F75333606}"/>
-                </a:ext>
-              </a:extLst>
-            </p:cNvPr>
-            <p:cNvSpPr txBox="1"/>
-            <p:nvPr/>
-          </p:nvSpPr>
-          <p:spPr>
-            <a:xfrm>
-              <a:off x="9623979" y="4352831"/>
-              <a:ext cx="1059325" cy="276999"/>
-            </a:xfrm>
-            <a:prstGeom prst="rect">
-              <a:avLst/>
-            </a:prstGeom>
-            <a:noFill/>
-          </p:spPr>
-          <p:txBody>
-            <a:bodyPr wrap="square">
-              <a:spAutoFit/>
-            </a:bodyPr>
-            <a:lstStyle/>
-            <a:p>
-              <a:r>
-                <a:rPr lang="en-US" altLang="zh-CN" sz="1200" dirty="0"/>
-                <a:t>Amino</a:t>
-              </a:r>
-              <a:r>
-                <a:rPr lang="zh-CN" altLang="en-US" sz="1200" dirty="0"/>
-                <a:t> </a:t>
-              </a:r>
-              <a:r>
-                <a:rPr lang="en-US" altLang="zh-CN" sz="1200" dirty="0"/>
-                <a:t>Acid</a:t>
-              </a:r>
-              <a:endParaRPr lang="en-US" sz="1200" dirty="0"/>
-            </a:p>
-          </p:txBody>
-        </p:sp>
-      </p:grpSp>
+          <a:prstGeom prst="rect">
+            <a:avLst/>
+          </a:prstGeom>
+          <a:ln w="3175">
+            <a:miter lim="400000"/>
+          </a:ln>
+        </p:spPr>
+      </p:pic>
+      <p:sp>
+        <p:nvSpPr>
+          <p:cNvPr id="13" name="Can 12">
+            <a:extLst>
+              <a:ext uri="{FF2B5EF4-FFF2-40B4-BE49-F238E27FC236}">
+                <a16:creationId xmlns:a16="http://schemas.microsoft.com/office/drawing/2014/main" id="{B28E5CDA-58DD-683D-20E2-40E6E7D412FA}"/>
+              </a:ext>
+            </a:extLst>
+          </p:cNvPr>
+          <p:cNvSpPr/>
+          <p:nvPr/>
+        </p:nvSpPr>
+        <p:spPr>
+          <a:xfrm rot="3327173">
+            <a:off x="5090720" y="2063955"/>
+            <a:ext cx="148431" cy="213856"/>
+          </a:xfrm>
+          <a:prstGeom prst="can">
+            <a:avLst/>
+          </a:prstGeom>
+        </p:spPr>
+        <p:style>
+          <a:lnRef idx="2">
+            <a:schemeClr val="accent1">
+              <a:shade val="50000"/>
+            </a:schemeClr>
+          </a:lnRef>
+          <a:fillRef idx="1">
+            <a:schemeClr val="accent1"/>
+          </a:fillRef>
+          <a:effectRef idx="0">
+            <a:schemeClr val="accent1"/>
+          </a:effectRef>
+          <a:fontRef idx="minor">
+            <a:schemeClr val="lt1"/>
+          </a:fontRef>
+        </p:style>
+        <p:txBody>
+          <a:bodyPr rtlCol="0" anchor="ctr"/>
+          <a:lstStyle/>
+          <a:p>
+            <a:pPr algn="ctr"/>
+            <a:endParaRPr lang="en-US"/>
+          </a:p>
+        </p:txBody>
+      </p:sp>
+      <p:sp>
+        <p:nvSpPr>
+          <p:cNvPr id="14" name="TextBox 13">
+            <a:extLst>
+              <a:ext uri="{FF2B5EF4-FFF2-40B4-BE49-F238E27FC236}">
+                <a16:creationId xmlns:a16="http://schemas.microsoft.com/office/drawing/2014/main" id="{696D8080-A50B-75C4-08B3-BEEA33BCC810}"/>
+              </a:ext>
+            </a:extLst>
+          </p:cNvPr>
+          <p:cNvSpPr txBox="1"/>
+          <p:nvPr/>
+        </p:nvSpPr>
+        <p:spPr>
+          <a:xfrm>
+            <a:off x="5046457" y="1818887"/>
+            <a:ext cx="952505" cy="285523"/>
+          </a:xfrm>
+          <a:prstGeom prst="rect">
+            <a:avLst/>
+          </a:prstGeom>
+          <a:noFill/>
+        </p:spPr>
+        <p:txBody>
+          <a:bodyPr wrap="square">
+            <a:spAutoFit/>
+          </a:bodyPr>
+          <a:lstStyle/>
+          <a:p>
+            <a:r>
+              <a:rPr lang="en-US" altLang="zh-CN" sz="1200" dirty="0">
+                <a:latin typeface="Calibri" panose="020F0502020204030204" pitchFamily="34" charset="0"/>
+                <a:cs typeface="Calibri" panose="020F0502020204030204" pitchFamily="34" charset="0"/>
+              </a:rPr>
+              <a:t>Nucleoside</a:t>
+            </a:r>
+            <a:endParaRPr lang="en-US" sz="1200" dirty="0">
+              <a:latin typeface="Calibri" panose="020F0502020204030204" pitchFamily="34" charset="0"/>
+              <a:cs typeface="Calibri" panose="020F0502020204030204" pitchFamily="34" charset="0"/>
+            </a:endParaRPr>
+          </a:p>
+        </p:txBody>
+      </p:sp>
+      <p:sp>
+        <p:nvSpPr>
+          <p:cNvPr id="15" name="Can 14">
+            <a:extLst>
+              <a:ext uri="{FF2B5EF4-FFF2-40B4-BE49-F238E27FC236}">
+                <a16:creationId xmlns:a16="http://schemas.microsoft.com/office/drawing/2014/main" id="{16D56F36-7A58-ADAE-9A7F-E8C3124112CA}"/>
+              </a:ext>
+            </a:extLst>
+          </p:cNvPr>
+          <p:cNvSpPr/>
+          <p:nvPr/>
+        </p:nvSpPr>
+        <p:spPr>
+          <a:xfrm rot="4500538">
+            <a:off x="5354953" y="2583267"/>
+            <a:ext cx="148431" cy="213856"/>
+          </a:xfrm>
+          <a:prstGeom prst="can">
+            <a:avLst/>
+          </a:prstGeom>
+          <a:solidFill>
+            <a:schemeClr val="accent2"/>
+          </a:solidFill>
+        </p:spPr>
+        <p:style>
+          <a:lnRef idx="2">
+            <a:schemeClr val="accent1">
+              <a:shade val="50000"/>
+            </a:schemeClr>
+          </a:lnRef>
+          <a:fillRef idx="1">
+            <a:schemeClr val="accent1"/>
+          </a:fillRef>
+          <a:effectRef idx="0">
+            <a:schemeClr val="accent1"/>
+          </a:effectRef>
+          <a:fontRef idx="minor">
+            <a:schemeClr val="lt1"/>
+          </a:fontRef>
+        </p:style>
+        <p:txBody>
+          <a:bodyPr rtlCol="0" anchor="ctr"/>
+          <a:lstStyle/>
+          <a:p>
+            <a:pPr algn="ctr"/>
+            <a:endParaRPr lang="en-US"/>
+          </a:p>
+        </p:txBody>
+      </p:sp>
+      <p:sp>
+        <p:nvSpPr>
+          <p:cNvPr id="16" name="TextBox 15">
+            <a:extLst>
+              <a:ext uri="{FF2B5EF4-FFF2-40B4-BE49-F238E27FC236}">
+                <a16:creationId xmlns:a16="http://schemas.microsoft.com/office/drawing/2014/main" id="{2A55DEBD-83BF-F495-F0E1-FF4C70DE895A}"/>
+              </a:ext>
+            </a:extLst>
+          </p:cNvPr>
+          <p:cNvSpPr txBox="1"/>
+          <p:nvPr/>
+        </p:nvSpPr>
+        <p:spPr>
+          <a:xfrm>
+            <a:off x="5258916" y="2319938"/>
+            <a:ext cx="823463" cy="276999"/>
+          </a:xfrm>
+          <a:prstGeom prst="rect">
+            <a:avLst/>
+          </a:prstGeom>
+          <a:noFill/>
+        </p:spPr>
+        <p:txBody>
+          <a:bodyPr wrap="square">
+            <a:spAutoFit/>
+          </a:bodyPr>
+          <a:lstStyle/>
+          <a:p>
+            <a:r>
+              <a:rPr lang="en-US" altLang="zh-CN" sz="1200" dirty="0">
+                <a:latin typeface="Calibri" panose="020F0502020204030204" pitchFamily="34" charset="0"/>
+                <a:cs typeface="Calibri" panose="020F0502020204030204" pitchFamily="34" charset="0"/>
+              </a:rPr>
+              <a:t>Fatty Acid</a:t>
+            </a:r>
+            <a:endParaRPr lang="en-US" sz="1200" dirty="0">
+              <a:latin typeface="Calibri" panose="020F0502020204030204" pitchFamily="34" charset="0"/>
+              <a:cs typeface="Calibri" panose="020F0502020204030204" pitchFamily="34" charset="0"/>
+            </a:endParaRPr>
+          </a:p>
+        </p:txBody>
+      </p:sp>
+      <p:sp>
+        <p:nvSpPr>
+          <p:cNvPr id="17" name="Can 16">
+            <a:extLst>
+              <a:ext uri="{FF2B5EF4-FFF2-40B4-BE49-F238E27FC236}">
+                <a16:creationId xmlns:a16="http://schemas.microsoft.com/office/drawing/2014/main" id="{A85BB38F-F8B2-7D2A-7483-57D7F7F409F6}"/>
+              </a:ext>
+            </a:extLst>
+          </p:cNvPr>
+          <p:cNvSpPr/>
+          <p:nvPr/>
+        </p:nvSpPr>
+        <p:spPr>
+          <a:xfrm rot="6790259">
+            <a:off x="5320037" y="3417372"/>
+            <a:ext cx="148431" cy="213856"/>
+          </a:xfrm>
+          <a:prstGeom prst="can">
+            <a:avLst/>
+          </a:prstGeom>
+          <a:solidFill>
+            <a:srgbClr val="13294B"/>
+          </a:solidFill>
+        </p:spPr>
+        <p:style>
+          <a:lnRef idx="2">
+            <a:schemeClr val="accent1">
+              <a:shade val="50000"/>
+            </a:schemeClr>
+          </a:lnRef>
+          <a:fillRef idx="1">
+            <a:schemeClr val="accent1"/>
+          </a:fillRef>
+          <a:effectRef idx="0">
+            <a:schemeClr val="accent1"/>
+          </a:effectRef>
+          <a:fontRef idx="minor">
+            <a:schemeClr val="lt1"/>
+          </a:fontRef>
+        </p:style>
+        <p:txBody>
+          <a:bodyPr rtlCol="0" anchor="ctr"/>
+          <a:lstStyle/>
+          <a:p>
+            <a:pPr algn="ctr"/>
+            <a:endParaRPr lang="en-US"/>
+          </a:p>
+        </p:txBody>
+      </p:sp>
+      <p:sp>
+        <p:nvSpPr>
+          <p:cNvPr id="18" name="TextBox 17">
+            <a:extLst>
+              <a:ext uri="{FF2B5EF4-FFF2-40B4-BE49-F238E27FC236}">
+                <a16:creationId xmlns:a16="http://schemas.microsoft.com/office/drawing/2014/main" id="{B1476F15-A00D-9288-6F5B-400814A41696}"/>
+              </a:ext>
+            </a:extLst>
+          </p:cNvPr>
+          <p:cNvSpPr txBox="1"/>
+          <p:nvPr/>
+        </p:nvSpPr>
+        <p:spPr>
+          <a:xfrm>
+            <a:off x="5158102" y="3652401"/>
+            <a:ext cx="924277" cy="285523"/>
+          </a:xfrm>
+          <a:prstGeom prst="rect">
+            <a:avLst/>
+          </a:prstGeom>
+          <a:noFill/>
+        </p:spPr>
+        <p:txBody>
+          <a:bodyPr wrap="square">
+            <a:spAutoFit/>
+          </a:bodyPr>
+          <a:lstStyle/>
+          <a:p>
+            <a:r>
+              <a:rPr lang="en-US" altLang="zh-CN" sz="1200" dirty="0">
+                <a:latin typeface="Calibri" panose="020F0502020204030204" pitchFamily="34" charset="0"/>
+                <a:cs typeface="Calibri" panose="020F0502020204030204" pitchFamily="34" charset="0"/>
+              </a:rPr>
+              <a:t>Amino</a:t>
+            </a:r>
+            <a:r>
+              <a:rPr lang="zh-CN" altLang="en-US" sz="1200" dirty="0">
+                <a:latin typeface="Calibri" panose="020F0502020204030204" pitchFamily="34" charset="0"/>
+                <a:cs typeface="Calibri" panose="020F0502020204030204" pitchFamily="34" charset="0"/>
+              </a:rPr>
+              <a:t> </a:t>
+            </a:r>
+            <a:r>
+              <a:rPr lang="en-US" altLang="zh-CN" sz="1200" dirty="0">
+                <a:latin typeface="Calibri" panose="020F0502020204030204" pitchFamily="34" charset="0"/>
+                <a:cs typeface="Calibri" panose="020F0502020204030204" pitchFamily="34" charset="0"/>
+              </a:rPr>
+              <a:t>Acid</a:t>
+            </a:r>
+            <a:endParaRPr lang="en-US" sz="1200" dirty="0">
+              <a:latin typeface="Calibri" panose="020F0502020204030204" pitchFamily="34" charset="0"/>
+              <a:cs typeface="Calibri" panose="020F0502020204030204" pitchFamily="34" charset="0"/>
+            </a:endParaRPr>
+          </a:p>
+        </p:txBody>
+      </p:sp>
     </p:spTree>
     <p:extLst>
       <p:ext uri="{BB962C8B-B14F-4D97-AF65-F5344CB8AC3E}">
@@ -6551,6 +8252,939 @@
 </file>
 
 <file path=ppt/slides/slide6.xml><?xml version="1.0" encoding="utf-8"?>
+<p:sld xmlns:a="http://schemas.openxmlformats.org/drawingml/2006/main" xmlns:r="http://schemas.openxmlformats.org/officeDocument/2006/relationships" xmlns:p="http://schemas.openxmlformats.org/presentationml/2006/main">
+  <p:cSld>
+    <p:spTree>
+      <p:nvGrpSpPr>
+        <p:cNvPr id="1" name=""/>
+        <p:cNvGrpSpPr/>
+        <p:nvPr/>
+      </p:nvGrpSpPr>
+      <p:grpSpPr>
+        <a:xfrm>
+          <a:off x="0" y="0"/>
+          <a:ext cx="0" cy="0"/>
+          <a:chOff x="0" y="0"/>
+          <a:chExt cx="0" cy="0"/>
+        </a:xfrm>
+      </p:grpSpPr>
+      <p:sp>
+        <p:nvSpPr>
+          <p:cNvPr id="38" name="Rectangle 37">
+            <a:extLst>
+              <a:ext uri="{FF2B5EF4-FFF2-40B4-BE49-F238E27FC236}">
+                <a16:creationId xmlns:a16="http://schemas.microsoft.com/office/drawing/2014/main" id="{1ADBC5FC-7586-3893-8175-7F1777B9B982}"/>
+              </a:ext>
+            </a:extLst>
+          </p:cNvPr>
+          <p:cNvSpPr/>
+          <p:nvPr/>
+        </p:nvSpPr>
+        <p:spPr>
+          <a:xfrm>
+            <a:off x="1733549" y="1756173"/>
+            <a:ext cx="3379427" cy="3350402"/>
+          </a:xfrm>
+          <a:prstGeom prst="rect">
+            <a:avLst/>
+          </a:prstGeom>
+          <a:solidFill>
+            <a:schemeClr val="bg1"/>
+          </a:solidFill>
+          <a:ln>
+            <a:noFill/>
+          </a:ln>
+        </p:spPr>
+        <p:style>
+          <a:lnRef idx="2">
+            <a:schemeClr val="accent1">
+              <a:shade val="15000"/>
+            </a:schemeClr>
+          </a:lnRef>
+          <a:fillRef idx="1">
+            <a:schemeClr val="accent1"/>
+          </a:fillRef>
+          <a:effectRef idx="0">
+            <a:schemeClr val="accent1"/>
+          </a:effectRef>
+          <a:fontRef idx="minor">
+            <a:schemeClr val="lt1"/>
+          </a:fontRef>
+        </p:style>
+        <p:txBody>
+          <a:bodyPr rtlCol="0" anchor="ctr"/>
+          <a:lstStyle/>
+          <a:p>
+            <a:pPr algn="ctr"/>
+            <a:endParaRPr lang="en-US"/>
+          </a:p>
+        </p:txBody>
+      </p:sp>
+      <p:pic>
+        <p:nvPicPr>
+          <p:cNvPr id="2" name="Image" descr="Image">
+            <a:extLst>
+              <a:ext uri="{FF2B5EF4-FFF2-40B4-BE49-F238E27FC236}">
+                <a16:creationId xmlns:a16="http://schemas.microsoft.com/office/drawing/2014/main" id="{1123AEC9-7E5A-8AB4-163A-40CBA5582382}"/>
+              </a:ext>
+            </a:extLst>
+          </p:cNvPr>
+          <p:cNvPicPr>
+            <a:picLocks noChangeAspect="1"/>
+          </p:cNvPicPr>
+          <p:nvPr/>
+        </p:nvPicPr>
+        <p:blipFill rotWithShape="1">
+          <a:blip r:embed="rId2"/>
+          <a:srcRect l="7768" t="20821" r="55767" b="9734"/>
+          <a:stretch>
+            <a:fillRect/>
+          </a:stretch>
+        </p:blipFill>
+        <p:spPr>
+          <a:xfrm>
+            <a:off x="1733550" y="1751425"/>
+            <a:ext cx="3038475" cy="3355150"/>
+          </a:xfrm>
+          <a:prstGeom prst="rect">
+            <a:avLst/>
+          </a:prstGeom>
+          <a:ln w="3175">
+            <a:miter lim="400000"/>
+          </a:ln>
+        </p:spPr>
+      </p:pic>
+      <p:sp>
+        <p:nvSpPr>
+          <p:cNvPr id="3" name="Can 2">
+            <a:extLst>
+              <a:ext uri="{FF2B5EF4-FFF2-40B4-BE49-F238E27FC236}">
+                <a16:creationId xmlns:a16="http://schemas.microsoft.com/office/drawing/2014/main" id="{125D6EAD-E6CB-EA3A-EFBA-27281C2D1D9D}"/>
+              </a:ext>
+            </a:extLst>
+          </p:cNvPr>
+          <p:cNvSpPr/>
+          <p:nvPr/>
+        </p:nvSpPr>
+        <p:spPr>
+          <a:xfrm rot="3327173">
+            <a:off x="4204734" y="2360838"/>
+            <a:ext cx="148431" cy="213856"/>
+          </a:xfrm>
+          <a:prstGeom prst="can">
+            <a:avLst/>
+          </a:prstGeom>
+        </p:spPr>
+        <p:style>
+          <a:lnRef idx="2">
+            <a:schemeClr val="accent1">
+              <a:shade val="50000"/>
+            </a:schemeClr>
+          </a:lnRef>
+          <a:fillRef idx="1">
+            <a:schemeClr val="accent1"/>
+          </a:fillRef>
+          <a:effectRef idx="0">
+            <a:schemeClr val="accent1"/>
+          </a:effectRef>
+          <a:fontRef idx="minor">
+            <a:schemeClr val="lt1"/>
+          </a:fontRef>
+        </p:style>
+        <p:txBody>
+          <a:bodyPr rtlCol="0" anchor="ctr"/>
+          <a:lstStyle/>
+          <a:p>
+            <a:pPr algn="ctr"/>
+            <a:endParaRPr lang="en-US"/>
+          </a:p>
+        </p:txBody>
+      </p:sp>
+      <p:sp>
+        <p:nvSpPr>
+          <p:cNvPr id="4" name="TextBox 3">
+            <a:extLst>
+              <a:ext uri="{FF2B5EF4-FFF2-40B4-BE49-F238E27FC236}">
+                <a16:creationId xmlns:a16="http://schemas.microsoft.com/office/drawing/2014/main" id="{59F3D829-7B92-FFF8-0A7F-9CFB12C4CBE0}"/>
+              </a:ext>
+            </a:extLst>
+          </p:cNvPr>
+          <p:cNvSpPr txBox="1"/>
+          <p:nvPr/>
+        </p:nvSpPr>
+        <p:spPr>
+          <a:xfrm>
+            <a:off x="4160471" y="2115770"/>
+            <a:ext cx="952505" cy="285523"/>
+          </a:xfrm>
+          <a:prstGeom prst="rect">
+            <a:avLst/>
+          </a:prstGeom>
+          <a:noFill/>
+        </p:spPr>
+        <p:txBody>
+          <a:bodyPr wrap="square">
+            <a:spAutoFit/>
+          </a:bodyPr>
+          <a:lstStyle/>
+          <a:p>
+            <a:r>
+              <a:rPr lang="en-US" altLang="zh-CN" sz="1200" dirty="0">
+                <a:latin typeface="Calibri" panose="020F0502020204030204" pitchFamily="34" charset="0"/>
+                <a:cs typeface="Calibri" panose="020F0502020204030204" pitchFamily="34" charset="0"/>
+              </a:rPr>
+              <a:t>Nucleoside</a:t>
+            </a:r>
+            <a:endParaRPr lang="en-US" sz="1200" dirty="0">
+              <a:latin typeface="Calibri" panose="020F0502020204030204" pitchFamily="34" charset="0"/>
+              <a:cs typeface="Calibri" panose="020F0502020204030204" pitchFamily="34" charset="0"/>
+            </a:endParaRPr>
+          </a:p>
+        </p:txBody>
+      </p:sp>
+      <p:sp>
+        <p:nvSpPr>
+          <p:cNvPr id="5" name="Can 4">
+            <a:extLst>
+              <a:ext uri="{FF2B5EF4-FFF2-40B4-BE49-F238E27FC236}">
+                <a16:creationId xmlns:a16="http://schemas.microsoft.com/office/drawing/2014/main" id="{1C1F519D-3FEB-CE35-FE39-360D614D7686}"/>
+              </a:ext>
+            </a:extLst>
+          </p:cNvPr>
+          <p:cNvSpPr/>
+          <p:nvPr/>
+        </p:nvSpPr>
+        <p:spPr>
+          <a:xfrm rot="4500538">
+            <a:off x="4468967" y="2880150"/>
+            <a:ext cx="148431" cy="213856"/>
+          </a:xfrm>
+          <a:prstGeom prst="can">
+            <a:avLst/>
+          </a:prstGeom>
+          <a:solidFill>
+            <a:schemeClr val="accent2"/>
+          </a:solidFill>
+        </p:spPr>
+        <p:style>
+          <a:lnRef idx="2">
+            <a:schemeClr val="accent1">
+              <a:shade val="50000"/>
+            </a:schemeClr>
+          </a:lnRef>
+          <a:fillRef idx="1">
+            <a:schemeClr val="accent1"/>
+          </a:fillRef>
+          <a:effectRef idx="0">
+            <a:schemeClr val="accent1"/>
+          </a:effectRef>
+          <a:fontRef idx="minor">
+            <a:schemeClr val="lt1"/>
+          </a:fontRef>
+        </p:style>
+        <p:txBody>
+          <a:bodyPr rtlCol="0" anchor="ctr"/>
+          <a:lstStyle/>
+          <a:p>
+            <a:pPr algn="ctr"/>
+            <a:endParaRPr lang="en-US"/>
+          </a:p>
+        </p:txBody>
+      </p:sp>
+      <p:sp>
+        <p:nvSpPr>
+          <p:cNvPr id="6" name="TextBox 5">
+            <a:extLst>
+              <a:ext uri="{FF2B5EF4-FFF2-40B4-BE49-F238E27FC236}">
+                <a16:creationId xmlns:a16="http://schemas.microsoft.com/office/drawing/2014/main" id="{10A50EC9-7371-236A-9CD6-1378681FEC70}"/>
+              </a:ext>
+            </a:extLst>
+          </p:cNvPr>
+          <p:cNvSpPr txBox="1"/>
+          <p:nvPr/>
+        </p:nvSpPr>
+        <p:spPr>
+          <a:xfrm>
+            <a:off x="4372930" y="2616821"/>
+            <a:ext cx="823463" cy="276999"/>
+          </a:xfrm>
+          <a:prstGeom prst="rect">
+            <a:avLst/>
+          </a:prstGeom>
+          <a:noFill/>
+        </p:spPr>
+        <p:txBody>
+          <a:bodyPr wrap="square">
+            <a:spAutoFit/>
+          </a:bodyPr>
+          <a:lstStyle/>
+          <a:p>
+            <a:r>
+              <a:rPr lang="en-US" altLang="zh-CN" sz="1200" dirty="0">
+                <a:latin typeface="Calibri" panose="020F0502020204030204" pitchFamily="34" charset="0"/>
+                <a:cs typeface="Calibri" panose="020F0502020204030204" pitchFamily="34" charset="0"/>
+              </a:rPr>
+              <a:t>Fatty Acid</a:t>
+            </a:r>
+            <a:endParaRPr lang="en-US" sz="1200" dirty="0">
+              <a:latin typeface="Calibri" panose="020F0502020204030204" pitchFamily="34" charset="0"/>
+              <a:cs typeface="Calibri" panose="020F0502020204030204" pitchFamily="34" charset="0"/>
+            </a:endParaRPr>
+          </a:p>
+        </p:txBody>
+      </p:sp>
+      <p:sp>
+        <p:nvSpPr>
+          <p:cNvPr id="7" name="Can 6">
+            <a:extLst>
+              <a:ext uri="{FF2B5EF4-FFF2-40B4-BE49-F238E27FC236}">
+                <a16:creationId xmlns:a16="http://schemas.microsoft.com/office/drawing/2014/main" id="{3FF25DEF-A790-D525-F089-E5CAD31C2EFC}"/>
+              </a:ext>
+            </a:extLst>
+          </p:cNvPr>
+          <p:cNvSpPr/>
+          <p:nvPr/>
+        </p:nvSpPr>
+        <p:spPr>
+          <a:xfrm rot="6790259">
+            <a:off x="4434051" y="3714255"/>
+            <a:ext cx="148431" cy="213856"/>
+          </a:xfrm>
+          <a:prstGeom prst="can">
+            <a:avLst/>
+          </a:prstGeom>
+          <a:solidFill>
+            <a:srgbClr val="13294B"/>
+          </a:solidFill>
+        </p:spPr>
+        <p:style>
+          <a:lnRef idx="2">
+            <a:schemeClr val="accent1">
+              <a:shade val="50000"/>
+            </a:schemeClr>
+          </a:lnRef>
+          <a:fillRef idx="1">
+            <a:schemeClr val="accent1"/>
+          </a:fillRef>
+          <a:effectRef idx="0">
+            <a:schemeClr val="accent1"/>
+          </a:effectRef>
+          <a:fontRef idx="minor">
+            <a:schemeClr val="lt1"/>
+          </a:fontRef>
+        </p:style>
+        <p:txBody>
+          <a:bodyPr rtlCol="0" anchor="ctr"/>
+          <a:lstStyle/>
+          <a:p>
+            <a:pPr algn="ctr"/>
+            <a:endParaRPr lang="en-US"/>
+          </a:p>
+        </p:txBody>
+      </p:sp>
+      <p:sp>
+        <p:nvSpPr>
+          <p:cNvPr id="8" name="TextBox 7">
+            <a:extLst>
+              <a:ext uri="{FF2B5EF4-FFF2-40B4-BE49-F238E27FC236}">
+                <a16:creationId xmlns:a16="http://schemas.microsoft.com/office/drawing/2014/main" id="{D5169514-80BD-8D65-8254-BFA9ECA613BC}"/>
+              </a:ext>
+            </a:extLst>
+          </p:cNvPr>
+          <p:cNvSpPr txBox="1"/>
+          <p:nvPr/>
+        </p:nvSpPr>
+        <p:spPr>
+          <a:xfrm>
+            <a:off x="4272116" y="3949284"/>
+            <a:ext cx="937898" cy="285523"/>
+          </a:xfrm>
+          <a:prstGeom prst="rect">
+            <a:avLst/>
+          </a:prstGeom>
+          <a:noFill/>
+        </p:spPr>
+        <p:txBody>
+          <a:bodyPr wrap="square">
+            <a:spAutoFit/>
+          </a:bodyPr>
+          <a:lstStyle/>
+          <a:p>
+            <a:r>
+              <a:rPr lang="en-US" altLang="zh-CN" sz="1200" dirty="0">
+                <a:latin typeface="Calibri" panose="020F0502020204030204" pitchFamily="34" charset="0"/>
+                <a:cs typeface="Calibri" panose="020F0502020204030204" pitchFamily="34" charset="0"/>
+              </a:rPr>
+              <a:t>Amino</a:t>
+            </a:r>
+            <a:r>
+              <a:rPr lang="zh-CN" altLang="en-US" sz="1200" dirty="0">
+                <a:latin typeface="Calibri" panose="020F0502020204030204" pitchFamily="34" charset="0"/>
+                <a:cs typeface="Calibri" panose="020F0502020204030204" pitchFamily="34" charset="0"/>
+              </a:rPr>
+              <a:t> </a:t>
+            </a:r>
+            <a:r>
+              <a:rPr lang="en-US" altLang="zh-CN" sz="1200" dirty="0">
+                <a:latin typeface="Calibri" panose="020F0502020204030204" pitchFamily="34" charset="0"/>
+                <a:cs typeface="Calibri" panose="020F0502020204030204" pitchFamily="34" charset="0"/>
+              </a:rPr>
+              <a:t>Acid</a:t>
+            </a:r>
+            <a:endParaRPr lang="en-US" sz="1200" dirty="0">
+              <a:latin typeface="Calibri" panose="020F0502020204030204" pitchFamily="34" charset="0"/>
+              <a:cs typeface="Calibri" panose="020F0502020204030204" pitchFamily="34" charset="0"/>
+            </a:endParaRPr>
+          </a:p>
+        </p:txBody>
+      </p:sp>
+      <p:sp>
+        <p:nvSpPr>
+          <p:cNvPr id="9" name="Chord 8">
+            <a:extLst>
+              <a:ext uri="{FF2B5EF4-FFF2-40B4-BE49-F238E27FC236}">
+                <a16:creationId xmlns:a16="http://schemas.microsoft.com/office/drawing/2014/main" id="{DE05D048-D524-501E-E8B1-7AA0B22AECBD}"/>
+              </a:ext>
+            </a:extLst>
+          </p:cNvPr>
+          <p:cNvSpPr>
+            <a:spLocks/>
+          </p:cNvSpPr>
+          <p:nvPr/>
+        </p:nvSpPr>
+        <p:spPr>
+          <a:xfrm>
+            <a:off x="1966920" y="2011020"/>
+            <a:ext cx="2646000" cy="2646000"/>
+          </a:xfrm>
+          <a:prstGeom prst="chord">
+            <a:avLst>
+              <a:gd name="adj1" fmla="val 5432868"/>
+              <a:gd name="adj2" fmla="val 16200000"/>
+            </a:avLst>
+          </a:prstGeom>
+          <a:solidFill>
+            <a:schemeClr val="tx2">
+              <a:lumMod val="75000"/>
+              <a:lumOff val="25000"/>
+              <a:alpha val="54967"/>
+            </a:schemeClr>
+          </a:solidFill>
+          <a:ln>
+            <a:noFill/>
+          </a:ln>
+        </p:spPr>
+        <p:style>
+          <a:lnRef idx="2">
+            <a:schemeClr val="accent1">
+              <a:shade val="15000"/>
+            </a:schemeClr>
+          </a:lnRef>
+          <a:fillRef idx="1">
+            <a:schemeClr val="accent1"/>
+          </a:fillRef>
+          <a:effectRef idx="0">
+            <a:schemeClr val="accent1"/>
+          </a:effectRef>
+          <a:fontRef idx="minor">
+            <a:schemeClr val="lt1"/>
+          </a:fontRef>
+        </p:style>
+        <p:txBody>
+          <a:bodyPr rtlCol="0" anchor="ctr"/>
+          <a:lstStyle/>
+          <a:p>
+            <a:pPr algn="ctr"/>
+            <a:endParaRPr lang="en-US" dirty="0"/>
+          </a:p>
+        </p:txBody>
+      </p:sp>
+      <p:sp>
+        <p:nvSpPr>
+          <p:cNvPr id="10" name="Arc 9">
+            <a:extLst>
+              <a:ext uri="{FF2B5EF4-FFF2-40B4-BE49-F238E27FC236}">
+                <a16:creationId xmlns:a16="http://schemas.microsoft.com/office/drawing/2014/main" id="{553317F5-0215-0796-CA2A-5A909879982F}"/>
+              </a:ext>
+            </a:extLst>
+          </p:cNvPr>
+          <p:cNvSpPr>
+            <a:spLocks/>
+          </p:cNvSpPr>
+          <p:nvPr/>
+        </p:nvSpPr>
+        <p:spPr>
+          <a:xfrm flipH="1">
+            <a:off x="1953233" y="2011020"/>
+            <a:ext cx="2646000" cy="2646000"/>
+          </a:xfrm>
+          <a:prstGeom prst="arc">
+            <a:avLst>
+              <a:gd name="adj1" fmla="val 16200000"/>
+              <a:gd name="adj2" fmla="val 5422431"/>
+            </a:avLst>
+          </a:prstGeom>
+        </p:spPr>
+        <p:style>
+          <a:lnRef idx="2">
+            <a:schemeClr val="dk1"/>
+          </a:lnRef>
+          <a:fillRef idx="0">
+            <a:schemeClr val="dk1"/>
+          </a:fillRef>
+          <a:effectRef idx="1">
+            <a:schemeClr val="dk1"/>
+          </a:effectRef>
+          <a:fontRef idx="minor">
+            <a:schemeClr val="tx1"/>
+          </a:fontRef>
+        </p:style>
+        <p:txBody>
+          <a:bodyPr rtlCol="0" anchor="ctr"/>
+          <a:lstStyle/>
+          <a:p>
+            <a:pPr algn="ctr"/>
+            <a:endParaRPr lang="en-US"/>
+          </a:p>
+        </p:txBody>
+      </p:sp>
+      <p:sp>
+        <p:nvSpPr>
+          <p:cNvPr id="11" name="TextBox 10">
+            <a:extLst>
+              <a:ext uri="{FF2B5EF4-FFF2-40B4-BE49-F238E27FC236}">
+                <a16:creationId xmlns:a16="http://schemas.microsoft.com/office/drawing/2014/main" id="{8E0EDDC4-5863-2A18-0B58-861F6E850B10}"/>
+              </a:ext>
+            </a:extLst>
+          </p:cNvPr>
+          <p:cNvSpPr txBox="1"/>
+          <p:nvPr/>
+        </p:nvSpPr>
+        <p:spPr>
+          <a:xfrm>
+            <a:off x="2350444" y="2964327"/>
+            <a:ext cx="699872" cy="276999"/>
+          </a:xfrm>
+          <a:prstGeom prst="rect">
+            <a:avLst/>
+          </a:prstGeom>
+          <a:noFill/>
+        </p:spPr>
+        <p:txBody>
+          <a:bodyPr wrap="none" rtlCol="0">
+            <a:spAutoFit/>
+          </a:bodyPr>
+          <a:lstStyle/>
+          <a:p>
+            <a:r>
+              <a:rPr lang="en-US" sz="1200" dirty="0">
+                <a:solidFill>
+                  <a:schemeClr val="bg1"/>
+                </a:solidFill>
+                <a:latin typeface="Calibri" panose="020F0502020204030204" pitchFamily="34" charset="0"/>
+                <a:cs typeface="Calibri" panose="020F0502020204030204" pitchFamily="34" charset="0"/>
+              </a:rPr>
+              <a:t>Proteins</a:t>
+            </a:r>
+          </a:p>
+        </p:txBody>
+      </p:sp>
+      <p:sp>
+        <p:nvSpPr>
+          <p:cNvPr id="12" name="TextBox 11">
+            <a:extLst>
+              <a:ext uri="{FF2B5EF4-FFF2-40B4-BE49-F238E27FC236}">
+                <a16:creationId xmlns:a16="http://schemas.microsoft.com/office/drawing/2014/main" id="{B5AF8C2F-5DE0-5C2E-ABAB-9D10F8E110B5}"/>
+              </a:ext>
+            </a:extLst>
+          </p:cNvPr>
+          <p:cNvSpPr txBox="1"/>
+          <p:nvPr/>
+        </p:nvSpPr>
+        <p:spPr>
+          <a:xfrm>
+            <a:off x="2750478" y="2653270"/>
+            <a:ext cx="570990" cy="276999"/>
+          </a:xfrm>
+          <a:prstGeom prst="rect">
+            <a:avLst/>
+          </a:prstGeom>
+          <a:noFill/>
+        </p:spPr>
+        <p:txBody>
+          <a:bodyPr wrap="none" rtlCol="0">
+            <a:spAutoFit/>
+          </a:bodyPr>
+          <a:lstStyle/>
+          <a:p>
+            <a:r>
+              <a:rPr lang="en-US" sz="1200" dirty="0">
+                <a:solidFill>
+                  <a:schemeClr val="bg1"/>
+                </a:solidFill>
+                <a:latin typeface="Calibri" panose="020F0502020204030204" pitchFamily="34" charset="0"/>
+                <a:cs typeface="Calibri" panose="020F0502020204030204" pitchFamily="34" charset="0"/>
+              </a:rPr>
+              <a:t>rRNAs</a:t>
+            </a:r>
+          </a:p>
+        </p:txBody>
+      </p:sp>
+      <p:sp>
+        <p:nvSpPr>
+          <p:cNvPr id="13" name="TextBox 12">
+            <a:extLst>
+              <a:ext uri="{FF2B5EF4-FFF2-40B4-BE49-F238E27FC236}">
+                <a16:creationId xmlns:a16="http://schemas.microsoft.com/office/drawing/2014/main" id="{485B0F93-43AC-0EB6-F641-DF1D4462B55C}"/>
+              </a:ext>
+            </a:extLst>
+          </p:cNvPr>
+          <p:cNvSpPr txBox="1"/>
+          <p:nvPr/>
+        </p:nvSpPr>
+        <p:spPr>
+          <a:xfrm>
+            <a:off x="2115780" y="3812395"/>
+            <a:ext cx="1289264" cy="461665"/>
+          </a:xfrm>
+          <a:prstGeom prst="rect">
+            <a:avLst/>
+          </a:prstGeom>
+          <a:noFill/>
+        </p:spPr>
+        <p:txBody>
+          <a:bodyPr wrap="none" rtlCol="0">
+            <a:spAutoFit/>
+          </a:bodyPr>
+          <a:lstStyle/>
+          <a:p>
+            <a:pPr algn="ctr"/>
+            <a:r>
+              <a:rPr lang="en-US" sz="1200" dirty="0">
+                <a:solidFill>
+                  <a:schemeClr val="bg1"/>
+                </a:solidFill>
+                <a:latin typeface="Calibri" panose="020F0502020204030204" pitchFamily="34" charset="0"/>
+                <a:cs typeface="Calibri" panose="020F0502020204030204" pitchFamily="34" charset="0"/>
+              </a:rPr>
+              <a:t>Ribosome, RNAP, </a:t>
+            </a:r>
+            <a:br>
+              <a:rPr lang="en-US" sz="1200" dirty="0">
+                <a:solidFill>
+                  <a:schemeClr val="bg1"/>
+                </a:solidFill>
+                <a:latin typeface="Calibri" panose="020F0502020204030204" pitchFamily="34" charset="0"/>
+                <a:cs typeface="Calibri" panose="020F0502020204030204" pitchFamily="34" charset="0"/>
+              </a:rPr>
+            </a:br>
+            <a:r>
+              <a:rPr lang="en-US" sz="1200" dirty="0">
+                <a:solidFill>
+                  <a:schemeClr val="bg1"/>
+                </a:solidFill>
+                <a:latin typeface="Calibri" panose="020F0502020204030204" pitchFamily="34" charset="0"/>
+                <a:cs typeface="Calibri" panose="020F0502020204030204" pitchFamily="34" charset="0"/>
+              </a:rPr>
+              <a:t>Degradosome</a:t>
+            </a:r>
+          </a:p>
+        </p:txBody>
+      </p:sp>
+      <p:cxnSp>
+        <p:nvCxnSpPr>
+          <p:cNvPr id="14" name="Straight Arrow Connector 13">
+            <a:extLst>
+              <a:ext uri="{FF2B5EF4-FFF2-40B4-BE49-F238E27FC236}">
+                <a16:creationId xmlns:a16="http://schemas.microsoft.com/office/drawing/2014/main" id="{EBB30678-96A9-4C2C-5C57-18700E1F36F8}"/>
+              </a:ext>
+            </a:extLst>
+          </p:cNvPr>
+          <p:cNvCxnSpPr>
+            <a:cxnSpLocks/>
+            <a:stCxn id="12" idx="2"/>
+          </p:cNvCxnSpPr>
+          <p:nvPr/>
+        </p:nvCxnSpPr>
+        <p:spPr>
+          <a:xfrm>
+            <a:off x="3035973" y="2930269"/>
+            <a:ext cx="0" cy="907813"/>
+          </a:xfrm>
+          <a:prstGeom prst="straightConnector1">
+            <a:avLst/>
+          </a:prstGeom>
+          <a:ln>
+            <a:solidFill>
+              <a:schemeClr val="bg1"/>
+            </a:solidFill>
+            <a:tailEnd type="triangle"/>
+          </a:ln>
+        </p:spPr>
+        <p:style>
+          <a:lnRef idx="2">
+            <a:schemeClr val="accent1"/>
+          </a:lnRef>
+          <a:fillRef idx="0">
+            <a:schemeClr val="accent1"/>
+          </a:fillRef>
+          <a:effectRef idx="1">
+            <a:schemeClr val="accent1"/>
+          </a:effectRef>
+          <a:fontRef idx="minor">
+            <a:schemeClr val="tx1"/>
+          </a:fontRef>
+        </p:style>
+      </p:cxnSp>
+      <p:cxnSp>
+        <p:nvCxnSpPr>
+          <p:cNvPr id="15" name="Elbow Connector 14">
+            <a:extLst>
+              <a:ext uri="{FF2B5EF4-FFF2-40B4-BE49-F238E27FC236}">
+                <a16:creationId xmlns:a16="http://schemas.microsoft.com/office/drawing/2014/main" id="{74426766-0330-32F5-053F-BA7363D91886}"/>
+              </a:ext>
+            </a:extLst>
+          </p:cNvPr>
+          <p:cNvCxnSpPr>
+            <a:cxnSpLocks/>
+            <a:stCxn id="11" idx="2"/>
+          </p:cNvCxnSpPr>
+          <p:nvPr/>
+        </p:nvCxnSpPr>
+        <p:spPr>
+          <a:xfrm rot="16200000" flipH="1">
+            <a:off x="2763937" y="3177769"/>
+            <a:ext cx="194875" cy="321988"/>
+          </a:xfrm>
+          <a:prstGeom prst="bentConnector2">
+            <a:avLst/>
+          </a:prstGeom>
+          <a:ln>
+            <a:solidFill>
+              <a:schemeClr val="bg1"/>
+            </a:solidFill>
+          </a:ln>
+        </p:spPr>
+        <p:style>
+          <a:lnRef idx="2">
+            <a:schemeClr val="accent1"/>
+          </a:lnRef>
+          <a:fillRef idx="0">
+            <a:schemeClr val="accent1"/>
+          </a:fillRef>
+          <a:effectRef idx="1">
+            <a:schemeClr val="accent1"/>
+          </a:effectRef>
+          <a:fontRef idx="minor">
+            <a:schemeClr val="tx1"/>
+          </a:fontRef>
+        </p:style>
+      </p:cxnSp>
+      <p:sp>
+        <p:nvSpPr>
+          <p:cNvPr id="16" name="TextBox 15">
+            <a:extLst>
+              <a:ext uri="{FF2B5EF4-FFF2-40B4-BE49-F238E27FC236}">
+                <a16:creationId xmlns:a16="http://schemas.microsoft.com/office/drawing/2014/main" id="{73C82851-A00F-729E-A79C-1AFC7B240FF2}"/>
+              </a:ext>
+            </a:extLst>
+          </p:cNvPr>
+          <p:cNvSpPr txBox="1"/>
+          <p:nvPr/>
+        </p:nvSpPr>
+        <p:spPr>
+          <a:xfrm>
+            <a:off x="1959877" y="3308222"/>
+            <a:ext cx="790601" cy="461665"/>
+          </a:xfrm>
+          <a:prstGeom prst="rect">
+            <a:avLst/>
+          </a:prstGeom>
+          <a:noFill/>
+        </p:spPr>
+        <p:txBody>
+          <a:bodyPr wrap="none" rtlCol="0">
+            <a:spAutoFit/>
+          </a:bodyPr>
+          <a:lstStyle/>
+          <a:p>
+            <a:pPr algn="ctr"/>
+            <a:r>
+              <a:rPr lang="en-US" sz="1200" b="1" i="1" dirty="0">
+                <a:solidFill>
+                  <a:schemeClr val="bg1"/>
+                </a:solidFill>
+                <a:latin typeface="Calibri" panose="020F0502020204030204" pitchFamily="34" charset="0"/>
+                <a:cs typeface="Calibri" panose="020F0502020204030204" pitchFamily="34" charset="0"/>
+              </a:rPr>
+              <a:t>Complex</a:t>
+            </a:r>
+          </a:p>
+          <a:p>
+            <a:pPr algn="ctr"/>
+            <a:r>
+              <a:rPr lang="en-US" sz="1200" b="1" i="1" dirty="0">
+                <a:solidFill>
+                  <a:schemeClr val="bg1"/>
+                </a:solidFill>
+                <a:latin typeface="Calibri" panose="020F0502020204030204" pitchFamily="34" charset="0"/>
+                <a:cs typeface="Calibri" panose="020F0502020204030204" pitchFamily="34" charset="0"/>
+              </a:rPr>
+              <a:t>Assembly</a:t>
+            </a:r>
+          </a:p>
+        </p:txBody>
+      </p:sp>
+      <p:sp>
+        <p:nvSpPr>
+          <p:cNvPr id="17" name="Can 16">
+            <a:extLst>
+              <a:ext uri="{FF2B5EF4-FFF2-40B4-BE49-F238E27FC236}">
+                <a16:creationId xmlns:a16="http://schemas.microsoft.com/office/drawing/2014/main" id="{3C40BC37-47A9-61B8-34E1-25E2E2D92D13}"/>
+              </a:ext>
+            </a:extLst>
+          </p:cNvPr>
+          <p:cNvSpPr/>
+          <p:nvPr/>
+        </p:nvSpPr>
+        <p:spPr>
+          <a:xfrm rot="19023740">
+            <a:off x="2182914" y="2380744"/>
+            <a:ext cx="148431" cy="213856"/>
+          </a:xfrm>
+          <a:prstGeom prst="can">
+            <a:avLst/>
+          </a:prstGeom>
+          <a:solidFill>
+            <a:schemeClr val="accent6">
+              <a:lumMod val="50000"/>
+            </a:schemeClr>
+          </a:solidFill>
+        </p:spPr>
+        <p:style>
+          <a:lnRef idx="2">
+            <a:schemeClr val="accent1">
+              <a:shade val="50000"/>
+            </a:schemeClr>
+          </a:lnRef>
+          <a:fillRef idx="1">
+            <a:schemeClr val="accent1"/>
+          </a:fillRef>
+          <a:effectRef idx="0">
+            <a:schemeClr val="accent1"/>
+          </a:effectRef>
+          <a:fontRef idx="minor">
+            <a:schemeClr val="lt1"/>
+          </a:fontRef>
+        </p:style>
+        <p:txBody>
+          <a:bodyPr rtlCol="0" anchor="ctr"/>
+          <a:lstStyle/>
+          <a:p>
+            <a:pPr algn="ctr"/>
+            <a:endParaRPr lang="en-US"/>
+          </a:p>
+        </p:txBody>
+      </p:sp>
+      <p:cxnSp>
+        <p:nvCxnSpPr>
+          <p:cNvPr id="18" name="Straight Arrow Connector 17">
+            <a:extLst>
+              <a:ext uri="{FF2B5EF4-FFF2-40B4-BE49-F238E27FC236}">
+                <a16:creationId xmlns:a16="http://schemas.microsoft.com/office/drawing/2014/main" id="{061C064B-A3C2-695F-030F-940C55B4AC2A}"/>
+              </a:ext>
+            </a:extLst>
+          </p:cNvPr>
+          <p:cNvCxnSpPr>
+            <a:cxnSpLocks/>
+          </p:cNvCxnSpPr>
+          <p:nvPr/>
+        </p:nvCxnSpPr>
+        <p:spPr>
+          <a:xfrm flipH="1" flipV="1">
+            <a:off x="2430250" y="2611511"/>
+            <a:ext cx="179273" cy="330973"/>
+          </a:xfrm>
+          <a:prstGeom prst="straightConnector1">
+            <a:avLst/>
+          </a:prstGeom>
+          <a:ln>
+            <a:solidFill>
+              <a:schemeClr val="bg1"/>
+            </a:solidFill>
+            <a:tailEnd type="triangle"/>
+          </a:ln>
+        </p:spPr>
+        <p:style>
+          <a:lnRef idx="2">
+            <a:schemeClr val="accent1"/>
+          </a:lnRef>
+          <a:fillRef idx="0">
+            <a:schemeClr val="accent1"/>
+          </a:fillRef>
+          <a:effectRef idx="1">
+            <a:schemeClr val="accent1"/>
+          </a:effectRef>
+          <a:fontRef idx="minor">
+            <a:schemeClr val="tx1"/>
+          </a:fontRef>
+        </p:style>
+      </p:cxnSp>
+      <p:sp>
+        <p:nvSpPr>
+          <p:cNvPr id="19" name="TextBox 18">
+            <a:extLst>
+              <a:ext uri="{FF2B5EF4-FFF2-40B4-BE49-F238E27FC236}">
+                <a16:creationId xmlns:a16="http://schemas.microsoft.com/office/drawing/2014/main" id="{C4BC8D58-7AFC-2389-EFDD-E88F922E3C9D}"/>
+              </a:ext>
+            </a:extLst>
+          </p:cNvPr>
+          <p:cNvSpPr txBox="1"/>
+          <p:nvPr/>
+        </p:nvSpPr>
+        <p:spPr>
+          <a:xfrm>
+            <a:off x="2303726" y="2277076"/>
+            <a:ext cx="967573" cy="276999"/>
+          </a:xfrm>
+          <a:prstGeom prst="rect">
+            <a:avLst/>
+          </a:prstGeom>
+          <a:noFill/>
+        </p:spPr>
+        <p:txBody>
+          <a:bodyPr wrap="none" rtlCol="0">
+            <a:spAutoFit/>
+          </a:bodyPr>
+          <a:lstStyle/>
+          <a:p>
+            <a:r>
+              <a:rPr lang="en-US" sz="1200" dirty="0">
+                <a:solidFill>
+                  <a:schemeClr val="bg1"/>
+                </a:solidFill>
+                <a:latin typeface="Calibri" panose="020F0502020204030204" pitchFamily="34" charset="0"/>
+                <a:cs typeface="Calibri" panose="020F0502020204030204" pitchFamily="34" charset="0"/>
+              </a:rPr>
+              <a:t>Transporters</a:t>
+            </a:r>
+          </a:p>
+        </p:txBody>
+      </p:sp>
+    </p:spTree>
+    <p:extLst>
+      <p:ext uri="{BB962C8B-B14F-4D97-AF65-F5344CB8AC3E}">
+        <p14:creationId xmlns:p14="http://schemas.microsoft.com/office/powerpoint/2010/main" val="2713148803"/>
+      </p:ext>
+    </p:extLst>
+  </p:cSld>
+  <p:clrMapOvr>
+    <a:masterClrMapping/>
+  </p:clrMapOvr>
+</p:sld>
+</file>
+
+<file path=ppt/slides/slide7.xml><?xml version="1.0" encoding="utf-8"?>
 <p:sld xmlns:a="http://schemas.openxmlformats.org/drawingml/2006/main" xmlns:r="http://schemas.openxmlformats.org/officeDocument/2006/relationships" xmlns:p="http://schemas.openxmlformats.org/presentationml/2006/main">
   <p:cSld>
     <p:spTree>
@@ -9051,7 +11685,7 @@
 </p:sld>
 </file>
 
-<file path=ppt/slides/slide7.xml><?xml version="1.0" encoding="utf-8"?>
+<file path=ppt/slides/slide8.xml><?xml version="1.0" encoding="utf-8"?>
 <p:sld xmlns:a="http://schemas.openxmlformats.org/drawingml/2006/main" xmlns:r="http://schemas.openxmlformats.org/officeDocument/2006/relationships" xmlns:p="http://schemas.openxmlformats.org/presentationml/2006/main">
   <p:cSld>
     <p:spTree>
@@ -9173,7 +11807,7 @@
           </a:ln>
           <a:extLst>
             <a:ext uri="{C572A759-6A51-4108-AA02-DFA0A04FC94B}">
-              <ma14:wrappingTextBoxFlag xmlns="" xmlns:m="http://schemas.openxmlformats.org/officeDocument/2006/math" xmlns:a14="http://schemas.microsoft.com/office/drawing/2010/main" xmlns:ma14="http://schemas.microsoft.com/office/mac/drawingml/2011/main" xmlns:lc="http://schemas.openxmlformats.org/drawingml/2006/lockedCanvas" val="1"/>
+              <ma14:wrappingTextBoxFlag xmlns:lc="http://schemas.openxmlformats.org/drawingml/2006/lockedCanvas" xmlns:ma14="http://schemas.microsoft.com/office/mac/drawingml/2011/main" xmlns:a14="http://schemas.microsoft.com/office/drawing/2010/main" xmlns:m="http://schemas.openxmlformats.org/officeDocument/2006/math" xmlns="" val="1"/>
             </a:ext>
           </a:extLst>
         </p:spPr>
@@ -9341,7 +11975,7 @@
           </a:ln>
           <a:extLst>
             <a:ext uri="{C572A759-6A51-4108-AA02-DFA0A04FC94B}">
-              <ma14:wrappingTextBoxFlag xmlns="" xmlns:m="http://schemas.openxmlformats.org/officeDocument/2006/math" xmlns:a14="http://schemas.microsoft.com/office/drawing/2010/main" xmlns:ma14="http://schemas.microsoft.com/office/mac/drawingml/2011/main" xmlns:lc="http://schemas.openxmlformats.org/drawingml/2006/lockedCanvas" val="1"/>
+              <ma14:wrappingTextBoxFlag xmlns:lc="http://schemas.openxmlformats.org/drawingml/2006/lockedCanvas" xmlns:ma14="http://schemas.microsoft.com/office/mac/drawingml/2011/main" xmlns:a14="http://schemas.microsoft.com/office/drawing/2010/main" xmlns:m="http://schemas.openxmlformats.org/officeDocument/2006/math" xmlns="" val="1"/>
             </a:ext>
           </a:extLst>
         </p:spPr>
@@ -9732,7 +12366,7 @@
 </p:sld>
 </file>
 
-<file path=ppt/slides/slide8.xml><?xml version="1.0" encoding="utf-8"?>
+<file path=ppt/slides/slide9.xml><?xml version="1.0" encoding="utf-8"?>
 <p:sld xmlns:a="http://schemas.openxmlformats.org/drawingml/2006/main" xmlns:r="http://schemas.openxmlformats.org/officeDocument/2006/relationships" xmlns:p="http://schemas.openxmlformats.org/presentationml/2006/main">
   <p:cSld>
     <p:spTree>
@@ -9853,7 +12487,7 @@
           </a:ln>
           <a:extLst>
             <a:ext uri="{C572A759-6A51-4108-AA02-DFA0A04FC94B}">
-              <ma14:wrappingTextBoxFlag xmlns="" xmlns:m="http://schemas.openxmlformats.org/officeDocument/2006/math" xmlns:a14="http://schemas.microsoft.com/office/drawing/2010/main" xmlns:ma14="http://schemas.microsoft.com/office/mac/drawingml/2011/main" val="1"/>
+              <ma14:wrappingTextBoxFlag xmlns:ma14="http://schemas.microsoft.com/office/mac/drawingml/2011/main" xmlns:a14="http://schemas.microsoft.com/office/drawing/2010/main" xmlns:m="http://schemas.openxmlformats.org/officeDocument/2006/math" xmlns="" val="1"/>
             </a:ext>
           </a:extLst>
         </p:spPr>
@@ -10565,7 +13199,7 @@
           </a:ln>
           <a:extLst>
             <a:ext uri="{C572A759-6A51-4108-AA02-DFA0A04FC94B}">
-              <ma14:wrappingTextBoxFlag xmlns="" xmlns:m="http://schemas.openxmlformats.org/officeDocument/2006/math" xmlns:a14="http://schemas.microsoft.com/office/drawing/2010/main" xmlns:ma14="http://schemas.microsoft.com/office/mac/drawingml/2011/main" val="1"/>
+              <ma14:wrappingTextBoxFlag xmlns:ma14="http://schemas.microsoft.com/office/mac/drawingml/2011/main" xmlns:a14="http://schemas.microsoft.com/office/drawing/2010/main" xmlns:m="http://schemas.openxmlformats.org/officeDocument/2006/math" xmlns="" val="1"/>
             </a:ext>
           </a:extLst>
         </p:spPr>
@@ -10689,7 +13323,7 @@
           </a:ln>
           <a:extLst>
             <a:ext uri="{C572A759-6A51-4108-AA02-DFA0A04FC94B}">
-              <ma14:wrappingTextBoxFlag xmlns="" xmlns:m="http://schemas.openxmlformats.org/officeDocument/2006/math" xmlns:a14="http://schemas.microsoft.com/office/drawing/2010/main" xmlns:ma14="http://schemas.microsoft.com/office/mac/drawingml/2011/main" val="1"/>
+              <ma14:wrappingTextBoxFlag xmlns:ma14="http://schemas.microsoft.com/office/mac/drawingml/2011/main" xmlns:a14="http://schemas.microsoft.com/office/drawing/2010/main" xmlns:m="http://schemas.openxmlformats.org/officeDocument/2006/math" xmlns="" val="1"/>
             </a:ext>
           </a:extLst>
         </p:spPr>
@@ -10810,7 +13444,7 @@
           </a:ln>
           <a:extLst>
             <a:ext uri="{C572A759-6A51-4108-AA02-DFA0A04FC94B}">
-              <ma14:wrappingTextBoxFlag xmlns="" xmlns:m="http://schemas.openxmlformats.org/officeDocument/2006/math" xmlns:a14="http://schemas.microsoft.com/office/drawing/2010/main" xmlns:ma14="http://schemas.microsoft.com/office/mac/drawingml/2011/main" val="1"/>
+              <ma14:wrappingTextBoxFlag xmlns:ma14="http://schemas.microsoft.com/office/mac/drawingml/2011/main" xmlns:a14="http://schemas.microsoft.com/office/drawing/2010/main" xmlns:m="http://schemas.openxmlformats.org/officeDocument/2006/math" xmlns="" val="1"/>
             </a:ext>
           </a:extLst>
         </p:spPr>
@@ -10880,7 +13514,7 @@
           </a:ln>
           <a:extLst>
             <a:ext uri="{C572A759-6A51-4108-AA02-DFA0A04FC94B}">
-              <ma14:wrappingTextBoxFlag xmlns="" xmlns:m="http://schemas.openxmlformats.org/officeDocument/2006/math" xmlns:a14="http://schemas.microsoft.com/office/drawing/2010/main" xmlns:ma14="http://schemas.microsoft.com/office/mac/drawingml/2011/main" val="1"/>
+              <ma14:wrappingTextBoxFlag xmlns:ma14="http://schemas.microsoft.com/office/mac/drawingml/2011/main" xmlns:a14="http://schemas.microsoft.com/office/drawing/2010/main" xmlns:m="http://schemas.openxmlformats.org/officeDocument/2006/math" xmlns="" val="1"/>
             </a:ext>
           </a:extLst>
         </p:spPr>
@@ -11613,1410 +14247,6 @@
 </p:sld>
 </file>
 
-<file path=ppt/slides/slide9.xml><?xml version="1.0" encoding="utf-8"?>
-<p:sld xmlns:a="http://schemas.openxmlformats.org/drawingml/2006/main" xmlns:r="http://schemas.openxmlformats.org/officeDocument/2006/relationships" xmlns:p="http://schemas.openxmlformats.org/presentationml/2006/main">
-  <p:cSld>
-    <p:spTree>
-      <p:nvGrpSpPr>
-        <p:cNvPr id="1" name=""/>
-        <p:cNvGrpSpPr/>
-        <p:nvPr/>
-      </p:nvGrpSpPr>
-      <p:grpSpPr>
-        <a:xfrm>
-          <a:off x="0" y="0"/>
-          <a:ext cx="0" cy="0"/>
-          <a:chOff x="0" y="0"/>
-          <a:chExt cx="0" cy="0"/>
-        </a:xfrm>
-      </p:grpSpPr>
-      <p:sp>
-        <p:nvSpPr>
-          <p:cNvPr id="7" name="Rectangle 6">
-            <a:extLst>
-              <a:ext uri="{FF2B5EF4-FFF2-40B4-BE49-F238E27FC236}">
-                <a16:creationId xmlns:a16="http://schemas.microsoft.com/office/drawing/2014/main" id="{CE3CAD40-B007-16EB-8E6F-47F65833BE6B}"/>
-              </a:ext>
-            </a:extLst>
-          </p:cNvPr>
-          <p:cNvSpPr/>
-          <p:nvPr/>
-        </p:nvSpPr>
-        <p:spPr>
-          <a:xfrm>
-            <a:off x="124691" y="2105891"/>
-            <a:ext cx="11942618" cy="2313709"/>
-          </a:xfrm>
-          <a:prstGeom prst="rect">
-            <a:avLst/>
-          </a:prstGeom>
-          <a:ln>
-            <a:noFill/>
-          </a:ln>
-        </p:spPr>
-        <p:style>
-          <a:lnRef idx="2">
-            <a:schemeClr val="accent6"/>
-          </a:lnRef>
-          <a:fillRef idx="1">
-            <a:schemeClr val="lt1"/>
-          </a:fillRef>
-          <a:effectRef idx="0">
-            <a:schemeClr val="accent6"/>
-          </a:effectRef>
-          <a:fontRef idx="minor">
-            <a:schemeClr val="dk1"/>
-          </a:fontRef>
-        </p:style>
-        <p:txBody>
-          <a:bodyPr rtlCol="0" anchor="ctr"/>
-          <a:lstStyle/>
-          <a:p>
-            <a:pPr algn="ctr"/>
-            <a:endParaRPr lang="en-US" dirty="0"/>
-          </a:p>
-        </p:txBody>
-      </p:sp>
-      <p:pic>
-        <p:nvPicPr>
-          <p:cNvPr id="2" name="Picture 1">
-            <a:extLst>
-              <a:ext uri="{FF2B5EF4-FFF2-40B4-BE49-F238E27FC236}">
-                <a16:creationId xmlns:a16="http://schemas.microsoft.com/office/drawing/2014/main" id="{F7419858-F4F9-AADA-A816-37C35021524D}"/>
-              </a:ext>
-            </a:extLst>
-          </p:cNvPr>
-          <p:cNvPicPr>
-            <a:picLocks noChangeAspect="1"/>
-          </p:cNvPicPr>
-          <p:nvPr/>
-        </p:nvPicPr>
-        <p:blipFill rotWithShape="1">
-          <a:blip r:embed="rId2"/>
-          <a:srcRect r="1033" b="6556"/>
-          <a:stretch/>
-        </p:blipFill>
-        <p:spPr>
-          <a:xfrm>
-            <a:off x="610899" y="2633828"/>
-            <a:ext cx="4618818" cy="1303617"/>
-          </a:xfrm>
-          <a:prstGeom prst="rect">
-            <a:avLst/>
-          </a:prstGeom>
-        </p:spPr>
-      </p:pic>
-      <mc:AlternateContent xmlns:mc="http://schemas.openxmlformats.org/markup-compatibility/2006" xmlns:a14="http://schemas.microsoft.com/office/drawing/2010/main">
-        <mc:Choice Requires="a14">
-          <p:sp>
-            <p:nvSpPr>
-              <p:cNvPr id="3" name="TextBox 2">
-                <a:extLst>
-                  <a:ext uri="{FF2B5EF4-FFF2-40B4-BE49-F238E27FC236}">
-                    <a16:creationId xmlns:a16="http://schemas.microsoft.com/office/drawing/2014/main" id="{11E12EC9-E8CE-8B3B-465C-128CF9C2E1E7}"/>
-                  </a:ext>
-                </a:extLst>
-              </p:cNvPr>
-              <p:cNvSpPr txBox="1"/>
-              <p:nvPr/>
-            </p:nvSpPr>
-            <p:spPr>
-              <a:xfrm>
-                <a:off x="2022594" y="2208393"/>
-                <a:ext cx="1795428" cy="377796"/>
-              </a:xfrm>
-              <a:prstGeom prst="rect">
-                <a:avLst/>
-              </a:prstGeom>
-              <a:noFill/>
-            </p:spPr>
-            <p:txBody>
-              <a:bodyPr wrap="none" lIns="0" tIns="0" rIns="0" bIns="0" rtlCol="0">
-                <a:spAutoFit/>
-              </a:bodyPr>
-              <a:lstStyle/>
-              <a:p>
-                <a:pPr/>
-                <a14:m>
-                  <m:oMathPara xmlns:m="http://schemas.openxmlformats.org/officeDocument/2006/math">
-                    <m:oMathParaPr>
-                      <m:jc m:val="centerGroup"/>
-                    </m:oMathParaPr>
-                    <m:oMath xmlns:m="http://schemas.openxmlformats.org/officeDocument/2006/math">
-                      <m:r>
-                        <a:rPr lang="en-US" altLang="zh-CN" b="0" i="1" smtClean="0">
-                          <a:latin typeface="Cambria Math" panose="02040503050406030204" pitchFamily="18" charset="0"/>
-                        </a:rPr>
-                        <m:t>𝐴</m:t>
-                      </m:r>
-                      <m:r>
-                        <a:rPr lang="en-US" altLang="zh-CN" b="0" i="1" smtClean="0">
-                          <a:latin typeface="Cambria Math" panose="02040503050406030204" pitchFamily="18" charset="0"/>
-                        </a:rPr>
-                        <m:t>+</m:t>
-                      </m:r>
-                      <m:r>
-                        <a:rPr lang="en-US" altLang="zh-CN" b="0" i="1" smtClean="0">
-                          <a:latin typeface="Cambria Math" panose="02040503050406030204" pitchFamily="18" charset="0"/>
-                        </a:rPr>
-                        <m:t>𝑋</m:t>
-                      </m:r>
-                      <m:r>
-                        <a:rPr lang="zh-CN" altLang="en-US" b="0" i="1" smtClean="0">
-                          <a:latin typeface="Cambria Math" panose="02040503050406030204" pitchFamily="18" charset="0"/>
-                        </a:rPr>
-                        <m:t> </m:t>
-                      </m:r>
-                      <m:groupChr>
-                        <m:groupChrPr>
-                          <m:chr m:val="⇔"/>
-                          <m:vertJc m:val="bot"/>
-                          <m:ctrlPr>
-                            <a:rPr lang="zh-CN" altLang="en-US" b="0" i="1" smtClean="0">
-                              <a:latin typeface="Cambria Math" panose="02040503050406030204" pitchFamily="18" charset="0"/>
-                            </a:rPr>
-                          </m:ctrlPr>
-                        </m:groupChrPr>
-                        <m:e>
-                          <m:sSub>
-                            <m:sSubPr>
-                              <m:ctrlPr>
-                                <a:rPr lang="en-US" altLang="zh-CN" b="0" i="1" smtClean="0">
-                                  <a:latin typeface="Cambria Math" panose="02040503050406030204" pitchFamily="18" charset="0"/>
-                                </a:rPr>
-                              </m:ctrlPr>
-                            </m:sSubPr>
-                            <m:e>
-                              <m:r>
-                                <m:rPr>
-                                  <m:brk m:alnAt="2"/>
-                                </m:rPr>
-                                <a:rPr lang="en-US" altLang="zh-CN" b="0" i="1" smtClean="0">
-                                  <a:latin typeface="Cambria Math" panose="02040503050406030204" pitchFamily="18" charset="0"/>
-                                </a:rPr>
-                                <m:t>𝑘</m:t>
-                              </m:r>
-                            </m:e>
-                            <m:sub>
-                              <m:r>
-                                <m:rPr>
-                                  <m:brk m:alnAt="2"/>
-                                </m:rPr>
-                                <a:rPr lang="en-US" altLang="zh-CN" b="0" i="1" smtClean="0">
-                                  <a:latin typeface="Cambria Math" panose="02040503050406030204" pitchFamily="18" charset="0"/>
-                                </a:rPr>
-                                <m:t>+</m:t>
-                              </m:r>
-                            </m:sub>
-                          </m:sSub>
-                          <m:r>
-                            <m:rPr>
-                              <m:brk m:alnAt="2"/>
-                            </m:rPr>
-                            <a:rPr lang="en-US" altLang="zh-CN" b="0" i="1" smtClean="0">
-                              <a:latin typeface="Cambria Math" panose="02040503050406030204" pitchFamily="18" charset="0"/>
-                            </a:rPr>
-                            <m:t>,</m:t>
-                          </m:r>
-                          <m:r>
-                            <a:rPr lang="zh-CN" altLang="en-US" b="0" i="1" smtClean="0">
-                              <a:latin typeface="Cambria Math" panose="02040503050406030204" pitchFamily="18" charset="0"/>
-                            </a:rPr>
-                            <m:t> </m:t>
-                          </m:r>
-                          <m:sSub>
-                            <m:sSubPr>
-                              <m:ctrlPr>
-                                <a:rPr lang="en-US" altLang="zh-CN" b="0" i="1" smtClean="0">
-                                  <a:latin typeface="Cambria Math" panose="02040503050406030204" pitchFamily="18" charset="0"/>
-                                </a:rPr>
-                              </m:ctrlPr>
-                            </m:sSubPr>
-                            <m:e>
-                              <m:r>
-                                <a:rPr lang="en-US" altLang="zh-CN" b="0" i="1" smtClean="0">
-                                  <a:latin typeface="Cambria Math" panose="02040503050406030204" pitchFamily="18" charset="0"/>
-                                </a:rPr>
-                                <m:t>𝑘</m:t>
-                              </m:r>
-                            </m:e>
-                            <m:sub>
-                              <m:r>
-                                <a:rPr lang="en-US" altLang="zh-CN" b="0" i="1" smtClean="0">
-                                  <a:latin typeface="Cambria Math" panose="02040503050406030204" pitchFamily="18" charset="0"/>
-                                </a:rPr>
-                                <m:t>−</m:t>
-                              </m:r>
-                            </m:sub>
-                          </m:sSub>
-                        </m:e>
-                      </m:groupChr>
-                      <m:r>
-                        <a:rPr lang="en-US" altLang="zh-CN" b="0" i="1" smtClean="0">
-                          <a:latin typeface="Cambria Math" panose="02040503050406030204" pitchFamily="18" charset="0"/>
-                        </a:rPr>
-                        <m:t>𝐵</m:t>
-                      </m:r>
-                      <m:r>
-                        <a:rPr lang="en-US" altLang="zh-CN" b="0" i="1" smtClean="0">
-                          <a:latin typeface="Cambria Math" panose="02040503050406030204" pitchFamily="18" charset="0"/>
-                        </a:rPr>
-                        <m:t>+</m:t>
-                      </m:r>
-                      <m:r>
-                        <a:rPr lang="en-US" altLang="zh-CN" b="0" i="1" smtClean="0">
-                          <a:latin typeface="Cambria Math" panose="02040503050406030204" pitchFamily="18" charset="0"/>
-                        </a:rPr>
-                        <m:t>𝑌</m:t>
-                      </m:r>
-                    </m:oMath>
-                  </m:oMathPara>
-                </a14:m>
-                <a:endParaRPr lang="en-US" dirty="0"/>
-              </a:p>
-            </p:txBody>
-          </p:sp>
-        </mc:Choice>
-        <mc:Fallback xmlns="">
-          <p:sp>
-            <p:nvSpPr>
-              <p:cNvPr id="3" name="TextBox 2">
-                <a:extLst>
-                  <a:ext uri="{FF2B5EF4-FFF2-40B4-BE49-F238E27FC236}">
-                    <a16:creationId xmlns:a16="http://schemas.microsoft.com/office/drawing/2014/main" id="{11E12EC9-E8CE-8B3B-465C-128CF9C2E1E7}"/>
-                  </a:ext>
-                </a:extLst>
-              </p:cNvPr>
-              <p:cNvSpPr txBox="1">
-                <a:spLocks noRot="1" noChangeAspect="1" noMove="1" noResize="1" noEditPoints="1" noAdjustHandles="1" noChangeArrowheads="1" noChangeShapeType="1" noTextEdit="1"/>
-              </p:cNvSpPr>
-              <p:nvPr/>
-            </p:nvSpPr>
-            <p:spPr>
-              <a:xfrm>
-                <a:off x="2022594" y="2208393"/>
-                <a:ext cx="1795428" cy="377796"/>
-              </a:xfrm>
-              <a:prstGeom prst="rect">
-                <a:avLst/>
-              </a:prstGeom>
-              <a:blipFill>
-                <a:blip r:embed="rId3"/>
-                <a:stretch>
-                  <a:fillRect l="-2817" r="-2113" b="-29032"/>
-                </a:stretch>
-              </a:blipFill>
-            </p:spPr>
-            <p:txBody>
-              <a:bodyPr/>
-              <a:lstStyle/>
-              <a:p>
-                <a:r>
-                  <a:rPr lang="en-US">
-                    <a:noFill/>
-                  </a:rPr>
-                  <a:t> </a:t>
-                </a:r>
-              </a:p>
-            </p:txBody>
-          </p:sp>
-        </mc:Fallback>
-      </mc:AlternateContent>
-      <mc:AlternateContent xmlns:mc="http://schemas.openxmlformats.org/markup-compatibility/2006" xmlns:a14="http://schemas.microsoft.com/office/drawing/2010/main">
-        <mc:Choice Requires="a14">
-          <p:sp>
-            <p:nvSpPr>
-              <p:cNvPr id="4" name="TextBox 3">
-                <a:extLst>
-                  <a:ext uri="{FF2B5EF4-FFF2-40B4-BE49-F238E27FC236}">
-                    <a16:creationId xmlns:a16="http://schemas.microsoft.com/office/drawing/2014/main" id="{F33B3E85-8CFA-F502-CF59-C0E3E6899FB3}"/>
-                  </a:ext>
-                </a:extLst>
-              </p:cNvPr>
-              <p:cNvSpPr txBox="1"/>
-              <p:nvPr/>
-            </p:nvSpPr>
-            <p:spPr>
-              <a:xfrm>
-                <a:off x="5701661" y="2586189"/>
-                <a:ext cx="5920403" cy="1096519"/>
-              </a:xfrm>
-              <a:prstGeom prst="rect">
-                <a:avLst/>
-              </a:prstGeom>
-              <a:noFill/>
-            </p:spPr>
-            <p:txBody>
-              <a:bodyPr wrap="none" lIns="0" tIns="0" rIns="0" bIns="0" rtlCol="0">
-                <a:spAutoFit/>
-              </a:bodyPr>
-              <a:lstStyle/>
-              <a:p>
-                <a:pPr/>
-                <a14:m>
-                  <m:oMathPara xmlns:m="http://schemas.openxmlformats.org/officeDocument/2006/math">
-                    <m:oMathParaPr>
-                      <m:jc m:val="centerGroup"/>
-                    </m:oMathParaPr>
-                    <m:oMath xmlns:m="http://schemas.openxmlformats.org/officeDocument/2006/math">
-                      <m:r>
-                        <a:rPr lang="en-US" altLang="zh-CN" b="0" i="1" smtClean="0">
-                          <a:latin typeface="Cambria Math" panose="02040503050406030204" pitchFamily="18" charset="0"/>
-                        </a:rPr>
-                        <m:t>𝑓𝑙𝑢𝑥</m:t>
-                      </m:r>
-                      <m:r>
-                        <a:rPr lang="en-US" altLang="zh-CN" b="0" i="1" smtClean="0">
-                          <a:latin typeface="Cambria Math" panose="02040503050406030204" pitchFamily="18" charset="0"/>
-                        </a:rPr>
-                        <m:t>=</m:t>
-                      </m:r>
-                      <m:f>
-                        <m:fPr>
-                          <m:ctrlPr>
-                            <a:rPr lang="en-US" altLang="zh-CN" b="0" i="1" smtClean="0">
-                              <a:latin typeface="Cambria Math" panose="02040503050406030204" pitchFamily="18" charset="0"/>
-                            </a:rPr>
-                          </m:ctrlPr>
-                        </m:fPr>
-                        <m:num>
-                          <m:sSub>
-                            <m:sSubPr>
-                              <m:ctrlPr>
-                                <a:rPr lang="en-US" altLang="zh-CN" b="0" i="1" smtClean="0">
-                                  <a:latin typeface="Cambria Math" panose="02040503050406030204" pitchFamily="18" charset="0"/>
-                                </a:rPr>
-                              </m:ctrlPr>
-                            </m:sSubPr>
-                            <m:e>
-                              <m:r>
-                                <a:rPr lang="en-US" altLang="zh-CN" b="0" i="1" smtClean="0">
-                                  <a:latin typeface="Cambria Math" panose="02040503050406030204" pitchFamily="18" charset="0"/>
-                                </a:rPr>
-                                <m:t>𝑘</m:t>
-                              </m:r>
-                            </m:e>
-                            <m:sub>
-                              <m:r>
-                                <a:rPr lang="en-US" altLang="zh-CN" b="0" i="1" smtClean="0">
-                                  <a:latin typeface="Cambria Math" panose="02040503050406030204" pitchFamily="18" charset="0"/>
-                                </a:rPr>
-                                <m:t>+</m:t>
-                              </m:r>
-                            </m:sub>
-                          </m:sSub>
-                          <m:d>
-                            <m:dPr>
-                              <m:begChr m:val="["/>
-                              <m:endChr m:val="]"/>
-                              <m:ctrlPr>
-                                <a:rPr lang="en-US" altLang="zh-CN" b="0" i="1" smtClean="0">
-                                  <a:latin typeface="Cambria Math" panose="02040503050406030204" pitchFamily="18" charset="0"/>
-                                </a:rPr>
-                              </m:ctrlPr>
-                            </m:dPr>
-                            <m:e>
-                              <m:r>
-                                <a:rPr lang="en-US" altLang="zh-CN" b="0" i="1" smtClean="0">
-                                  <a:latin typeface="Cambria Math" panose="02040503050406030204" pitchFamily="18" charset="0"/>
-                                </a:rPr>
-                                <m:t>𝐸</m:t>
-                              </m:r>
-                            </m:e>
-                          </m:d>
-                          <m:f>
-                            <m:fPr>
-                              <m:ctrlPr>
-                                <a:rPr lang="en-US" altLang="zh-CN" i="1">
-                                  <a:latin typeface="Cambria Math" panose="02040503050406030204" pitchFamily="18" charset="0"/>
-                                </a:rPr>
-                              </m:ctrlPr>
-                            </m:fPr>
-                            <m:num>
-                              <m:d>
-                                <m:dPr>
-                                  <m:begChr m:val="["/>
-                                  <m:endChr m:val="]"/>
-                                  <m:ctrlPr>
-                                    <a:rPr lang="en-US" altLang="zh-CN" i="1">
-                                      <a:latin typeface="Cambria Math" panose="02040503050406030204" pitchFamily="18" charset="0"/>
-                                    </a:rPr>
-                                  </m:ctrlPr>
-                                </m:dPr>
-                                <m:e>
-                                  <m:r>
-                                    <a:rPr lang="en-US" altLang="zh-CN" i="1">
-                                      <a:latin typeface="Cambria Math" panose="02040503050406030204" pitchFamily="18" charset="0"/>
-                                    </a:rPr>
-                                    <m:t>𝐴</m:t>
-                                  </m:r>
-                                </m:e>
-                              </m:d>
-                            </m:num>
-                            <m:den>
-                              <m:sSub>
-                                <m:sSubPr>
-                                  <m:ctrlPr>
-                                    <a:rPr lang="en-US" altLang="zh-CN" i="1">
-                                      <a:latin typeface="Cambria Math" panose="02040503050406030204" pitchFamily="18" charset="0"/>
-                                    </a:rPr>
-                                  </m:ctrlPr>
-                                </m:sSubPr>
-                                <m:e>
-                                  <m:r>
-                                    <a:rPr lang="en-US" altLang="zh-CN" i="1">
-                                      <a:latin typeface="Cambria Math" panose="02040503050406030204" pitchFamily="18" charset="0"/>
-                                    </a:rPr>
-                                    <m:t>𝐾</m:t>
-                                  </m:r>
-                                </m:e>
-                                <m:sub>
-                                  <m:r>
-                                    <a:rPr lang="en-US" altLang="zh-CN" i="1">
-                                      <a:latin typeface="Cambria Math" panose="02040503050406030204" pitchFamily="18" charset="0"/>
-                                    </a:rPr>
-                                    <m:t>𝑀</m:t>
-                                  </m:r>
-                                  <m:r>
-                                    <a:rPr lang="en-US" altLang="zh-CN" i="1">
-                                      <a:latin typeface="Cambria Math" panose="02040503050406030204" pitchFamily="18" charset="0"/>
-                                    </a:rPr>
-                                    <m:t>,</m:t>
-                                  </m:r>
-                                  <m:r>
-                                    <a:rPr lang="en-US" altLang="zh-CN" i="1">
-                                      <a:latin typeface="Cambria Math" panose="02040503050406030204" pitchFamily="18" charset="0"/>
-                                    </a:rPr>
-                                    <m:t>𝐴</m:t>
-                                  </m:r>
-                                </m:sub>
-                              </m:sSub>
-                            </m:den>
-                          </m:f>
-                          <m:f>
-                            <m:fPr>
-                              <m:ctrlPr>
-                                <a:rPr lang="en-US" altLang="zh-CN" i="1">
-                                  <a:latin typeface="Cambria Math" panose="02040503050406030204" pitchFamily="18" charset="0"/>
-                                </a:rPr>
-                              </m:ctrlPr>
-                            </m:fPr>
-                            <m:num>
-                              <m:d>
-                                <m:dPr>
-                                  <m:begChr m:val="["/>
-                                  <m:endChr m:val="]"/>
-                                  <m:ctrlPr>
-                                    <a:rPr lang="en-US" altLang="zh-CN" i="1">
-                                      <a:latin typeface="Cambria Math" panose="02040503050406030204" pitchFamily="18" charset="0"/>
-                                    </a:rPr>
-                                  </m:ctrlPr>
-                                </m:dPr>
-                                <m:e>
-                                  <m:r>
-                                    <a:rPr lang="en-US" altLang="zh-CN" i="1">
-                                      <a:latin typeface="Cambria Math" panose="02040503050406030204" pitchFamily="18" charset="0"/>
-                                    </a:rPr>
-                                    <m:t>𝑋</m:t>
-                                  </m:r>
-                                </m:e>
-                              </m:d>
-                            </m:num>
-                            <m:den>
-                              <m:sSub>
-                                <m:sSubPr>
-                                  <m:ctrlPr>
-                                    <a:rPr lang="en-US" altLang="zh-CN" i="1">
-                                      <a:latin typeface="Cambria Math" panose="02040503050406030204" pitchFamily="18" charset="0"/>
-                                    </a:rPr>
-                                  </m:ctrlPr>
-                                </m:sSubPr>
-                                <m:e>
-                                  <m:r>
-                                    <a:rPr lang="en-US" altLang="zh-CN" i="1">
-                                      <a:latin typeface="Cambria Math" panose="02040503050406030204" pitchFamily="18" charset="0"/>
-                                    </a:rPr>
-                                    <m:t>𝐾</m:t>
-                                  </m:r>
-                                </m:e>
-                                <m:sub>
-                                  <m:r>
-                                    <a:rPr lang="en-US" altLang="zh-CN" i="1">
-                                      <a:latin typeface="Cambria Math" panose="02040503050406030204" pitchFamily="18" charset="0"/>
-                                    </a:rPr>
-                                    <m:t>𝑀</m:t>
-                                  </m:r>
-                                  <m:r>
-                                    <a:rPr lang="en-US" altLang="zh-CN" i="1">
-                                      <a:latin typeface="Cambria Math" panose="02040503050406030204" pitchFamily="18" charset="0"/>
-                                    </a:rPr>
-                                    <m:t>,</m:t>
-                                  </m:r>
-                                  <m:r>
-                                    <a:rPr lang="en-US" altLang="zh-CN" i="1">
-                                      <a:latin typeface="Cambria Math" panose="02040503050406030204" pitchFamily="18" charset="0"/>
-                                    </a:rPr>
-                                    <m:t>𝑋</m:t>
-                                  </m:r>
-                                </m:sub>
-                              </m:sSub>
-                            </m:den>
-                          </m:f>
-                          <m:r>
-                            <a:rPr lang="en-US" altLang="zh-CN" b="0" i="1" smtClean="0">
-                              <a:latin typeface="Cambria Math" panose="02040503050406030204" pitchFamily="18" charset="0"/>
-                            </a:rPr>
-                            <m:t>−</m:t>
-                          </m:r>
-                          <m:sSub>
-                            <m:sSubPr>
-                              <m:ctrlPr>
-                                <a:rPr lang="en-US" altLang="zh-CN" i="1">
-                                  <a:latin typeface="Cambria Math" panose="02040503050406030204" pitchFamily="18" charset="0"/>
-                                </a:rPr>
-                              </m:ctrlPr>
-                            </m:sSubPr>
-                            <m:e>
-                              <m:r>
-                                <a:rPr lang="en-US" altLang="zh-CN" i="1">
-                                  <a:latin typeface="Cambria Math" panose="02040503050406030204" pitchFamily="18" charset="0"/>
-                                </a:rPr>
-                                <m:t>𝑘</m:t>
-                              </m:r>
-                            </m:e>
-                            <m:sub>
-                              <m:r>
-                                <a:rPr lang="en-US" altLang="zh-CN" b="0" i="1" smtClean="0">
-                                  <a:latin typeface="Cambria Math" panose="02040503050406030204" pitchFamily="18" charset="0"/>
-                                </a:rPr>
-                                <m:t>−</m:t>
-                              </m:r>
-                            </m:sub>
-                          </m:sSub>
-                          <m:r>
-                            <a:rPr lang="en-US" altLang="zh-CN" i="1">
-                              <a:latin typeface="Cambria Math" panose="02040503050406030204" pitchFamily="18" charset="0"/>
-                            </a:rPr>
-                            <m:t>[</m:t>
-                          </m:r>
-                          <m:r>
-                            <a:rPr lang="en-US" altLang="zh-CN" i="1">
-                              <a:latin typeface="Cambria Math" panose="02040503050406030204" pitchFamily="18" charset="0"/>
-                            </a:rPr>
-                            <m:t>𝐸</m:t>
-                          </m:r>
-                          <m:r>
-                            <a:rPr lang="en-US" altLang="zh-CN" i="1">
-                              <a:latin typeface="Cambria Math" panose="02040503050406030204" pitchFamily="18" charset="0"/>
-                            </a:rPr>
-                            <m:t>]</m:t>
-                          </m:r>
-                          <m:f>
-                            <m:fPr>
-                              <m:ctrlPr>
-                                <a:rPr lang="en-US" altLang="zh-CN" i="1">
-                                  <a:latin typeface="Cambria Math" panose="02040503050406030204" pitchFamily="18" charset="0"/>
-                                </a:rPr>
-                              </m:ctrlPr>
-                            </m:fPr>
-                            <m:num>
-                              <m:d>
-                                <m:dPr>
-                                  <m:begChr m:val="["/>
-                                  <m:endChr m:val="]"/>
-                                  <m:ctrlPr>
-                                    <a:rPr lang="en-US" altLang="zh-CN" i="1">
-                                      <a:latin typeface="Cambria Math" panose="02040503050406030204" pitchFamily="18" charset="0"/>
-                                    </a:rPr>
-                                  </m:ctrlPr>
-                                </m:dPr>
-                                <m:e>
-                                  <m:r>
-                                    <a:rPr lang="en-US" altLang="zh-CN" b="0" i="1" smtClean="0">
-                                      <a:latin typeface="Cambria Math" panose="02040503050406030204" pitchFamily="18" charset="0"/>
-                                    </a:rPr>
-                                    <m:t>𝐵</m:t>
-                                  </m:r>
-                                </m:e>
-                              </m:d>
-                            </m:num>
-                            <m:den>
-                              <m:sSub>
-                                <m:sSubPr>
-                                  <m:ctrlPr>
-                                    <a:rPr lang="en-US" altLang="zh-CN" i="1">
-                                      <a:latin typeface="Cambria Math" panose="02040503050406030204" pitchFamily="18" charset="0"/>
-                                    </a:rPr>
-                                  </m:ctrlPr>
-                                </m:sSubPr>
-                                <m:e>
-                                  <m:r>
-                                    <a:rPr lang="en-US" altLang="zh-CN" i="1">
-                                      <a:latin typeface="Cambria Math" panose="02040503050406030204" pitchFamily="18" charset="0"/>
-                                    </a:rPr>
-                                    <m:t>𝐾</m:t>
-                                  </m:r>
-                                </m:e>
-                                <m:sub>
-                                  <m:r>
-                                    <a:rPr lang="en-US" altLang="zh-CN" i="1">
-                                      <a:latin typeface="Cambria Math" panose="02040503050406030204" pitchFamily="18" charset="0"/>
-                                    </a:rPr>
-                                    <m:t>𝑀</m:t>
-                                  </m:r>
-                                  <m:r>
-                                    <a:rPr lang="en-US" altLang="zh-CN" i="1">
-                                      <a:latin typeface="Cambria Math" panose="02040503050406030204" pitchFamily="18" charset="0"/>
-                                    </a:rPr>
-                                    <m:t>,</m:t>
-                                  </m:r>
-                                  <m:r>
-                                    <a:rPr lang="en-US" altLang="zh-CN" b="0" i="1" smtClean="0">
-                                      <a:latin typeface="Cambria Math" panose="02040503050406030204" pitchFamily="18" charset="0"/>
-                                    </a:rPr>
-                                    <m:t>𝐵</m:t>
-                                  </m:r>
-                                </m:sub>
-                              </m:sSub>
-                            </m:den>
-                          </m:f>
-                          <m:f>
-                            <m:fPr>
-                              <m:ctrlPr>
-                                <a:rPr lang="en-US" altLang="zh-CN" i="1">
-                                  <a:latin typeface="Cambria Math" panose="02040503050406030204" pitchFamily="18" charset="0"/>
-                                </a:rPr>
-                              </m:ctrlPr>
-                            </m:fPr>
-                            <m:num>
-                              <m:d>
-                                <m:dPr>
-                                  <m:begChr m:val="["/>
-                                  <m:endChr m:val="]"/>
-                                  <m:ctrlPr>
-                                    <a:rPr lang="en-US" altLang="zh-CN" i="1">
-                                      <a:latin typeface="Cambria Math" panose="02040503050406030204" pitchFamily="18" charset="0"/>
-                                    </a:rPr>
-                                  </m:ctrlPr>
-                                </m:dPr>
-                                <m:e>
-                                  <m:r>
-                                    <a:rPr lang="en-US" altLang="zh-CN" b="0" i="1" smtClean="0">
-                                      <a:latin typeface="Cambria Math" panose="02040503050406030204" pitchFamily="18" charset="0"/>
-                                    </a:rPr>
-                                    <m:t>𝑌</m:t>
-                                  </m:r>
-                                </m:e>
-                              </m:d>
-                            </m:num>
-                            <m:den>
-                              <m:sSub>
-                                <m:sSubPr>
-                                  <m:ctrlPr>
-                                    <a:rPr lang="en-US" altLang="zh-CN" i="1">
-                                      <a:latin typeface="Cambria Math" panose="02040503050406030204" pitchFamily="18" charset="0"/>
-                                    </a:rPr>
-                                  </m:ctrlPr>
-                                </m:sSubPr>
-                                <m:e>
-                                  <m:r>
-                                    <a:rPr lang="en-US" altLang="zh-CN" i="1">
-                                      <a:latin typeface="Cambria Math" panose="02040503050406030204" pitchFamily="18" charset="0"/>
-                                    </a:rPr>
-                                    <m:t>𝐾</m:t>
-                                  </m:r>
-                                </m:e>
-                                <m:sub>
-                                  <m:r>
-                                    <a:rPr lang="en-US" altLang="zh-CN" i="1">
-                                      <a:latin typeface="Cambria Math" panose="02040503050406030204" pitchFamily="18" charset="0"/>
-                                    </a:rPr>
-                                    <m:t>𝑀</m:t>
-                                  </m:r>
-                                  <m:r>
-                                    <a:rPr lang="en-US" altLang="zh-CN" i="1">
-                                      <a:latin typeface="Cambria Math" panose="02040503050406030204" pitchFamily="18" charset="0"/>
-                                    </a:rPr>
-                                    <m:t>,</m:t>
-                                  </m:r>
-                                  <m:r>
-                                    <a:rPr lang="en-US" altLang="zh-CN" b="0" i="1" smtClean="0">
-                                      <a:latin typeface="Cambria Math" panose="02040503050406030204" pitchFamily="18" charset="0"/>
-                                    </a:rPr>
-                                    <m:t>𝑌</m:t>
-                                  </m:r>
-                                </m:sub>
-                              </m:sSub>
-                            </m:den>
-                          </m:f>
-                        </m:num>
-                        <m:den>
-                          <m:d>
-                            <m:dPr>
-                              <m:ctrlPr>
-                                <a:rPr lang="en-US" altLang="zh-CN" i="1">
-                                  <a:latin typeface="Cambria Math" panose="02040503050406030204" pitchFamily="18" charset="0"/>
-                                </a:rPr>
-                              </m:ctrlPr>
-                            </m:dPr>
-                            <m:e>
-                              <m:r>
-                                <a:rPr lang="en-US" altLang="zh-CN" i="1">
-                                  <a:latin typeface="Cambria Math" panose="02040503050406030204" pitchFamily="18" charset="0"/>
-                                </a:rPr>
-                                <m:t>1+</m:t>
-                              </m:r>
-                              <m:f>
-                                <m:fPr>
-                                  <m:ctrlPr>
-                                    <a:rPr lang="en-US" altLang="zh-CN" i="1">
-                                      <a:latin typeface="Cambria Math" panose="02040503050406030204" pitchFamily="18" charset="0"/>
-                                    </a:rPr>
-                                  </m:ctrlPr>
-                                </m:fPr>
-                                <m:num>
-                                  <m:d>
-                                    <m:dPr>
-                                      <m:begChr m:val="["/>
-                                      <m:endChr m:val="]"/>
-                                      <m:ctrlPr>
-                                        <a:rPr lang="en-US" altLang="zh-CN" i="1">
-                                          <a:latin typeface="Cambria Math" panose="02040503050406030204" pitchFamily="18" charset="0"/>
-                                        </a:rPr>
-                                      </m:ctrlPr>
-                                    </m:dPr>
-                                    <m:e>
-                                      <m:r>
-                                        <a:rPr lang="en-US" altLang="zh-CN" i="1">
-                                          <a:latin typeface="Cambria Math" panose="02040503050406030204" pitchFamily="18" charset="0"/>
-                                        </a:rPr>
-                                        <m:t>𝐴</m:t>
-                                      </m:r>
-                                    </m:e>
-                                  </m:d>
-                                </m:num>
-                                <m:den>
-                                  <m:sSub>
-                                    <m:sSubPr>
-                                      <m:ctrlPr>
-                                        <a:rPr lang="en-US" altLang="zh-CN" i="1">
-                                          <a:latin typeface="Cambria Math" panose="02040503050406030204" pitchFamily="18" charset="0"/>
-                                        </a:rPr>
-                                      </m:ctrlPr>
-                                    </m:sSubPr>
-                                    <m:e>
-                                      <m:r>
-                                        <a:rPr lang="en-US" altLang="zh-CN" i="1">
-                                          <a:latin typeface="Cambria Math" panose="02040503050406030204" pitchFamily="18" charset="0"/>
-                                        </a:rPr>
-                                        <m:t>𝐾</m:t>
-                                      </m:r>
-                                    </m:e>
-                                    <m:sub>
-                                      <m:r>
-                                        <a:rPr lang="en-US" altLang="zh-CN" i="1">
-                                          <a:latin typeface="Cambria Math" panose="02040503050406030204" pitchFamily="18" charset="0"/>
-                                        </a:rPr>
-                                        <m:t>𝑀</m:t>
-                                      </m:r>
-                                      <m:r>
-                                        <a:rPr lang="en-US" altLang="zh-CN" i="1">
-                                          <a:latin typeface="Cambria Math" panose="02040503050406030204" pitchFamily="18" charset="0"/>
-                                        </a:rPr>
-                                        <m:t>,</m:t>
-                                      </m:r>
-                                      <m:r>
-                                        <a:rPr lang="en-US" altLang="zh-CN" i="1">
-                                          <a:latin typeface="Cambria Math" panose="02040503050406030204" pitchFamily="18" charset="0"/>
-                                        </a:rPr>
-                                        <m:t>𝐴</m:t>
-                                      </m:r>
-                                    </m:sub>
-                                  </m:sSub>
-                                </m:den>
-                              </m:f>
-                            </m:e>
-                          </m:d>
-                          <m:d>
-                            <m:dPr>
-                              <m:ctrlPr>
-                                <a:rPr lang="en-US" altLang="zh-CN" b="0" i="1" smtClean="0">
-                                  <a:latin typeface="Cambria Math" panose="02040503050406030204" pitchFamily="18" charset="0"/>
-                                </a:rPr>
-                              </m:ctrlPr>
-                            </m:dPr>
-                            <m:e>
-                              <m:r>
-                                <a:rPr lang="en-US" altLang="zh-CN" i="1">
-                                  <a:latin typeface="Cambria Math" panose="02040503050406030204" pitchFamily="18" charset="0"/>
-                                </a:rPr>
-                                <m:t>1+</m:t>
-                              </m:r>
-                              <m:f>
-                                <m:fPr>
-                                  <m:ctrlPr>
-                                    <a:rPr lang="en-US" altLang="zh-CN" i="1">
-                                      <a:latin typeface="Cambria Math" panose="02040503050406030204" pitchFamily="18" charset="0"/>
-                                    </a:rPr>
-                                  </m:ctrlPr>
-                                </m:fPr>
-                                <m:num>
-                                  <m:d>
-                                    <m:dPr>
-                                      <m:begChr m:val="["/>
-                                      <m:endChr m:val="]"/>
-                                      <m:ctrlPr>
-                                        <a:rPr lang="en-US" altLang="zh-CN" b="0" i="1" smtClean="0">
-                                          <a:latin typeface="Cambria Math" panose="02040503050406030204" pitchFamily="18" charset="0"/>
-                                        </a:rPr>
-                                      </m:ctrlPr>
-                                    </m:dPr>
-                                    <m:e>
-                                      <m:r>
-                                        <a:rPr lang="en-US" altLang="zh-CN" b="0" i="1" smtClean="0">
-                                          <a:latin typeface="Cambria Math" panose="02040503050406030204" pitchFamily="18" charset="0"/>
-                                        </a:rPr>
-                                        <m:t>𝑋</m:t>
-                                      </m:r>
-                                    </m:e>
-                                  </m:d>
-                                </m:num>
-                                <m:den>
-                                  <m:sSub>
-                                    <m:sSubPr>
-                                      <m:ctrlPr>
-                                        <a:rPr lang="en-US" altLang="zh-CN" i="1">
-                                          <a:latin typeface="Cambria Math" panose="02040503050406030204" pitchFamily="18" charset="0"/>
-                                        </a:rPr>
-                                      </m:ctrlPr>
-                                    </m:sSubPr>
-                                    <m:e>
-                                      <m:r>
-                                        <a:rPr lang="en-US" altLang="zh-CN" i="1">
-                                          <a:latin typeface="Cambria Math" panose="02040503050406030204" pitchFamily="18" charset="0"/>
-                                        </a:rPr>
-                                        <m:t>𝐾</m:t>
-                                      </m:r>
-                                    </m:e>
-                                    <m:sub>
-                                      <m:r>
-                                        <a:rPr lang="en-US" altLang="zh-CN" i="1">
-                                          <a:latin typeface="Cambria Math" panose="02040503050406030204" pitchFamily="18" charset="0"/>
-                                        </a:rPr>
-                                        <m:t>𝑀</m:t>
-                                      </m:r>
-                                      <m:r>
-                                        <a:rPr lang="en-US" altLang="zh-CN" i="1">
-                                          <a:latin typeface="Cambria Math" panose="02040503050406030204" pitchFamily="18" charset="0"/>
-                                        </a:rPr>
-                                        <m:t>,</m:t>
-                                      </m:r>
-                                      <m:r>
-                                        <a:rPr lang="en-US" altLang="zh-CN" b="0" i="1" smtClean="0">
-                                          <a:latin typeface="Cambria Math" panose="02040503050406030204" pitchFamily="18" charset="0"/>
-                                        </a:rPr>
-                                        <m:t>𝑋</m:t>
-                                      </m:r>
-                                    </m:sub>
-                                  </m:sSub>
-                                </m:den>
-                              </m:f>
-                            </m:e>
-                          </m:d>
-                          <m:r>
-                            <a:rPr lang="en-US" altLang="zh-CN" i="1">
-                              <a:latin typeface="Cambria Math" panose="02040503050406030204" pitchFamily="18" charset="0"/>
-                            </a:rPr>
-                            <m:t>+</m:t>
-                          </m:r>
-                          <m:d>
-                            <m:dPr>
-                              <m:ctrlPr>
-                                <a:rPr lang="en-US" altLang="zh-CN" b="0" i="1" smtClean="0">
-                                  <a:latin typeface="Cambria Math" panose="02040503050406030204" pitchFamily="18" charset="0"/>
-                                </a:rPr>
-                              </m:ctrlPr>
-                            </m:dPr>
-                            <m:e>
-                              <m:r>
-                                <a:rPr lang="en-US" altLang="zh-CN" i="1">
-                                  <a:latin typeface="Cambria Math" panose="02040503050406030204" pitchFamily="18" charset="0"/>
-                                </a:rPr>
-                                <m:t>1+</m:t>
-                              </m:r>
-                              <m:f>
-                                <m:fPr>
-                                  <m:ctrlPr>
-                                    <a:rPr lang="en-US" altLang="zh-CN" i="1">
-                                      <a:latin typeface="Cambria Math" panose="02040503050406030204" pitchFamily="18" charset="0"/>
-                                    </a:rPr>
-                                  </m:ctrlPr>
-                                </m:fPr>
-                                <m:num>
-                                  <m:d>
-                                    <m:dPr>
-                                      <m:begChr m:val="["/>
-                                      <m:endChr m:val="]"/>
-                                      <m:ctrlPr>
-                                        <a:rPr lang="en-US" altLang="zh-CN" i="1">
-                                          <a:latin typeface="Cambria Math" panose="02040503050406030204" pitchFamily="18" charset="0"/>
-                                        </a:rPr>
-                                      </m:ctrlPr>
-                                    </m:dPr>
-                                    <m:e>
-                                      <m:r>
-                                        <a:rPr lang="en-US" altLang="zh-CN" b="0" i="1" smtClean="0">
-                                          <a:latin typeface="Cambria Math" panose="02040503050406030204" pitchFamily="18" charset="0"/>
-                                        </a:rPr>
-                                        <m:t>𝐵</m:t>
-                                      </m:r>
-                                    </m:e>
-                                  </m:d>
-                                </m:num>
-                                <m:den>
-                                  <m:sSub>
-                                    <m:sSubPr>
-                                      <m:ctrlPr>
-                                        <a:rPr lang="en-US" altLang="zh-CN" i="1">
-                                          <a:latin typeface="Cambria Math" panose="02040503050406030204" pitchFamily="18" charset="0"/>
-                                        </a:rPr>
-                                      </m:ctrlPr>
-                                    </m:sSubPr>
-                                    <m:e>
-                                      <m:r>
-                                        <a:rPr lang="en-US" altLang="zh-CN" i="1">
-                                          <a:latin typeface="Cambria Math" panose="02040503050406030204" pitchFamily="18" charset="0"/>
-                                        </a:rPr>
-                                        <m:t>𝐾</m:t>
-                                      </m:r>
-                                    </m:e>
-                                    <m:sub>
-                                      <m:r>
-                                        <a:rPr lang="en-US" altLang="zh-CN" i="1">
-                                          <a:latin typeface="Cambria Math" panose="02040503050406030204" pitchFamily="18" charset="0"/>
-                                        </a:rPr>
-                                        <m:t>𝑀</m:t>
-                                      </m:r>
-                                      <m:r>
-                                        <a:rPr lang="en-US" altLang="zh-CN" i="1">
-                                          <a:latin typeface="Cambria Math" panose="02040503050406030204" pitchFamily="18" charset="0"/>
-                                        </a:rPr>
-                                        <m:t>,</m:t>
-                                      </m:r>
-                                      <m:r>
-                                        <a:rPr lang="en-US" altLang="zh-CN" b="0" i="1" smtClean="0">
-                                          <a:latin typeface="Cambria Math" panose="02040503050406030204" pitchFamily="18" charset="0"/>
-                                        </a:rPr>
-                                        <m:t>𝐵</m:t>
-                                      </m:r>
-                                    </m:sub>
-                                  </m:sSub>
-                                </m:den>
-                              </m:f>
-                            </m:e>
-                          </m:d>
-                          <m:d>
-                            <m:dPr>
-                              <m:ctrlPr>
-                                <a:rPr lang="en-US" altLang="zh-CN" i="1">
-                                  <a:latin typeface="Cambria Math" panose="02040503050406030204" pitchFamily="18" charset="0"/>
-                                </a:rPr>
-                              </m:ctrlPr>
-                            </m:dPr>
-                            <m:e>
-                              <m:r>
-                                <a:rPr lang="en-US" altLang="zh-CN" i="1">
-                                  <a:latin typeface="Cambria Math" panose="02040503050406030204" pitchFamily="18" charset="0"/>
-                                </a:rPr>
-                                <m:t>1+</m:t>
-                              </m:r>
-                              <m:f>
-                                <m:fPr>
-                                  <m:ctrlPr>
-                                    <a:rPr lang="en-US" altLang="zh-CN" i="1">
-                                      <a:latin typeface="Cambria Math" panose="02040503050406030204" pitchFamily="18" charset="0"/>
-                                    </a:rPr>
-                                  </m:ctrlPr>
-                                </m:fPr>
-                                <m:num>
-                                  <m:d>
-                                    <m:dPr>
-                                      <m:begChr m:val="["/>
-                                      <m:endChr m:val="]"/>
-                                      <m:ctrlPr>
-                                        <a:rPr lang="en-US" altLang="zh-CN" i="1">
-                                          <a:latin typeface="Cambria Math" panose="02040503050406030204" pitchFamily="18" charset="0"/>
-                                        </a:rPr>
-                                      </m:ctrlPr>
-                                    </m:dPr>
-                                    <m:e>
-                                      <m:r>
-                                        <a:rPr lang="en-US" altLang="zh-CN" b="0" i="1" smtClean="0">
-                                          <a:latin typeface="Cambria Math" panose="02040503050406030204" pitchFamily="18" charset="0"/>
-                                        </a:rPr>
-                                        <m:t>𝑌</m:t>
-                                      </m:r>
-                                    </m:e>
-                                  </m:d>
-                                </m:num>
-                                <m:den>
-                                  <m:sSub>
-                                    <m:sSubPr>
-                                      <m:ctrlPr>
-                                        <a:rPr lang="en-US" altLang="zh-CN" i="1">
-                                          <a:latin typeface="Cambria Math" panose="02040503050406030204" pitchFamily="18" charset="0"/>
-                                        </a:rPr>
-                                      </m:ctrlPr>
-                                    </m:sSubPr>
-                                    <m:e>
-                                      <m:r>
-                                        <a:rPr lang="en-US" altLang="zh-CN" i="1">
-                                          <a:latin typeface="Cambria Math" panose="02040503050406030204" pitchFamily="18" charset="0"/>
-                                        </a:rPr>
-                                        <m:t>𝐾</m:t>
-                                      </m:r>
-                                    </m:e>
-                                    <m:sub>
-                                      <m:r>
-                                        <a:rPr lang="en-US" altLang="zh-CN" i="1">
-                                          <a:latin typeface="Cambria Math" panose="02040503050406030204" pitchFamily="18" charset="0"/>
-                                        </a:rPr>
-                                        <m:t>𝑀</m:t>
-                                      </m:r>
-                                      <m:r>
-                                        <a:rPr lang="en-US" altLang="zh-CN" i="1">
-                                          <a:latin typeface="Cambria Math" panose="02040503050406030204" pitchFamily="18" charset="0"/>
-                                        </a:rPr>
-                                        <m:t>,</m:t>
-                                      </m:r>
-                                      <m:r>
-                                        <a:rPr lang="en-US" altLang="zh-CN" b="0" i="1" smtClean="0">
-                                          <a:latin typeface="Cambria Math" panose="02040503050406030204" pitchFamily="18" charset="0"/>
-                                        </a:rPr>
-                                        <m:t>𝑌</m:t>
-                                      </m:r>
-                                    </m:sub>
-                                  </m:sSub>
-                                </m:den>
-                              </m:f>
-                            </m:e>
-                          </m:d>
-                          <m:r>
-                            <a:rPr lang="en-US" altLang="zh-CN" b="0" i="1" smtClean="0">
-                              <a:latin typeface="Cambria Math" panose="02040503050406030204" pitchFamily="18" charset="0"/>
-                            </a:rPr>
-                            <m:t>−1</m:t>
-                          </m:r>
-                        </m:den>
-                      </m:f>
-                    </m:oMath>
-                  </m:oMathPara>
-                </a14:m>
-                <a:endParaRPr lang="en-US" dirty="0"/>
-              </a:p>
-            </p:txBody>
-          </p:sp>
-        </mc:Choice>
-        <mc:Fallback xmlns="">
-          <p:sp>
-            <p:nvSpPr>
-              <p:cNvPr id="4" name="TextBox 3">
-                <a:extLst>
-                  <a:ext uri="{FF2B5EF4-FFF2-40B4-BE49-F238E27FC236}">
-                    <a16:creationId xmlns:a16="http://schemas.microsoft.com/office/drawing/2014/main" id="{F33B3E85-8CFA-F502-CF59-C0E3E6899FB3}"/>
-                  </a:ext>
-                </a:extLst>
-              </p:cNvPr>
-              <p:cNvSpPr txBox="1">
-                <a:spLocks noRot="1" noChangeAspect="1" noMove="1" noResize="1" noEditPoints="1" noAdjustHandles="1" noChangeArrowheads="1" noChangeShapeType="1" noTextEdit="1"/>
-              </p:cNvSpPr>
-              <p:nvPr/>
-            </p:nvSpPr>
-            <p:spPr>
-              <a:xfrm>
-                <a:off x="5701661" y="2586189"/>
-                <a:ext cx="5920403" cy="1096519"/>
-              </a:xfrm>
-              <a:prstGeom prst="rect">
-                <a:avLst/>
-              </a:prstGeom>
-              <a:blipFill>
-                <a:blip r:embed="rId4"/>
-                <a:stretch>
-                  <a:fillRect l="-855" r="-427" b="-2299"/>
-                </a:stretch>
-              </a:blipFill>
-            </p:spPr>
-            <p:txBody>
-              <a:bodyPr/>
-              <a:lstStyle/>
-              <a:p>
-                <a:r>
-                  <a:rPr lang="en-US">
-                    <a:noFill/>
-                  </a:rPr>
-                  <a:t> </a:t>
-                </a:r>
-              </a:p>
-            </p:txBody>
-          </p:sp>
-        </mc:Fallback>
-      </mc:AlternateContent>
-      <mc:AlternateContent xmlns:mc="http://schemas.openxmlformats.org/markup-compatibility/2006" xmlns:a14="http://schemas.microsoft.com/office/drawing/2010/main">
-        <mc:Choice Requires="a14">
-          <p:sp>
-            <p:nvSpPr>
-              <p:cNvPr id="5" name="TextBox 4">
-                <a:extLst>
-                  <a:ext uri="{FF2B5EF4-FFF2-40B4-BE49-F238E27FC236}">
-                    <a16:creationId xmlns:a16="http://schemas.microsoft.com/office/drawing/2014/main" id="{4BA3DC94-E7B8-FD92-ECEC-E16B2FCFBA19}"/>
-                  </a:ext>
-                </a:extLst>
-              </p:cNvPr>
-              <p:cNvSpPr txBox="1"/>
-              <p:nvPr/>
-            </p:nvSpPr>
-            <p:spPr>
-              <a:xfrm>
-                <a:off x="5437474" y="3944414"/>
-                <a:ext cx="6448775" cy="369332"/>
-              </a:xfrm>
-              <a:prstGeom prst="rect">
-                <a:avLst/>
-              </a:prstGeom>
-              <a:noFill/>
-            </p:spPr>
-            <p:txBody>
-              <a:bodyPr wrap="square">
-                <a:spAutoFit/>
-              </a:bodyPr>
-              <a:lstStyle/>
-              <a:p>
-                <a14:m>
-                  <m:oMath xmlns:m="http://schemas.openxmlformats.org/officeDocument/2006/math">
-                    <m:sSub>
-                      <m:sSubPr>
-                        <m:ctrlPr>
-                          <a:rPr lang="en-US" altLang="zh-CN" sz="1800" b="0" i="1" smtClean="0">
-                            <a:latin typeface="Cambria Math" panose="02040503050406030204" pitchFamily="18" charset="0"/>
-                          </a:rPr>
-                        </m:ctrlPr>
-                      </m:sSubPr>
-                      <m:e>
-                        <m:r>
-                          <a:rPr lang="en-US" altLang="zh-CN" sz="1800" b="0" i="1" smtClean="0">
-                            <a:latin typeface="Cambria Math" panose="02040503050406030204" pitchFamily="18" charset="0"/>
-                          </a:rPr>
-                          <m:t>𝐾</m:t>
-                        </m:r>
-                      </m:e>
-                      <m:sub>
-                        <m:r>
-                          <a:rPr lang="en-US" altLang="zh-CN" sz="1800" b="0" i="1" smtClean="0">
-                            <a:latin typeface="Cambria Math" panose="02040503050406030204" pitchFamily="18" charset="0"/>
-                          </a:rPr>
-                          <m:t>𝐴</m:t>
-                        </m:r>
-                      </m:sub>
-                    </m:sSub>
-                  </m:oMath>
-                </a14:m>
-                <a:r>
-                  <a:rPr lang="en-US" sz="1800" dirty="0">
-                    <a:latin typeface="Arial" panose="020B0604020202020204" pitchFamily="34" charset="0"/>
-                    <a:cs typeface="Arial" panose="020B0604020202020204" pitchFamily="34" charset="0"/>
-                  </a:rPr>
-                  <a:t> </a:t>
-                </a:r>
-                <a:r>
-                  <a:rPr lang="en-US" altLang="zh-CN" sz="1800" dirty="0">
-                    <a:latin typeface="Arial" panose="020B0604020202020204" pitchFamily="34" charset="0"/>
-                    <a:cs typeface="Arial" panose="020B0604020202020204" pitchFamily="34" charset="0"/>
-                  </a:rPr>
-                  <a:t>dissociation</a:t>
-                </a:r>
-                <a:r>
-                  <a:rPr lang="zh-CN" altLang="en-US" sz="1800" dirty="0">
-                    <a:latin typeface="Arial" panose="020B0604020202020204" pitchFamily="34" charset="0"/>
-                    <a:cs typeface="Arial" panose="020B0604020202020204" pitchFamily="34" charset="0"/>
-                  </a:rPr>
-                  <a:t> </a:t>
-                </a:r>
-                <a:r>
-                  <a:rPr lang="en-US" altLang="zh-CN" sz="1800" dirty="0">
-                    <a:latin typeface="Arial" panose="020B0604020202020204" pitchFamily="34" charset="0"/>
-                    <a:cs typeface="Arial" panose="020B0604020202020204" pitchFamily="34" charset="0"/>
-                  </a:rPr>
-                  <a:t>constant,</a:t>
-                </a:r>
-                <a:r>
-                  <a:rPr lang="zh-CN" altLang="en-US" sz="1800" dirty="0">
-                    <a:latin typeface="Arial" panose="020B0604020202020204" pitchFamily="34" charset="0"/>
-                    <a:cs typeface="Arial" panose="020B0604020202020204" pitchFamily="34" charset="0"/>
-                  </a:rPr>
-                  <a:t> </a:t>
-                </a:r>
-                <a14:m>
-                  <m:oMath xmlns:m="http://schemas.openxmlformats.org/officeDocument/2006/math">
-                    <m:sSub>
-                      <m:sSubPr>
-                        <m:ctrlPr>
-                          <a:rPr lang="en-US" altLang="zh-CN" i="1">
-                            <a:latin typeface="Cambria Math" panose="02040503050406030204" pitchFamily="18" charset="0"/>
-                          </a:rPr>
-                        </m:ctrlPr>
-                      </m:sSubPr>
-                      <m:e>
-                        <m:r>
-                          <a:rPr lang="en-US" altLang="zh-CN" i="1">
-                            <a:latin typeface="Cambria Math" panose="02040503050406030204" pitchFamily="18" charset="0"/>
-                          </a:rPr>
-                          <m:t>𝑘</m:t>
-                        </m:r>
-                      </m:e>
-                      <m:sub>
-                        <m:r>
-                          <a:rPr lang="en-US" altLang="zh-CN" i="1">
-                            <a:latin typeface="Cambria Math" panose="02040503050406030204" pitchFamily="18" charset="0"/>
-                          </a:rPr>
-                          <m:t>+</m:t>
-                        </m:r>
-                      </m:sub>
-                    </m:sSub>
-                  </m:oMath>
-                </a14:m>
-                <a:r>
-                  <a:rPr lang="zh-CN" altLang="en-US" dirty="0"/>
-                  <a:t> </a:t>
-                </a:r>
-                <a:r>
-                  <a:rPr lang="en-US" altLang="zh-CN" dirty="0"/>
-                  <a:t>and</a:t>
-                </a:r>
-                <a:r>
-                  <a:rPr lang="zh-CN" altLang="en-US" dirty="0"/>
-                  <a:t> </a:t>
-                </a:r>
-                <a14:m>
-                  <m:oMath xmlns:m="http://schemas.openxmlformats.org/officeDocument/2006/math">
-                    <m:sSub>
-                      <m:sSubPr>
-                        <m:ctrlPr>
-                          <a:rPr lang="en-US" altLang="zh-CN" i="1">
-                            <a:latin typeface="Cambria Math" panose="02040503050406030204" pitchFamily="18" charset="0"/>
-                          </a:rPr>
-                        </m:ctrlPr>
-                      </m:sSubPr>
-                      <m:e>
-                        <m:r>
-                          <a:rPr lang="en-US" altLang="zh-CN" i="1">
-                            <a:latin typeface="Cambria Math" panose="02040503050406030204" pitchFamily="18" charset="0"/>
-                          </a:rPr>
-                          <m:t>𝑘</m:t>
-                        </m:r>
-                      </m:e>
-                      <m:sub>
-                        <m:r>
-                          <a:rPr lang="en-US" altLang="zh-CN" b="0" i="1" smtClean="0">
-                            <a:latin typeface="Cambria Math" panose="02040503050406030204" pitchFamily="18" charset="0"/>
-                          </a:rPr>
-                          <m:t>−</m:t>
-                        </m:r>
-                      </m:sub>
-                    </m:sSub>
-                  </m:oMath>
-                </a14:m>
-                <a:r>
-                  <a:rPr lang="en-US" altLang="zh-CN" dirty="0"/>
-                  <a:t>forward</a:t>
-                </a:r>
-                <a:r>
-                  <a:rPr lang="zh-CN" altLang="en-US" dirty="0"/>
-                  <a:t> </a:t>
-                </a:r>
-                <a:r>
-                  <a:rPr lang="en-US" altLang="zh-CN" dirty="0"/>
-                  <a:t>and</a:t>
-                </a:r>
-                <a:r>
-                  <a:rPr lang="zh-CN" altLang="en-US" dirty="0"/>
-                  <a:t> </a:t>
-                </a:r>
-                <a:r>
-                  <a:rPr lang="en-US" altLang="zh-CN" dirty="0"/>
-                  <a:t>backward</a:t>
-                </a:r>
-                <a:r>
-                  <a:rPr lang="zh-CN" altLang="en-US" dirty="0"/>
-                  <a:t> </a:t>
-                </a:r>
-                <a:r>
-                  <a:rPr lang="en-US" altLang="zh-CN" dirty="0"/>
-                  <a:t>rate</a:t>
-                </a:r>
-                <a:endParaRPr lang="en-US" dirty="0"/>
-              </a:p>
-            </p:txBody>
-          </p:sp>
-        </mc:Choice>
-        <mc:Fallback xmlns="">
-          <p:sp>
-            <p:nvSpPr>
-              <p:cNvPr id="5" name="TextBox 4">
-                <a:extLst>
-                  <a:ext uri="{FF2B5EF4-FFF2-40B4-BE49-F238E27FC236}">
-                    <a16:creationId xmlns:a16="http://schemas.microsoft.com/office/drawing/2014/main" id="{4BA3DC94-E7B8-FD92-ECEC-E16B2FCFBA19}"/>
-                  </a:ext>
-                </a:extLst>
-              </p:cNvPr>
-              <p:cNvSpPr txBox="1">
-                <a:spLocks noRot="1" noChangeAspect="1" noMove="1" noResize="1" noEditPoints="1" noAdjustHandles="1" noChangeArrowheads="1" noChangeShapeType="1" noTextEdit="1"/>
-              </p:cNvSpPr>
-              <p:nvPr/>
-            </p:nvSpPr>
-            <p:spPr>
-              <a:xfrm>
-                <a:off x="5437474" y="3944414"/>
-                <a:ext cx="6448775" cy="369332"/>
-              </a:xfrm>
-              <a:prstGeom prst="rect">
-                <a:avLst/>
-              </a:prstGeom>
-              <a:blipFill>
-                <a:blip r:embed="rId5"/>
-                <a:stretch>
-                  <a:fillRect t="-10000" b="-26667"/>
-                </a:stretch>
-              </a:blipFill>
-            </p:spPr>
-            <p:txBody>
-              <a:bodyPr/>
-              <a:lstStyle/>
-              <a:p>
-                <a:r>
-                  <a:rPr lang="en-US">
-                    <a:noFill/>
-                  </a:rPr>
-                  <a:t> </a:t>
-                </a:r>
-              </a:p>
-            </p:txBody>
-          </p:sp>
-        </mc:Fallback>
-      </mc:AlternateContent>
-    </p:spTree>
-    <p:extLst>
-      <p:ext uri="{BB962C8B-B14F-4D97-AF65-F5344CB8AC3E}">
-        <p14:creationId xmlns:p14="http://schemas.microsoft.com/office/powerpoint/2010/main" val="3365423249"/>
-      </p:ext>
-    </p:extLst>
-  </p:cSld>
-  <p:clrMapOvr>
-    <a:masterClrMapping/>
-  </p:clrMapOvr>
-</p:sld>
-</file>
-
 <file path=ppt/theme/theme1.xml><?xml version="1.0" encoding="utf-8"?>
 <a:theme xmlns:a="http://schemas.openxmlformats.org/drawingml/2006/main" name="Office Theme">
   <a:themeElements>

--- a/CME/figs/figs_WCM/figs_WCM.pptx
+++ b/CME/figs/figs_WCM/figs_WCM.pptx
@@ -125,7 +125,7 @@
 <file path=ppt/revisionInfo.xml><?xml version="1.0" encoding="utf-8"?>
 <p1510:revInfo xmlns:a="http://schemas.openxmlformats.org/drawingml/2006/main" xmlns:r="http://schemas.openxmlformats.org/officeDocument/2006/relationships" xmlns:p1510="http://schemas.microsoft.com/office/powerpoint/2015/10/main">
   <p1510:revLst>
-    <p1510:client id="{3538FE26-223B-1D46-BF3C-6AF32D14471A}" v="5" dt="2025-07-12T18:49:46.950"/>
+    <p1510:client id="{3538FE26-223B-1D46-BF3C-6AF32D14471A}" v="6" dt="2025-07-12T18:57:58.795"/>
   </p1510:revLst>
 </p1510:revInfo>
 </file>
@@ -135,10 +135,41 @@
   <pc:docChgLst>
     <pc:chgData name="Fu, Enguang" userId="0a9dcee4-6405-40fd-bb42-dd19fc94bec1" providerId="ADAL" clId="{3538FE26-223B-1D46-BF3C-6AF32D14471A}"/>
     <pc:docChg chg="undo custSel addSld modSld">
-      <pc:chgData name="Fu, Enguang" userId="0a9dcee4-6405-40fd-bb42-dd19fc94bec1" providerId="ADAL" clId="{3538FE26-223B-1D46-BF3C-6AF32D14471A}" dt="2025-07-12T18:50:32.669" v="58" actId="14100"/>
+      <pc:chgData name="Fu, Enguang" userId="0a9dcee4-6405-40fd-bb42-dd19fc94bec1" providerId="ADAL" clId="{3538FE26-223B-1D46-BF3C-6AF32D14471A}" dt="2025-07-12T18:59:20.106" v="93" actId="14100"/>
       <pc:docMkLst>
         <pc:docMk/>
       </pc:docMkLst>
+      <pc:sldChg chg="delSp modSp mod">
+        <pc:chgData name="Fu, Enguang" userId="0a9dcee4-6405-40fd-bb42-dd19fc94bec1" providerId="ADAL" clId="{3538FE26-223B-1D46-BF3C-6AF32D14471A}" dt="2025-07-12T18:57:41.005" v="63" actId="478"/>
+        <pc:sldMkLst>
+          <pc:docMk/>
+          <pc:sldMk cId="779650603" sldId="259"/>
+        </pc:sldMkLst>
+        <pc:spChg chg="del">
+          <ac:chgData name="Fu, Enguang" userId="0a9dcee4-6405-40fd-bb42-dd19fc94bec1" providerId="ADAL" clId="{3538FE26-223B-1D46-BF3C-6AF32D14471A}" dt="2025-07-12T18:57:41.005" v="63" actId="478"/>
+          <ac:spMkLst>
+            <pc:docMk/>
+            <pc:sldMk cId="779650603" sldId="259"/>
+            <ac:spMk id="17" creationId="{031BE7F8-3873-3FE6-0A1E-2A37CCC1C644}"/>
+          </ac:spMkLst>
+        </pc:spChg>
+        <pc:grpChg chg="mod">
+          <ac:chgData name="Fu, Enguang" userId="0a9dcee4-6405-40fd-bb42-dd19fc94bec1" providerId="ADAL" clId="{3538FE26-223B-1D46-BF3C-6AF32D14471A}" dt="2025-07-12T18:57:39.863" v="62" actId="1076"/>
+          <ac:grpSpMkLst>
+            <pc:docMk/>
+            <pc:sldMk cId="779650603" sldId="259"/>
+            <ac:grpSpMk id="2" creationId="{C45AC06D-CEEC-B735-2834-FD02C7D6FD7F}"/>
+          </ac:grpSpMkLst>
+        </pc:grpChg>
+        <pc:grpChg chg="del mod">
+          <ac:chgData name="Fu, Enguang" userId="0a9dcee4-6405-40fd-bb42-dd19fc94bec1" providerId="ADAL" clId="{3538FE26-223B-1D46-BF3C-6AF32D14471A}" dt="2025-07-12T18:57:38.432" v="60" actId="478"/>
+          <ac:grpSpMkLst>
+            <pc:docMk/>
+            <pc:sldMk cId="779650603" sldId="259"/>
+            <ac:grpSpMk id="16" creationId="{C0FB1F36-0AB0-928A-64FD-C29A45979723}"/>
+          </ac:grpSpMkLst>
+        </pc:grpChg>
+      </pc:sldChg>
       <pc:sldChg chg="addSp delSp modSp mod">
         <pc:chgData name="Fu, Enguang" userId="0a9dcee4-6405-40fd-bb42-dd19fc94bec1" providerId="ADAL" clId="{3538FE26-223B-1D46-BF3C-6AF32D14471A}" dt="2025-07-12T18:50:32.669" v="58" actId="14100"/>
         <pc:sldMkLst>
@@ -331,7 +362,7 @@
         </pc:cxnChg>
       </pc:sldChg>
       <pc:sldChg chg="addSp delSp modSp new mod">
-        <pc:chgData name="Fu, Enguang" userId="0a9dcee4-6405-40fd-bb42-dd19fc94bec1" providerId="ADAL" clId="{3538FE26-223B-1D46-BF3C-6AF32D14471A}" dt="2025-07-12T18:48:37.420" v="30" actId="14100"/>
+        <pc:chgData name="Fu, Enguang" userId="0a9dcee4-6405-40fd-bb42-dd19fc94bec1" providerId="ADAL" clId="{3538FE26-223B-1D46-BF3C-6AF32D14471A}" dt="2025-07-12T18:59:20.106" v="93" actId="14100"/>
         <pc:sldMkLst>
           <pc:docMk/>
           <pc:sldMk cId="2713148803" sldId="266"/>
@@ -376,8 +407,16 @@
             <ac:spMk id="9" creationId="{DE05D048-D524-501E-E8B1-7AA0B22AECBD}"/>
           </ac:spMkLst>
         </pc:spChg>
+        <pc:spChg chg="mod">
+          <ac:chgData name="Fu, Enguang" userId="0a9dcee4-6405-40fd-bb42-dd19fc94bec1" providerId="ADAL" clId="{3538FE26-223B-1D46-BF3C-6AF32D14471A}" dt="2025-07-12T18:58:37.427" v="87" actId="1038"/>
+          <ac:spMkLst>
+            <pc:docMk/>
+            <pc:sldMk cId="2713148803" sldId="266"/>
+            <ac:spMk id="11" creationId="{8E0EDDC4-5863-2A18-0B58-861F6E850B10}"/>
+          </ac:spMkLst>
+        </pc:spChg>
         <pc:spChg chg="add mod">
-          <ac:chgData name="Fu, Enguang" userId="0a9dcee4-6405-40fd-bb42-dd19fc94bec1" providerId="ADAL" clId="{3538FE26-223B-1D46-BF3C-6AF32D14471A}" dt="2025-07-12T18:45:22.589" v="1"/>
+          <ac:chgData name="Fu, Enguang" userId="0a9dcee4-6405-40fd-bb42-dd19fc94bec1" providerId="ADAL" clId="{3538FE26-223B-1D46-BF3C-6AF32D14471A}" dt="2025-07-12T18:57:54.174" v="70" actId="1038"/>
           <ac:spMkLst>
             <pc:docMk/>
             <pc:sldMk cId="2713148803" sldId="266"/>
@@ -385,7 +424,7 @@
           </ac:spMkLst>
         </pc:spChg>
         <pc:spChg chg="add mod">
-          <ac:chgData name="Fu, Enguang" userId="0a9dcee4-6405-40fd-bb42-dd19fc94bec1" providerId="ADAL" clId="{3538FE26-223B-1D46-BF3C-6AF32D14471A}" dt="2025-07-12T18:45:22.589" v="1"/>
+          <ac:chgData name="Fu, Enguang" userId="0a9dcee4-6405-40fd-bb42-dd19fc94bec1" providerId="ADAL" clId="{3538FE26-223B-1D46-BF3C-6AF32D14471A}" dt="2025-07-12T18:59:00.238" v="92" actId="113"/>
           <ac:spMkLst>
             <pc:docMk/>
             <pc:sldMk cId="2713148803" sldId="266"/>
@@ -393,7 +432,7 @@
           </ac:spMkLst>
         </pc:spChg>
         <pc:spChg chg="add mod">
-          <ac:chgData name="Fu, Enguang" userId="0a9dcee4-6405-40fd-bb42-dd19fc94bec1" providerId="ADAL" clId="{3538FE26-223B-1D46-BF3C-6AF32D14471A}" dt="2025-07-12T18:45:22.589" v="1"/>
+          <ac:chgData name="Fu, Enguang" userId="0a9dcee4-6405-40fd-bb42-dd19fc94bec1" providerId="ADAL" clId="{3538FE26-223B-1D46-BF3C-6AF32D14471A}" dt="2025-07-12T18:58:29.215" v="84" actId="1076"/>
           <ac:spMkLst>
             <pc:docMk/>
             <pc:sldMk cId="2713148803" sldId="266"/>
@@ -497,7 +536,7 @@
           </ac:spMkLst>
         </pc:spChg>
         <pc:spChg chg="add del mod modVis">
-          <ac:chgData name="Fu, Enguang" userId="0a9dcee4-6405-40fd-bb42-dd19fc94bec1" providerId="ADAL" clId="{3538FE26-223B-1D46-BF3C-6AF32D14471A}" dt="2025-07-12T18:48:37.420" v="30" actId="14100"/>
+          <ac:chgData name="Fu, Enguang" userId="0a9dcee4-6405-40fd-bb42-dd19fc94bec1" providerId="ADAL" clId="{3538FE26-223B-1D46-BF3C-6AF32D14471A}" dt="2025-07-12T18:59:20.106" v="93" actId="14100"/>
           <ac:spMkLst>
             <pc:docMk/>
             <pc:sldMk cId="2713148803" sldId="266"/>
@@ -512,6 +551,30 @@
             <ac:picMk id="2" creationId="{1123AEC9-7E5A-8AB4-163A-40CBA5582382}"/>
           </ac:picMkLst>
         </pc:picChg>
+        <pc:cxnChg chg="mod">
+          <ac:chgData name="Fu, Enguang" userId="0a9dcee4-6405-40fd-bb42-dd19fc94bec1" providerId="ADAL" clId="{3538FE26-223B-1D46-BF3C-6AF32D14471A}" dt="2025-07-12T18:58:56.201" v="91" actId="1582"/>
+          <ac:cxnSpMkLst>
+            <pc:docMk/>
+            <pc:sldMk cId="2713148803" sldId="266"/>
+            <ac:cxnSpMk id="14" creationId="{EBB30678-96A9-4C2C-5C57-18700E1F36F8}"/>
+          </ac:cxnSpMkLst>
+        </pc:cxnChg>
+        <pc:cxnChg chg="mod">
+          <ac:chgData name="Fu, Enguang" userId="0a9dcee4-6405-40fd-bb42-dd19fc94bec1" providerId="ADAL" clId="{3538FE26-223B-1D46-BF3C-6AF32D14471A}" dt="2025-07-12T18:58:56.201" v="91" actId="1582"/>
+          <ac:cxnSpMkLst>
+            <pc:docMk/>
+            <pc:sldMk cId="2713148803" sldId="266"/>
+            <ac:cxnSpMk id="15" creationId="{74426766-0330-32F5-053F-BA7363D91886}"/>
+          </ac:cxnSpMkLst>
+        </pc:cxnChg>
+        <pc:cxnChg chg="mod">
+          <ac:chgData name="Fu, Enguang" userId="0a9dcee4-6405-40fd-bb42-dd19fc94bec1" providerId="ADAL" clId="{3538FE26-223B-1D46-BF3C-6AF32D14471A}" dt="2025-07-12T18:58:56.201" v="91" actId="1582"/>
+          <ac:cxnSpMkLst>
+            <pc:docMk/>
+            <pc:sldMk cId="2713148803" sldId="266"/>
+            <ac:cxnSpMk id="18" creationId="{061C064B-A3C2-695F-030F-940C55B4AC2A}"/>
+          </ac:cxnSpMkLst>
+        </pc:cxnChg>
       </pc:sldChg>
     </pc:docChg>
   </pc:docChgLst>
@@ -7457,383 +7520,13 @@
             <a:p>
               <a:pPr algn="ctr"/>
               <a:r>
-                <a:rPr lang="en-US" sz="2400">
+                <a:rPr lang="en-US" sz="2400" dirty="0">
                   <a:solidFill>
                     <a:schemeClr val="bg1"/>
                   </a:solidFill>
                 </a:rPr>
                 <a:t>200</a:t>
               </a:r>
-            </a:p>
-          </p:txBody>
-        </p:sp>
-      </p:grpSp>
-      <p:sp>
-        <p:nvSpPr>
-          <p:cNvPr id="17" name="Rectangle 16">
-            <a:extLst>
-              <a:ext uri="{FF2B5EF4-FFF2-40B4-BE49-F238E27FC236}">
-                <a16:creationId xmlns:a16="http://schemas.microsoft.com/office/drawing/2014/main" id="{031BE7F8-3873-3FE6-0A1E-2A37CCC1C644}"/>
-              </a:ext>
-            </a:extLst>
-          </p:cNvPr>
-          <p:cNvSpPr/>
-          <p:nvPr/>
-        </p:nvSpPr>
-        <p:spPr>
-          <a:xfrm>
-            <a:off x="5992636" y="1827835"/>
-            <a:ext cx="3651004" cy="3254982"/>
-          </a:xfrm>
-          <a:prstGeom prst="rect">
-            <a:avLst/>
-          </a:prstGeom>
-          <a:ln>
-            <a:noFill/>
-          </a:ln>
-        </p:spPr>
-        <p:style>
-          <a:lnRef idx="2">
-            <a:schemeClr val="accent6"/>
-          </a:lnRef>
-          <a:fillRef idx="1">
-            <a:schemeClr val="lt1"/>
-          </a:fillRef>
-          <a:effectRef idx="0">
-            <a:schemeClr val="accent6"/>
-          </a:effectRef>
-          <a:fontRef idx="minor">
-            <a:schemeClr val="dk1"/>
-          </a:fontRef>
-        </p:style>
-        <p:txBody>
-          <a:bodyPr rtlCol="0" anchor="ctr"/>
-          <a:lstStyle/>
-          <a:p>
-            <a:pPr algn="ctr"/>
-            <a:endParaRPr lang="en-US" dirty="0"/>
-          </a:p>
-        </p:txBody>
-      </p:sp>
-      <p:grpSp>
-        <p:nvGrpSpPr>
-          <p:cNvPr id="16" name="Group 15">
-            <a:extLst>
-              <a:ext uri="{FF2B5EF4-FFF2-40B4-BE49-F238E27FC236}">
-                <a16:creationId xmlns:a16="http://schemas.microsoft.com/office/drawing/2014/main" id="{C0FB1F36-0AB0-928A-64FD-C29A45979723}"/>
-              </a:ext>
-            </a:extLst>
-          </p:cNvPr>
-          <p:cNvGrpSpPr/>
-          <p:nvPr/>
-        </p:nvGrpSpPr>
-        <p:grpSpPr>
-          <a:xfrm>
-            <a:off x="5992636" y="1922317"/>
-            <a:ext cx="3909444" cy="3160499"/>
-            <a:chOff x="5002255" y="2468915"/>
-            <a:chExt cx="3909444" cy="3160499"/>
-          </a:xfrm>
-        </p:grpSpPr>
-        <p:pic>
-          <p:nvPicPr>
-            <p:cNvPr id="8" name="Image" descr="Image">
-              <a:extLst>
-                <a:ext uri="{FF2B5EF4-FFF2-40B4-BE49-F238E27FC236}">
-                  <a16:creationId xmlns:a16="http://schemas.microsoft.com/office/drawing/2014/main" id="{6C8700EA-81EA-4D36-F6B8-7C3B910195B4}"/>
-                </a:ext>
-              </a:extLst>
-            </p:cNvPr>
-            <p:cNvPicPr>
-              <a:picLocks noChangeAspect="1"/>
-            </p:cNvPicPr>
-            <p:nvPr/>
-          </p:nvPicPr>
-          <p:blipFill rotWithShape="1">
-            <a:blip r:embed="rId3"/>
-            <a:srcRect l="7743" t="22837" r="57309" b="9734"/>
-            <a:stretch>
-              <a:fillRect/>
-            </a:stretch>
-          </p:blipFill>
-          <p:spPr>
-            <a:xfrm>
-              <a:off x="5002255" y="2468915"/>
-              <a:ext cx="2912029" cy="3160499"/>
-            </a:xfrm>
-            <a:prstGeom prst="rect">
-              <a:avLst/>
-            </a:prstGeom>
-            <a:ln w="3175">
-              <a:miter lim="400000"/>
-            </a:ln>
-          </p:spPr>
-        </p:pic>
-        <p:sp>
-          <p:nvSpPr>
-            <p:cNvPr id="10" name="Can 9">
-              <a:extLst>
-                <a:ext uri="{FF2B5EF4-FFF2-40B4-BE49-F238E27FC236}">
-                  <a16:creationId xmlns:a16="http://schemas.microsoft.com/office/drawing/2014/main" id="{08DFCBAF-1933-B8C7-BF2E-F98D2E9EF7E9}"/>
-                </a:ext>
-              </a:extLst>
-            </p:cNvPr>
-            <p:cNvSpPr/>
-            <p:nvPr/>
-          </p:nvSpPr>
-          <p:spPr>
-            <a:xfrm rot="3327173">
-              <a:off x="7411057" y="2904186"/>
-              <a:ext cx="144000" cy="213856"/>
-            </a:xfrm>
-            <a:prstGeom prst="can">
-              <a:avLst/>
-            </a:prstGeom>
-          </p:spPr>
-          <p:style>
-            <a:lnRef idx="2">
-              <a:schemeClr val="accent1">
-                <a:shade val="50000"/>
-              </a:schemeClr>
-            </a:lnRef>
-            <a:fillRef idx="1">
-              <a:schemeClr val="accent1"/>
-            </a:fillRef>
-            <a:effectRef idx="0">
-              <a:schemeClr val="accent1"/>
-            </a:effectRef>
-            <a:fontRef idx="minor">
-              <a:schemeClr val="lt1"/>
-            </a:fontRef>
-          </p:style>
-          <p:txBody>
-            <a:bodyPr rtlCol="0" anchor="ctr"/>
-            <a:lstStyle/>
-            <a:p>
-              <a:pPr algn="ctr"/>
-              <a:endParaRPr lang="en-US"/>
-            </a:p>
-          </p:txBody>
-        </p:sp>
-        <p:sp>
-          <p:nvSpPr>
-            <p:cNvPr id="11" name="TextBox 10">
-              <a:extLst>
-                <a:ext uri="{FF2B5EF4-FFF2-40B4-BE49-F238E27FC236}">
-                  <a16:creationId xmlns:a16="http://schemas.microsoft.com/office/drawing/2014/main" id="{B276813A-98F6-3B74-D5DF-FF8F35135A60}"/>
-                </a:ext>
-              </a:extLst>
-            </p:cNvPr>
-            <p:cNvSpPr txBox="1"/>
-            <p:nvPr/>
-          </p:nvSpPr>
-          <p:spPr>
-            <a:xfrm>
-              <a:off x="7364578" y="2669627"/>
-              <a:ext cx="952505" cy="276999"/>
-            </a:xfrm>
-            <a:prstGeom prst="rect">
-              <a:avLst/>
-            </a:prstGeom>
-            <a:noFill/>
-          </p:spPr>
-          <p:txBody>
-            <a:bodyPr wrap="square">
-              <a:spAutoFit/>
-            </a:bodyPr>
-            <a:lstStyle/>
-            <a:p>
-              <a:r>
-                <a:rPr lang="en-US" altLang="zh-CN" sz="1200"/>
-                <a:t>Nucleoside</a:t>
-              </a:r>
-              <a:endParaRPr lang="en-US" sz="1200"/>
-            </a:p>
-          </p:txBody>
-        </p:sp>
-        <p:sp>
-          <p:nvSpPr>
-            <p:cNvPr id="12" name="Can 11">
-              <a:extLst>
-                <a:ext uri="{FF2B5EF4-FFF2-40B4-BE49-F238E27FC236}">
-                  <a16:creationId xmlns:a16="http://schemas.microsoft.com/office/drawing/2014/main" id="{B0C5C569-50D5-3674-5CDD-7340688DA8C3}"/>
-                </a:ext>
-              </a:extLst>
-            </p:cNvPr>
-            <p:cNvSpPr/>
-            <p:nvPr/>
-          </p:nvSpPr>
-          <p:spPr>
-            <a:xfrm rot="5400000">
-              <a:off x="7735356" y="3427419"/>
-              <a:ext cx="144000" cy="213856"/>
-            </a:xfrm>
-            <a:prstGeom prst="can">
-              <a:avLst/>
-            </a:prstGeom>
-            <a:solidFill>
-              <a:schemeClr val="accent2"/>
-            </a:solidFill>
-          </p:spPr>
-          <p:style>
-            <a:lnRef idx="2">
-              <a:schemeClr val="accent1">
-                <a:shade val="50000"/>
-              </a:schemeClr>
-            </a:lnRef>
-            <a:fillRef idx="1">
-              <a:schemeClr val="accent1"/>
-            </a:fillRef>
-            <a:effectRef idx="0">
-              <a:schemeClr val="accent1"/>
-            </a:effectRef>
-            <a:fontRef idx="minor">
-              <a:schemeClr val="lt1"/>
-            </a:fontRef>
-          </p:style>
-          <p:txBody>
-            <a:bodyPr rtlCol="0" anchor="ctr"/>
-            <a:lstStyle/>
-            <a:p>
-              <a:pPr algn="ctr"/>
-              <a:endParaRPr lang="en-US"/>
-            </a:p>
-          </p:txBody>
-        </p:sp>
-        <p:sp>
-          <p:nvSpPr>
-            <p:cNvPr id="13" name="TextBox 12">
-              <a:extLst>
-                <a:ext uri="{FF2B5EF4-FFF2-40B4-BE49-F238E27FC236}">
-                  <a16:creationId xmlns:a16="http://schemas.microsoft.com/office/drawing/2014/main" id="{A2C5B00D-14E6-6472-604F-8F691FFF6338}"/>
-                </a:ext>
-              </a:extLst>
-            </p:cNvPr>
-            <p:cNvSpPr txBox="1"/>
-            <p:nvPr/>
-          </p:nvSpPr>
-          <p:spPr>
-            <a:xfrm>
-              <a:off x="7765752" y="3197963"/>
-              <a:ext cx="862200" cy="276999"/>
-            </a:xfrm>
-            <a:prstGeom prst="rect">
-              <a:avLst/>
-            </a:prstGeom>
-            <a:noFill/>
-          </p:spPr>
-          <p:txBody>
-            <a:bodyPr wrap="square">
-              <a:spAutoFit/>
-            </a:bodyPr>
-            <a:lstStyle/>
-            <a:p>
-              <a:r>
-                <a:rPr lang="en-US" altLang="zh-CN" sz="1200"/>
-                <a:t>Fatty</a:t>
-              </a:r>
-              <a:r>
-                <a:rPr lang="zh-CN" altLang="en-US" sz="1200"/>
-                <a:t> </a:t>
-              </a:r>
-              <a:r>
-                <a:rPr lang="en-US" altLang="zh-CN" sz="1200"/>
-                <a:t>Acid</a:t>
-              </a:r>
-              <a:endParaRPr lang="en-US" sz="1200"/>
-            </a:p>
-          </p:txBody>
-        </p:sp>
-        <p:sp>
-          <p:nvSpPr>
-            <p:cNvPr id="14" name="Can 13">
-              <a:extLst>
-                <a:ext uri="{FF2B5EF4-FFF2-40B4-BE49-F238E27FC236}">
-                  <a16:creationId xmlns:a16="http://schemas.microsoft.com/office/drawing/2014/main" id="{82687A01-36F1-5DC6-28DA-D85F86CF862B}"/>
-                </a:ext>
-              </a:extLst>
-            </p:cNvPr>
-            <p:cNvSpPr/>
-            <p:nvPr/>
-          </p:nvSpPr>
-          <p:spPr>
-            <a:xfrm rot="6790259">
-              <a:off x="7707114" y="4275470"/>
-              <a:ext cx="144000" cy="213856"/>
-            </a:xfrm>
-            <a:prstGeom prst="can">
-              <a:avLst/>
-            </a:prstGeom>
-            <a:solidFill>
-              <a:srgbClr val="13294B"/>
-            </a:solidFill>
-          </p:spPr>
-          <p:style>
-            <a:lnRef idx="2">
-              <a:schemeClr val="accent1">
-                <a:shade val="50000"/>
-              </a:schemeClr>
-            </a:lnRef>
-            <a:fillRef idx="1">
-              <a:schemeClr val="accent1"/>
-            </a:fillRef>
-            <a:effectRef idx="0">
-              <a:schemeClr val="accent1"/>
-            </a:effectRef>
-            <a:fontRef idx="minor">
-              <a:schemeClr val="lt1"/>
-            </a:fontRef>
-          </p:style>
-          <p:txBody>
-            <a:bodyPr rtlCol="0" anchor="ctr"/>
-            <a:lstStyle/>
-            <a:p>
-              <a:pPr algn="ctr"/>
-              <a:endParaRPr lang="en-US"/>
-            </a:p>
-          </p:txBody>
-        </p:sp>
-        <p:sp>
-          <p:nvSpPr>
-            <p:cNvPr id="15" name="TextBox 14">
-              <a:extLst>
-                <a:ext uri="{FF2B5EF4-FFF2-40B4-BE49-F238E27FC236}">
-                  <a16:creationId xmlns:a16="http://schemas.microsoft.com/office/drawing/2014/main" id="{D7C966B2-F2C4-84CB-4861-9B58F4BA1423}"/>
-                </a:ext>
-              </a:extLst>
-            </p:cNvPr>
-            <p:cNvSpPr txBox="1"/>
-            <p:nvPr/>
-          </p:nvSpPr>
-          <p:spPr>
-            <a:xfrm>
-              <a:off x="7852374" y="4121794"/>
-              <a:ext cx="1059325" cy="276999"/>
-            </a:xfrm>
-            <a:prstGeom prst="rect">
-              <a:avLst/>
-            </a:prstGeom>
-            <a:noFill/>
-          </p:spPr>
-          <p:txBody>
-            <a:bodyPr wrap="square">
-              <a:spAutoFit/>
-            </a:bodyPr>
-            <a:lstStyle/>
-            <a:p>
-              <a:r>
-                <a:rPr lang="en-US" altLang="zh-CN" sz="1200" dirty="0"/>
-                <a:t>Amino</a:t>
-              </a:r>
-              <a:r>
-                <a:rPr lang="zh-CN" altLang="en-US" sz="1200" dirty="0"/>
-                <a:t> </a:t>
-              </a:r>
-              <a:r>
-                <a:rPr lang="en-US" altLang="zh-CN" sz="1200" dirty="0"/>
-                <a:t>Acid</a:t>
-              </a:r>
-              <a:endParaRPr lang="en-US" sz="1200" dirty="0"/>
             </a:p>
           </p:txBody>
         </p:sp>
@@ -8283,7 +7976,7 @@
         <p:spPr>
           <a:xfrm>
             <a:off x="1733549" y="1756173"/>
-            <a:ext cx="3379427" cy="3350402"/>
+            <a:ext cx="3462844" cy="3350402"/>
           </a:xfrm>
           <a:prstGeom prst="rect">
             <a:avLst/>
@@ -8762,7 +8455,7 @@
         </p:nvSpPr>
         <p:spPr>
           <a:xfrm>
-            <a:off x="2350444" y="2964327"/>
+            <a:off x="2402404" y="2964327"/>
             <a:ext cx="699872" cy="276999"/>
           </a:xfrm>
           <a:prstGeom prst="rect">
@@ -8803,7 +8496,7 @@
         </p:nvSpPr>
         <p:spPr>
           <a:xfrm>
-            <a:off x="2750478" y="2653270"/>
+            <a:off x="2780136" y="2653270"/>
             <a:ext cx="570990" cy="276999"/>
           </a:xfrm>
           <a:prstGeom prst="rect">
@@ -8844,8 +8537,8 @@
         </p:nvSpPr>
         <p:spPr>
           <a:xfrm>
-            <a:off x="2115780" y="3812395"/>
-            <a:ext cx="1289264" cy="461665"/>
+            <a:off x="2416044" y="3815873"/>
+            <a:ext cx="990977" cy="646331"/>
           </a:xfrm>
           <a:prstGeom prst="rect">
             <a:avLst/>
@@ -8867,7 +8560,40 @@
                 <a:latin typeface="Calibri" panose="020F0502020204030204" pitchFamily="34" charset="0"/>
                 <a:cs typeface="Calibri" panose="020F0502020204030204" pitchFamily="34" charset="0"/>
               </a:rPr>
-              <a:t>Ribosome, RNAP, </a:t>
+              <a:t>Ribosome,</a:t>
+            </a:r>
+          </a:p>
+          <a:p>
+            <a:pPr algn="ctr"/>
+            <a:r>
+              <a:rPr lang="en-US" sz="1000" b="1" dirty="0">
+                <a:solidFill>
+                  <a:schemeClr val="bg1"/>
+                </a:solidFill>
+                <a:latin typeface="Calibri" panose="020F0502020204030204" pitchFamily="34" charset="0"/>
+                <a:cs typeface="Calibri" panose="020F0502020204030204" pitchFamily="34" charset="0"/>
+              </a:rPr>
+              <a:t>Degradosome</a:t>
+            </a:r>
+            <a:r>
+              <a:rPr lang="en-US" sz="1000" dirty="0">
+                <a:solidFill>
+                  <a:schemeClr val="bg1"/>
+                </a:solidFill>
+                <a:latin typeface="Calibri" panose="020F0502020204030204" pitchFamily="34" charset="0"/>
+                <a:cs typeface="Calibri" panose="020F0502020204030204" pitchFamily="34" charset="0"/>
+              </a:rPr>
+              <a:t>,</a:t>
+            </a:r>
+            <a:r>
+              <a:rPr lang="en-US" sz="1200" dirty="0">
+                <a:solidFill>
+                  <a:schemeClr val="bg1"/>
+                </a:solidFill>
+                <a:latin typeface="Calibri" panose="020F0502020204030204" pitchFamily="34" charset="0"/>
+                <a:cs typeface="Calibri" panose="020F0502020204030204" pitchFamily="34" charset="0"/>
+              </a:rPr>
+              <a:t> </a:t>
             </a:r>
             <a:br>
               <a:rPr lang="en-US" sz="1200" dirty="0">
@@ -8886,7 +8612,7 @@
                 <a:latin typeface="Calibri" panose="020F0502020204030204" pitchFamily="34" charset="0"/>
                 <a:cs typeface="Calibri" panose="020F0502020204030204" pitchFamily="34" charset="0"/>
               </a:rPr>
-              <a:t>Degradosome</a:t>
+              <a:t>RNAP</a:t>
             </a:r>
           </a:p>
         </p:txBody>
@@ -8908,13 +8634,13 @@
         </p:nvCxnSpPr>
         <p:spPr>
           <a:xfrm>
-            <a:off x="3035973" y="2930269"/>
+            <a:off x="3065631" y="2930269"/>
             <a:ext cx="0" cy="907813"/>
           </a:xfrm>
           <a:prstGeom prst="straightConnector1">
             <a:avLst/>
           </a:prstGeom>
-          <a:ln>
+          <a:ln w="19050">
             <a:solidFill>
               <a:schemeClr val="bg1"/>
             </a:solidFill>
@@ -8953,13 +8679,13 @@
         </p:nvCxnSpPr>
         <p:spPr>
           <a:xfrm rot="16200000" flipH="1">
-            <a:off x="2763937" y="3177769"/>
+            <a:off x="2815897" y="3177769"/>
             <a:ext cx="194875" cy="321988"/>
           </a:xfrm>
           <a:prstGeom prst="bentConnector2">
             <a:avLst/>
           </a:prstGeom>
-          <a:ln>
+          <a:ln w="19050">
             <a:solidFill>
               <a:schemeClr val="bg1"/>
             </a:solidFill>
@@ -8994,8 +8720,8 @@
         </p:nvSpPr>
         <p:spPr>
           <a:xfrm>
-            <a:off x="1959877" y="3308222"/>
-            <a:ext cx="790601" cy="461665"/>
+            <a:off x="1920619" y="3164343"/>
+            <a:ext cx="891591" cy="523220"/>
           </a:xfrm>
           <a:prstGeom prst="rect">
             <a:avLst/>
@@ -9010,7 +8736,7 @@
           <a:p>
             <a:pPr algn="ctr"/>
             <a:r>
-              <a:rPr lang="en-US" sz="1200" b="1" i="1" dirty="0">
+              <a:rPr lang="en-US" sz="1400" b="1" i="1" dirty="0">
                 <a:solidFill>
                   <a:schemeClr val="bg1"/>
                 </a:solidFill>
@@ -9023,7 +8749,7 @@
           <a:p>
             <a:pPr algn="ctr"/>
             <a:r>
-              <a:rPr lang="en-US" sz="1200" b="1" i="1" dirty="0">
+              <a:rPr lang="en-US" sz="1400" b="1" i="1" dirty="0">
                 <a:solidFill>
                   <a:schemeClr val="bg1"/>
                 </a:solidFill>
@@ -9108,7 +8834,7 @@
           <a:prstGeom prst="straightConnector1">
             <a:avLst/>
           </a:prstGeom>
-          <a:ln>
+          <a:ln w="19050">
             <a:solidFill>
               <a:schemeClr val="bg1"/>
             </a:solidFill>

--- a/CME/figs/figs_WCM/figs_WCM.pptx
+++ b/CME/figs/figs_WCM/figs_WCM.pptx
@@ -125,7 +125,7 @@
 <file path=ppt/revisionInfo.xml><?xml version="1.0" encoding="utf-8"?>
 <p1510:revInfo xmlns:a="http://schemas.openxmlformats.org/drawingml/2006/main" xmlns:r="http://schemas.openxmlformats.org/officeDocument/2006/relationships" xmlns:p1510="http://schemas.microsoft.com/office/powerpoint/2015/10/main">
   <p1510:revLst>
-    <p1510:client id="{3538FE26-223B-1D46-BF3C-6AF32D14471A}" v="6" dt="2025-07-12T18:57:58.795"/>
+    <p1510:client id="{3538FE26-223B-1D46-BF3C-6AF32D14471A}" v="11" dt="2025-07-13T16:35:35.849"/>
   </p1510:revLst>
 </p1510:revInfo>
 </file>
@@ -134,8 +134,8 @@
 <pc:chgInfo xmlns:a="http://schemas.openxmlformats.org/drawingml/2006/main" xmlns:r="http://schemas.openxmlformats.org/officeDocument/2006/relationships" xmlns:ac="http://schemas.microsoft.com/office/drawing/2013/main/command" xmlns:pc="http://schemas.microsoft.com/office/powerpoint/2013/main/command">
   <pc:docChgLst>
     <pc:chgData name="Fu, Enguang" userId="0a9dcee4-6405-40fd-bb42-dd19fc94bec1" providerId="ADAL" clId="{3538FE26-223B-1D46-BF3C-6AF32D14471A}"/>
-    <pc:docChg chg="undo custSel addSld modSld">
-      <pc:chgData name="Fu, Enguang" userId="0a9dcee4-6405-40fd-bb42-dd19fc94bec1" providerId="ADAL" clId="{3538FE26-223B-1D46-BF3C-6AF32D14471A}" dt="2025-07-12T18:59:20.106" v="93" actId="14100"/>
+    <pc:docChg chg="undo custSel addSld delSld modSld">
+      <pc:chgData name="Fu, Enguang" userId="0a9dcee4-6405-40fd-bb42-dd19fc94bec1" providerId="ADAL" clId="{3538FE26-223B-1D46-BF3C-6AF32D14471A}" dt="2025-07-13T16:36:18.827" v="280" actId="20577"/>
       <pc:docMkLst>
         <pc:docMk/>
       </pc:docMkLst>
@@ -171,7 +171,7 @@
         </pc:grpChg>
       </pc:sldChg>
       <pc:sldChg chg="addSp delSp modSp mod">
-        <pc:chgData name="Fu, Enguang" userId="0a9dcee4-6405-40fd-bb42-dd19fc94bec1" providerId="ADAL" clId="{3538FE26-223B-1D46-BF3C-6AF32D14471A}" dt="2025-07-12T18:50:32.669" v="58" actId="14100"/>
+        <pc:chgData name="Fu, Enguang" userId="0a9dcee4-6405-40fd-bb42-dd19fc94bec1" providerId="ADAL" clId="{3538FE26-223B-1D46-BF3C-6AF32D14471A}" dt="2025-07-13T16:35:51.737" v="271" actId="1036"/>
         <pc:sldMkLst>
           <pc:docMk/>
           <pc:sldMk cId="1824931327" sldId="265"/>
@@ -201,7 +201,7 @@
           </ac:spMkLst>
         </pc:spChg>
         <pc:spChg chg="mod">
-          <ac:chgData name="Fu, Enguang" userId="0a9dcee4-6405-40fd-bb42-dd19fc94bec1" providerId="ADAL" clId="{3538FE26-223B-1D46-BF3C-6AF32D14471A}" dt="2025-07-12T18:50:11.428" v="57" actId="1076"/>
+          <ac:chgData name="Fu, Enguang" userId="0a9dcee4-6405-40fd-bb42-dd19fc94bec1" providerId="ADAL" clId="{3538FE26-223B-1D46-BF3C-6AF32D14471A}" dt="2025-07-13T16:34:18.875" v="236" actId="1076"/>
           <ac:spMkLst>
             <pc:docMk/>
             <pc:sldMk cId="1824931327" sldId="265"/>
@@ -209,7 +209,7 @@
           </ac:spMkLst>
         </pc:spChg>
         <pc:spChg chg="add mod">
-          <ac:chgData name="Fu, Enguang" userId="0a9dcee4-6405-40fd-bb42-dd19fc94bec1" providerId="ADAL" clId="{3538FE26-223B-1D46-BF3C-6AF32D14471A}" dt="2025-07-12T18:50:11.428" v="57" actId="1076"/>
+          <ac:chgData name="Fu, Enguang" userId="0a9dcee4-6405-40fd-bb42-dd19fc94bec1" providerId="ADAL" clId="{3538FE26-223B-1D46-BF3C-6AF32D14471A}" dt="2025-07-13T16:35:09.845" v="256" actId="1076"/>
           <ac:spMkLst>
             <pc:docMk/>
             <pc:sldMk cId="1824931327" sldId="265"/>
@@ -217,7 +217,7 @@
           </ac:spMkLst>
         </pc:spChg>
         <pc:spChg chg="add mod">
-          <ac:chgData name="Fu, Enguang" userId="0a9dcee4-6405-40fd-bb42-dd19fc94bec1" providerId="ADAL" clId="{3538FE26-223B-1D46-BF3C-6AF32D14471A}" dt="2025-07-12T18:50:11.428" v="57" actId="1076"/>
+          <ac:chgData name="Fu, Enguang" userId="0a9dcee4-6405-40fd-bb42-dd19fc94bec1" providerId="ADAL" clId="{3538FE26-223B-1D46-BF3C-6AF32D14471A}" dt="2025-07-13T16:34:52.609" v="252" actId="688"/>
           <ac:spMkLst>
             <pc:docMk/>
             <pc:sldMk cId="1824931327" sldId="265"/>
@@ -225,7 +225,7 @@
           </ac:spMkLst>
         </pc:spChg>
         <pc:spChg chg="add mod">
-          <ac:chgData name="Fu, Enguang" userId="0a9dcee4-6405-40fd-bb42-dd19fc94bec1" providerId="ADAL" clId="{3538FE26-223B-1D46-BF3C-6AF32D14471A}" dt="2025-07-12T18:50:11.428" v="57" actId="1076"/>
+          <ac:chgData name="Fu, Enguang" userId="0a9dcee4-6405-40fd-bb42-dd19fc94bec1" providerId="ADAL" clId="{3538FE26-223B-1D46-BF3C-6AF32D14471A}" dt="2025-07-13T16:35:03.142" v="255" actId="1076"/>
           <ac:spMkLst>
             <pc:docMk/>
             <pc:sldMk cId="1824931327" sldId="265"/>
@@ -233,7 +233,7 @@
           </ac:spMkLst>
         </pc:spChg>
         <pc:spChg chg="add mod">
-          <ac:chgData name="Fu, Enguang" userId="0a9dcee4-6405-40fd-bb42-dd19fc94bec1" providerId="ADAL" clId="{3538FE26-223B-1D46-BF3C-6AF32D14471A}" dt="2025-07-12T18:50:11.428" v="57" actId="1076"/>
+          <ac:chgData name="Fu, Enguang" userId="0a9dcee4-6405-40fd-bb42-dd19fc94bec1" providerId="ADAL" clId="{3538FE26-223B-1D46-BF3C-6AF32D14471A}" dt="2025-07-13T16:34:14.442" v="235" actId="1076"/>
           <ac:spMkLst>
             <pc:docMk/>
             <pc:sldMk cId="1824931327" sldId="265"/>
@@ -241,7 +241,7 @@
           </ac:spMkLst>
         </pc:spChg>
         <pc:spChg chg="mod">
-          <ac:chgData name="Fu, Enguang" userId="0a9dcee4-6405-40fd-bb42-dd19fc94bec1" providerId="ADAL" clId="{3538FE26-223B-1D46-BF3C-6AF32D14471A}" dt="2025-07-12T18:50:32.669" v="58" actId="14100"/>
+          <ac:chgData name="Fu, Enguang" userId="0a9dcee4-6405-40fd-bb42-dd19fc94bec1" providerId="ADAL" clId="{3538FE26-223B-1D46-BF3C-6AF32D14471A}" dt="2025-07-13T16:34:42.026" v="243" actId="1076"/>
           <ac:spMkLst>
             <pc:docMk/>
             <pc:sldMk cId="1824931327" sldId="265"/>
@@ -336,6 +336,38 @@
             <ac:picMk id="12" creationId="{D63053FD-7CE0-3711-A0FC-1204AA11F28E}"/>
           </ac:picMkLst>
         </pc:picChg>
+        <pc:cxnChg chg="add mod">
+          <ac:chgData name="Fu, Enguang" userId="0a9dcee4-6405-40fd-bb42-dd19fc94bec1" providerId="ADAL" clId="{3538FE26-223B-1D46-BF3C-6AF32D14471A}" dt="2025-07-13T16:35:51.737" v="271" actId="1036"/>
+          <ac:cxnSpMkLst>
+            <pc:docMk/>
+            <pc:sldMk cId="1824931327" sldId="265"/>
+            <ac:cxnSpMk id="3" creationId="{F1182B19-A460-D83F-7B43-F76B24AABE30}"/>
+          </ac:cxnSpMkLst>
+        </pc:cxnChg>
+        <pc:cxnChg chg="add del mod">
+          <ac:chgData name="Fu, Enguang" userId="0a9dcee4-6405-40fd-bb42-dd19fc94bec1" providerId="ADAL" clId="{3538FE26-223B-1D46-BF3C-6AF32D14471A}" dt="2025-07-13T16:31:07.799" v="105" actId="478"/>
+          <ac:cxnSpMkLst>
+            <pc:docMk/>
+            <pc:sldMk cId="1824931327" sldId="265"/>
+            <ac:cxnSpMk id="6" creationId="{9C288E9E-31E9-9BF6-48E2-7777FB87E1C7}"/>
+          </ac:cxnSpMkLst>
+        </pc:cxnChg>
+        <pc:cxnChg chg="add mod">
+          <ac:chgData name="Fu, Enguang" userId="0a9dcee4-6405-40fd-bb42-dd19fc94bec1" providerId="ADAL" clId="{3538FE26-223B-1D46-BF3C-6AF32D14471A}" dt="2025-07-13T16:35:49.812" v="270" actId="1035"/>
+          <ac:cxnSpMkLst>
+            <pc:docMk/>
+            <pc:sldMk cId="1824931327" sldId="265"/>
+            <ac:cxnSpMk id="10" creationId="{D1FC5FD0-E467-9187-B16B-1F19F817995F}"/>
+          </ac:cxnSpMkLst>
+        </pc:cxnChg>
+        <pc:cxnChg chg="add mod">
+          <ac:chgData name="Fu, Enguang" userId="0a9dcee4-6405-40fd-bb42-dd19fc94bec1" providerId="ADAL" clId="{3538FE26-223B-1D46-BF3C-6AF32D14471A}" dt="2025-07-13T16:34:45.101" v="246" actId="1037"/>
+          <ac:cxnSpMkLst>
+            <pc:docMk/>
+            <pc:sldMk cId="1824931327" sldId="265"/>
+            <ac:cxnSpMk id="19" creationId="{DEBAAAEC-254D-6C88-888B-7D2010F227BA}"/>
+          </ac:cxnSpMkLst>
+        </pc:cxnChg>
         <pc:cxnChg chg="del mod">
           <ac:chgData name="Fu, Enguang" userId="0a9dcee4-6405-40fd-bb42-dd19fc94bec1" providerId="ADAL" clId="{3538FE26-223B-1D46-BF3C-6AF32D14471A}" dt="2025-07-12T18:49:51.091" v="44" actId="478"/>
           <ac:cxnSpMkLst>
@@ -362,37 +394,53 @@
         </pc:cxnChg>
       </pc:sldChg>
       <pc:sldChg chg="addSp delSp modSp new mod">
-        <pc:chgData name="Fu, Enguang" userId="0a9dcee4-6405-40fd-bb42-dd19fc94bec1" providerId="ADAL" clId="{3538FE26-223B-1D46-BF3C-6AF32D14471A}" dt="2025-07-12T18:59:20.106" v="93" actId="14100"/>
+        <pc:chgData name="Fu, Enguang" userId="0a9dcee4-6405-40fd-bb42-dd19fc94bec1" providerId="ADAL" clId="{3538FE26-223B-1D46-BF3C-6AF32D14471A}" dt="2025-07-13T16:36:18.827" v="280" actId="20577"/>
         <pc:sldMkLst>
           <pc:docMk/>
           <pc:sldMk cId="2713148803" sldId="266"/>
         </pc:sldMkLst>
-        <pc:spChg chg="add mod">
-          <ac:chgData name="Fu, Enguang" userId="0a9dcee4-6405-40fd-bb42-dd19fc94bec1" providerId="ADAL" clId="{3538FE26-223B-1D46-BF3C-6AF32D14471A}" dt="2025-07-12T18:45:22.589" v="1"/>
+        <pc:spChg chg="del">
+          <ac:chgData name="Fu, Enguang" userId="0a9dcee4-6405-40fd-bb42-dd19fc94bec1" providerId="ADAL" clId="{3538FE26-223B-1D46-BF3C-6AF32D14471A}" dt="2025-07-13T16:35:33.454" v="264" actId="478"/>
+          <ac:spMkLst>
+            <pc:docMk/>
+            <pc:sldMk cId="2713148803" sldId="266"/>
+            <ac:spMk id="3" creationId="{125D6EAD-E6CB-EA3A-EFBA-27281C2D1D9D}"/>
+          </ac:spMkLst>
+        </pc:spChg>
+        <pc:spChg chg="del">
+          <ac:chgData name="Fu, Enguang" userId="0a9dcee4-6405-40fd-bb42-dd19fc94bec1" providerId="ADAL" clId="{3538FE26-223B-1D46-BF3C-6AF32D14471A}" dt="2025-07-13T16:35:34.819" v="265" actId="478"/>
+          <ac:spMkLst>
+            <pc:docMk/>
+            <pc:sldMk cId="2713148803" sldId="266"/>
+            <ac:spMk id="4" creationId="{59F3D829-7B92-FFF8-0A7F-9CFB12C4CBE0}"/>
+          </ac:spMkLst>
+        </pc:spChg>
+        <pc:spChg chg="add del mod">
+          <ac:chgData name="Fu, Enguang" userId="0a9dcee4-6405-40fd-bb42-dd19fc94bec1" providerId="ADAL" clId="{3538FE26-223B-1D46-BF3C-6AF32D14471A}" dt="2025-07-13T16:35:28.880" v="260" actId="478"/>
           <ac:spMkLst>
             <pc:docMk/>
             <pc:sldMk cId="2713148803" sldId="266"/>
             <ac:spMk id="5" creationId="{1C1F519D-3FEB-CE35-FE39-360D614D7686}"/>
           </ac:spMkLst>
         </pc:spChg>
-        <pc:spChg chg="add mod">
-          <ac:chgData name="Fu, Enguang" userId="0a9dcee4-6405-40fd-bb42-dd19fc94bec1" providerId="ADAL" clId="{3538FE26-223B-1D46-BF3C-6AF32D14471A}" dt="2025-07-12T18:45:22.589" v="1"/>
+        <pc:spChg chg="add del mod">
+          <ac:chgData name="Fu, Enguang" userId="0a9dcee4-6405-40fd-bb42-dd19fc94bec1" providerId="ADAL" clId="{3538FE26-223B-1D46-BF3C-6AF32D14471A}" dt="2025-07-13T16:35:32.630" v="263" actId="478"/>
           <ac:spMkLst>
             <pc:docMk/>
             <pc:sldMk cId="2713148803" sldId="266"/>
             <ac:spMk id="6" creationId="{10A50EC9-7371-236A-9CD6-1378681FEC70}"/>
           </ac:spMkLst>
         </pc:spChg>
-        <pc:spChg chg="add mod">
-          <ac:chgData name="Fu, Enguang" userId="0a9dcee4-6405-40fd-bb42-dd19fc94bec1" providerId="ADAL" clId="{3538FE26-223B-1D46-BF3C-6AF32D14471A}" dt="2025-07-12T18:45:22.589" v="1"/>
+        <pc:spChg chg="add del mod">
+          <ac:chgData name="Fu, Enguang" userId="0a9dcee4-6405-40fd-bb42-dd19fc94bec1" providerId="ADAL" clId="{3538FE26-223B-1D46-BF3C-6AF32D14471A}" dt="2025-07-13T16:35:26.056" v="257" actId="478"/>
           <ac:spMkLst>
             <pc:docMk/>
             <pc:sldMk cId="2713148803" sldId="266"/>
             <ac:spMk id="7" creationId="{3FF25DEF-A790-D525-F089-E5CAD31C2EFC}"/>
           </ac:spMkLst>
         </pc:spChg>
-        <pc:spChg chg="add mod">
-          <ac:chgData name="Fu, Enguang" userId="0a9dcee4-6405-40fd-bb42-dd19fc94bec1" providerId="ADAL" clId="{3538FE26-223B-1D46-BF3C-6AF32D14471A}" dt="2025-07-12T18:45:22.589" v="1"/>
+        <pc:spChg chg="add del mod">
+          <ac:chgData name="Fu, Enguang" userId="0a9dcee4-6405-40fd-bb42-dd19fc94bec1" providerId="ADAL" clId="{3538FE26-223B-1D46-BF3C-6AF32D14471A}" dt="2025-07-13T16:35:27.877" v="259" actId="478"/>
           <ac:spMkLst>
             <pc:docMk/>
             <pc:sldMk cId="2713148803" sldId="266"/>
@@ -456,6 +504,22 @@
           </ac:spMkLst>
         </pc:spChg>
         <pc:spChg chg="add mod">
+          <ac:chgData name="Fu, Enguang" userId="0a9dcee4-6405-40fd-bb42-dd19fc94bec1" providerId="ADAL" clId="{3538FE26-223B-1D46-BF3C-6AF32D14471A}" dt="2025-07-13T16:35:41.877" v="267" actId="1076"/>
+          <ac:spMkLst>
+            <pc:docMk/>
+            <pc:sldMk cId="2713148803" sldId="266"/>
+            <ac:spMk id="20" creationId="{813634BD-4D18-4799-4859-296BFBBF5507}"/>
+          </ac:spMkLst>
+        </pc:spChg>
+        <pc:spChg chg="add mod">
+          <ac:chgData name="Fu, Enguang" userId="0a9dcee4-6405-40fd-bb42-dd19fc94bec1" providerId="ADAL" clId="{3538FE26-223B-1D46-BF3C-6AF32D14471A}" dt="2025-07-13T16:35:41.877" v="267" actId="1076"/>
+          <ac:spMkLst>
+            <pc:docMk/>
+            <pc:sldMk cId="2713148803" sldId="266"/>
+            <ac:spMk id="21" creationId="{468D1AA2-91A2-DE8F-3E20-717B7E1E30F6}"/>
+          </ac:spMkLst>
+        </pc:spChg>
+        <pc:spChg chg="add mod">
           <ac:chgData name="Fu, Enguang" userId="0a9dcee4-6405-40fd-bb42-dd19fc94bec1" providerId="ADAL" clId="{3538FE26-223B-1D46-BF3C-6AF32D14471A}" dt="2025-07-12T18:45:47.005" v="2"/>
           <ac:spMkLst>
             <pc:docMk/>
@@ -464,11 +528,35 @@
           </ac:spMkLst>
         </pc:spChg>
         <pc:spChg chg="add mod">
+          <ac:chgData name="Fu, Enguang" userId="0a9dcee4-6405-40fd-bb42-dd19fc94bec1" providerId="ADAL" clId="{3538FE26-223B-1D46-BF3C-6AF32D14471A}" dt="2025-07-13T16:35:41.877" v="267" actId="1076"/>
+          <ac:spMkLst>
+            <pc:docMk/>
+            <pc:sldMk cId="2713148803" sldId="266"/>
+            <ac:spMk id="22" creationId="{3C3885D1-760B-B92B-581D-28A0CC808927}"/>
+          </ac:spMkLst>
+        </pc:spChg>
+        <pc:spChg chg="add mod">
           <ac:chgData name="Fu, Enguang" userId="0a9dcee4-6405-40fd-bb42-dd19fc94bec1" providerId="ADAL" clId="{3538FE26-223B-1D46-BF3C-6AF32D14471A}" dt="2025-07-12T18:45:47.005" v="2"/>
           <ac:spMkLst>
             <pc:docMk/>
             <pc:sldMk cId="2713148803" sldId="266"/>
             <ac:spMk id="22" creationId="{5B816E3D-2F8B-072B-13F9-16F0E85186AD}"/>
+          </ac:spMkLst>
+        </pc:spChg>
+        <pc:spChg chg="add mod">
+          <ac:chgData name="Fu, Enguang" userId="0a9dcee4-6405-40fd-bb42-dd19fc94bec1" providerId="ADAL" clId="{3538FE26-223B-1D46-BF3C-6AF32D14471A}" dt="2025-07-13T16:35:41.877" v="267" actId="1076"/>
+          <ac:spMkLst>
+            <pc:docMk/>
+            <pc:sldMk cId="2713148803" sldId="266"/>
+            <ac:spMk id="23" creationId="{229E5509-5DFC-EF58-99C6-EC43ED19BA36}"/>
+          </ac:spMkLst>
+        </pc:spChg>
+        <pc:spChg chg="add mod">
+          <ac:chgData name="Fu, Enguang" userId="0a9dcee4-6405-40fd-bb42-dd19fc94bec1" providerId="ADAL" clId="{3538FE26-223B-1D46-BF3C-6AF32D14471A}" dt="2025-07-13T16:35:41.877" v="267" actId="1076"/>
+          <ac:spMkLst>
+            <pc:docMk/>
+            <pc:sldMk cId="2713148803" sldId="266"/>
+            <ac:spMk id="24" creationId="{BDFFE421-37F1-2E9F-DBFD-50F917A1BA68}"/>
           </ac:spMkLst>
         </pc:spChg>
         <pc:spChg chg="add mod">
@@ -485,6 +573,14 @@
             <pc:docMk/>
             <pc:sldMk cId="2713148803" sldId="266"/>
             <ac:spMk id="25" creationId="{802E3F1E-8EB2-FB4E-55CF-9A561F76C525}"/>
+          </ac:spMkLst>
+        </pc:spChg>
+        <pc:spChg chg="add mod">
+          <ac:chgData name="Fu, Enguang" userId="0a9dcee4-6405-40fd-bb42-dd19fc94bec1" providerId="ADAL" clId="{3538FE26-223B-1D46-BF3C-6AF32D14471A}" dt="2025-07-13T16:36:18.827" v="280" actId="20577"/>
+          <ac:spMkLst>
+            <pc:docMk/>
+            <pc:sldMk cId="2713148803" sldId="266"/>
+            <ac:spMk id="25" creationId="{A3780CA0-FD5A-0E5E-EE9D-DA5CAA8FB98B}"/>
           </ac:spMkLst>
         </pc:spChg>
         <pc:spChg chg="add mod">
@@ -536,7 +632,7 @@
           </ac:spMkLst>
         </pc:spChg>
         <pc:spChg chg="add del mod modVis">
-          <ac:chgData name="Fu, Enguang" userId="0a9dcee4-6405-40fd-bb42-dd19fc94bec1" providerId="ADAL" clId="{3538FE26-223B-1D46-BF3C-6AF32D14471A}" dt="2025-07-12T18:59:20.106" v="93" actId="14100"/>
+          <ac:chgData name="Fu, Enguang" userId="0a9dcee4-6405-40fd-bb42-dd19fc94bec1" providerId="ADAL" clId="{3538FE26-223B-1D46-BF3C-6AF32D14471A}" dt="2025-07-13T16:35:31.083" v="262" actId="478"/>
           <ac:spMkLst>
             <pc:docMk/>
             <pc:sldMk cId="2713148803" sldId="266"/>
@@ -575,6 +671,117 @@
             <ac:cxnSpMk id="18" creationId="{061C064B-A3C2-695F-030F-940C55B4AC2A}"/>
           </ac:cxnSpMkLst>
         </pc:cxnChg>
+        <pc:cxnChg chg="add mod">
+          <ac:chgData name="Fu, Enguang" userId="0a9dcee4-6405-40fd-bb42-dd19fc94bec1" providerId="ADAL" clId="{3538FE26-223B-1D46-BF3C-6AF32D14471A}" dt="2025-07-13T16:35:46.364" v="269" actId="1036"/>
+          <ac:cxnSpMkLst>
+            <pc:docMk/>
+            <pc:sldMk cId="2713148803" sldId="266"/>
+            <ac:cxnSpMk id="26" creationId="{67F8192F-1ADD-6E7A-9B5A-3C03482408A5}"/>
+          </ac:cxnSpMkLst>
+        </pc:cxnChg>
+        <pc:cxnChg chg="add mod">
+          <ac:chgData name="Fu, Enguang" userId="0a9dcee4-6405-40fd-bb42-dd19fc94bec1" providerId="ADAL" clId="{3538FE26-223B-1D46-BF3C-6AF32D14471A}" dt="2025-07-13T16:35:43.850" v="268" actId="1035"/>
+          <ac:cxnSpMkLst>
+            <pc:docMk/>
+            <pc:sldMk cId="2713148803" sldId="266"/>
+            <ac:cxnSpMk id="27" creationId="{4C6143CD-C085-88C2-BA02-E89E41A1DF95}"/>
+          </ac:cxnSpMkLst>
+        </pc:cxnChg>
+        <pc:cxnChg chg="add mod">
+          <ac:chgData name="Fu, Enguang" userId="0a9dcee4-6405-40fd-bb42-dd19fc94bec1" providerId="ADAL" clId="{3538FE26-223B-1D46-BF3C-6AF32D14471A}" dt="2025-07-13T16:35:41.877" v="267" actId="1076"/>
+          <ac:cxnSpMkLst>
+            <pc:docMk/>
+            <pc:sldMk cId="2713148803" sldId="266"/>
+            <ac:cxnSpMk id="28" creationId="{89BC9010-0B88-57FB-F1A7-63E898BE2928}"/>
+          </ac:cxnSpMkLst>
+        </pc:cxnChg>
+      </pc:sldChg>
+      <pc:sldChg chg="addSp modSp new del">
+        <pc:chgData name="Fu, Enguang" userId="0a9dcee4-6405-40fd-bb42-dd19fc94bec1" providerId="ADAL" clId="{3538FE26-223B-1D46-BF3C-6AF32D14471A}" dt="2025-07-12T20:16:27.553" v="96" actId="680"/>
+        <pc:sldMkLst>
+          <pc:docMk/>
+          <pc:sldMk cId="2166505979" sldId="267"/>
+        </pc:sldMkLst>
+        <pc:spChg chg="add mod">
+          <ac:chgData name="Fu, Enguang" userId="0a9dcee4-6405-40fd-bb42-dd19fc94bec1" providerId="ADAL" clId="{3538FE26-223B-1D46-BF3C-6AF32D14471A}" dt="2025-07-12T20:16:12.132" v="95"/>
+          <ac:spMkLst>
+            <pc:docMk/>
+            <pc:sldMk cId="2166505979" sldId="267"/>
+            <ac:spMk id="2" creationId="{50E663C8-C20E-C68E-A239-E39F4FAACA53}"/>
+          </ac:spMkLst>
+        </pc:spChg>
+        <pc:spChg chg="add mod">
+          <ac:chgData name="Fu, Enguang" userId="0a9dcee4-6405-40fd-bb42-dd19fc94bec1" providerId="ADAL" clId="{3538FE26-223B-1D46-BF3C-6AF32D14471A}" dt="2025-07-12T20:16:12.132" v="95"/>
+          <ac:spMkLst>
+            <pc:docMk/>
+            <pc:sldMk cId="2166505979" sldId="267"/>
+            <ac:spMk id="5" creationId="{13EA1DEC-6FBA-1B7F-7DA8-D1ECFEC2ACAA}"/>
+          </ac:spMkLst>
+        </pc:spChg>
+        <pc:spChg chg="add mod">
+          <ac:chgData name="Fu, Enguang" userId="0a9dcee4-6405-40fd-bb42-dd19fc94bec1" providerId="ADAL" clId="{3538FE26-223B-1D46-BF3C-6AF32D14471A}" dt="2025-07-12T20:16:12.132" v="95"/>
+          <ac:spMkLst>
+            <pc:docMk/>
+            <pc:sldMk cId="2166505979" sldId="267"/>
+            <ac:spMk id="6" creationId="{7D1D9560-E83F-3647-6E80-49D0E755BAA8}"/>
+          </ac:spMkLst>
+        </pc:spChg>
+        <pc:spChg chg="add mod">
+          <ac:chgData name="Fu, Enguang" userId="0a9dcee4-6405-40fd-bb42-dd19fc94bec1" providerId="ADAL" clId="{3538FE26-223B-1D46-BF3C-6AF32D14471A}" dt="2025-07-12T20:16:12.132" v="95"/>
+          <ac:spMkLst>
+            <pc:docMk/>
+            <pc:sldMk cId="2166505979" sldId="267"/>
+            <ac:spMk id="7" creationId="{BD4BA6F5-2301-C09D-8EF3-44C5584EDAEA}"/>
+          </ac:spMkLst>
+        </pc:spChg>
+        <pc:spChg chg="add mod">
+          <ac:chgData name="Fu, Enguang" userId="0a9dcee4-6405-40fd-bb42-dd19fc94bec1" providerId="ADAL" clId="{3538FE26-223B-1D46-BF3C-6AF32D14471A}" dt="2025-07-12T20:16:12.132" v="95"/>
+          <ac:spMkLst>
+            <pc:docMk/>
+            <pc:sldMk cId="2166505979" sldId="267"/>
+            <ac:spMk id="9" creationId="{EAED3B47-8E4F-48F3-B456-B9317BA72F68}"/>
+          </ac:spMkLst>
+        </pc:spChg>
+        <pc:spChg chg="add mod">
+          <ac:chgData name="Fu, Enguang" userId="0a9dcee4-6405-40fd-bb42-dd19fc94bec1" providerId="ADAL" clId="{3538FE26-223B-1D46-BF3C-6AF32D14471A}" dt="2025-07-12T20:16:12.132" v="95"/>
+          <ac:spMkLst>
+            <pc:docMk/>
+            <pc:sldMk cId="2166505979" sldId="267"/>
+            <ac:spMk id="11" creationId="{AF2F6FFB-EAD6-A31F-4466-996EAA45B7C0}"/>
+          </ac:spMkLst>
+        </pc:spChg>
+        <pc:spChg chg="add mod">
+          <ac:chgData name="Fu, Enguang" userId="0a9dcee4-6405-40fd-bb42-dd19fc94bec1" providerId="ADAL" clId="{3538FE26-223B-1D46-BF3C-6AF32D14471A}" dt="2025-07-12T20:16:12.132" v="95"/>
+          <ac:spMkLst>
+            <pc:docMk/>
+            <pc:sldMk cId="2166505979" sldId="267"/>
+            <ac:spMk id="12" creationId="{BFFA140A-2EFD-96D6-73CE-71D2D7394FD6}"/>
+          </ac:spMkLst>
+        </pc:spChg>
+        <pc:spChg chg="add mod">
+          <ac:chgData name="Fu, Enguang" userId="0a9dcee4-6405-40fd-bb42-dd19fc94bec1" providerId="ADAL" clId="{3538FE26-223B-1D46-BF3C-6AF32D14471A}" dt="2025-07-12T20:16:12.132" v="95"/>
+          <ac:spMkLst>
+            <pc:docMk/>
+            <pc:sldMk cId="2166505979" sldId="267"/>
+            <ac:spMk id="14" creationId="{FB2BAEAE-4B6D-8CB2-44AE-DD9783FE676B}"/>
+          </ac:spMkLst>
+        </pc:spChg>
+        <pc:spChg chg="add mod">
+          <ac:chgData name="Fu, Enguang" userId="0a9dcee4-6405-40fd-bb42-dd19fc94bec1" providerId="ADAL" clId="{3538FE26-223B-1D46-BF3C-6AF32D14471A}" dt="2025-07-12T20:16:12.132" v="95"/>
+          <ac:spMkLst>
+            <pc:docMk/>
+            <pc:sldMk cId="2166505979" sldId="267"/>
+            <ac:spMk id="18" creationId="{84F9C382-71B7-8A1E-ACC5-EFE8718E6BD4}"/>
+          </ac:spMkLst>
+        </pc:spChg>
+        <pc:spChg chg="add mod">
+          <ac:chgData name="Fu, Enguang" userId="0a9dcee4-6405-40fd-bb42-dd19fc94bec1" providerId="ADAL" clId="{3538FE26-223B-1D46-BF3C-6AF32D14471A}" dt="2025-07-12T20:16:12.132" v="95"/>
+          <ac:spMkLst>
+            <pc:docMk/>
+            <pc:sldMk cId="2166505979" sldId="267"/>
+            <ac:spMk id="20" creationId="{C62FD2A6-7E4E-5298-04FF-86D8AC5B551F}"/>
+          </ac:spMkLst>
+        </pc:spChg>
       </pc:sldChg>
     </pc:docChg>
   </pc:docChgLst>
@@ -725,62 +932,6 @@
             <ac:spMk id="6" creationId="{4ED73095-FBB5-B2D6-7C82-E48DC8F7C553}"/>
           </ac:spMkLst>
         </pc:spChg>
-        <pc:spChg chg="mod topLvl">
-          <ac:chgData name="Fu, Enguang" userId="0a9dcee4-6405-40fd-bb42-dd19fc94bec1" providerId="ADAL" clId="{6C62279B-C23D-C44B-818D-AE6AE8742BC2}" dt="2025-07-08T21:14:22.358" v="21" actId="164"/>
-          <ac:spMkLst>
-            <pc:docMk/>
-            <pc:sldMk cId="779650603" sldId="259"/>
-            <ac:spMk id="10" creationId="{08DFCBAF-1933-B8C7-BF2E-F98D2E9EF7E9}"/>
-          </ac:spMkLst>
-        </pc:spChg>
-        <pc:spChg chg="mod topLvl">
-          <ac:chgData name="Fu, Enguang" userId="0a9dcee4-6405-40fd-bb42-dd19fc94bec1" providerId="ADAL" clId="{6C62279B-C23D-C44B-818D-AE6AE8742BC2}" dt="2025-07-08T21:14:22.358" v="21" actId="164"/>
-          <ac:spMkLst>
-            <pc:docMk/>
-            <pc:sldMk cId="779650603" sldId="259"/>
-            <ac:spMk id="11" creationId="{B276813A-98F6-3B74-D5DF-FF8F35135A60}"/>
-          </ac:spMkLst>
-        </pc:spChg>
-        <pc:spChg chg="mod topLvl">
-          <ac:chgData name="Fu, Enguang" userId="0a9dcee4-6405-40fd-bb42-dd19fc94bec1" providerId="ADAL" clId="{6C62279B-C23D-C44B-818D-AE6AE8742BC2}" dt="2025-07-08T21:14:22.358" v="21" actId="164"/>
-          <ac:spMkLst>
-            <pc:docMk/>
-            <pc:sldMk cId="779650603" sldId="259"/>
-            <ac:spMk id="12" creationId="{B0C5C569-50D5-3674-5CDD-7340688DA8C3}"/>
-          </ac:spMkLst>
-        </pc:spChg>
-        <pc:spChg chg="mod topLvl">
-          <ac:chgData name="Fu, Enguang" userId="0a9dcee4-6405-40fd-bb42-dd19fc94bec1" providerId="ADAL" clId="{6C62279B-C23D-C44B-818D-AE6AE8742BC2}" dt="2025-07-08T21:14:22.358" v="21" actId="164"/>
-          <ac:spMkLst>
-            <pc:docMk/>
-            <pc:sldMk cId="779650603" sldId="259"/>
-            <ac:spMk id="13" creationId="{A2C5B00D-14E6-6472-604F-8F691FFF6338}"/>
-          </ac:spMkLst>
-        </pc:spChg>
-        <pc:spChg chg="mod topLvl">
-          <ac:chgData name="Fu, Enguang" userId="0a9dcee4-6405-40fd-bb42-dd19fc94bec1" providerId="ADAL" clId="{6C62279B-C23D-C44B-818D-AE6AE8742BC2}" dt="2025-07-08T21:14:22.358" v="21" actId="164"/>
-          <ac:spMkLst>
-            <pc:docMk/>
-            <pc:sldMk cId="779650603" sldId="259"/>
-            <ac:spMk id="14" creationId="{82687A01-36F1-5DC6-28DA-D85F86CF862B}"/>
-          </ac:spMkLst>
-        </pc:spChg>
-        <pc:spChg chg="mod topLvl">
-          <ac:chgData name="Fu, Enguang" userId="0a9dcee4-6405-40fd-bb42-dd19fc94bec1" providerId="ADAL" clId="{6C62279B-C23D-C44B-818D-AE6AE8742BC2}" dt="2025-07-08T21:14:22.358" v="21" actId="164"/>
-          <ac:spMkLst>
-            <pc:docMk/>
-            <pc:sldMk cId="779650603" sldId="259"/>
-            <ac:spMk id="15" creationId="{D7C966B2-F2C4-84CB-4861-9B58F4BA1423}"/>
-          </ac:spMkLst>
-        </pc:spChg>
-        <pc:spChg chg="add mod">
-          <ac:chgData name="Fu, Enguang" userId="0a9dcee4-6405-40fd-bb42-dd19fc94bec1" providerId="ADAL" clId="{6C62279B-C23D-C44B-818D-AE6AE8742BC2}" dt="2025-07-08T21:16:24.470" v="44" actId="14100"/>
-          <ac:spMkLst>
-            <pc:docMk/>
-            <pc:sldMk cId="779650603" sldId="259"/>
-            <ac:spMk id="17" creationId="{031BE7F8-3873-3FE6-0A1E-2A37CCC1C644}"/>
-          </ac:spMkLst>
-        </pc:spChg>
         <pc:grpChg chg="mod">
           <ac:chgData name="Fu, Enguang" userId="0a9dcee4-6405-40fd-bb42-dd19fc94bec1" providerId="ADAL" clId="{6C62279B-C23D-C44B-818D-AE6AE8742BC2}" dt="2025-07-08T21:15:51.212" v="40" actId="1076"/>
           <ac:grpSpMkLst>
@@ -789,22 +940,6 @@
             <ac:grpSpMk id="2" creationId="{C45AC06D-CEEC-B735-2834-FD02C7D6FD7F}"/>
           </ac:grpSpMkLst>
         </pc:grpChg>
-        <pc:grpChg chg="add mod">
-          <ac:chgData name="Fu, Enguang" userId="0a9dcee4-6405-40fd-bb42-dd19fc94bec1" providerId="ADAL" clId="{6C62279B-C23D-C44B-818D-AE6AE8742BC2}" dt="2025-07-08T21:14:30.249" v="24" actId="1076"/>
-          <ac:grpSpMkLst>
-            <pc:docMk/>
-            <pc:sldMk cId="779650603" sldId="259"/>
-            <ac:grpSpMk id="16" creationId="{C0FB1F36-0AB0-928A-64FD-C29A45979723}"/>
-          </ac:grpSpMkLst>
-        </pc:grpChg>
-        <pc:picChg chg="mod topLvl modCrop">
-          <ac:chgData name="Fu, Enguang" userId="0a9dcee4-6405-40fd-bb42-dd19fc94bec1" providerId="ADAL" clId="{6C62279B-C23D-C44B-818D-AE6AE8742BC2}" dt="2025-07-08T21:16:39.180" v="47" actId="732"/>
-          <ac:picMkLst>
-            <pc:docMk/>
-            <pc:sldMk cId="779650603" sldId="259"/>
-            <ac:picMk id="8" creationId="{6C8700EA-81EA-4D36-F6B8-7C3B910195B4}"/>
-          </ac:picMkLst>
-        </pc:picChg>
       </pc:sldChg>
       <pc:sldChg chg="addSp delSp modSp new mod">
         <pc:chgData name="Fu, Enguang" userId="0a9dcee4-6405-40fd-bb42-dd19fc94bec1" providerId="ADAL" clId="{6C62279B-C23D-C44B-818D-AE6AE8742BC2}" dt="2025-07-08T21:18:56.722" v="56" actId="5736"/>
@@ -1159,62 +1294,6 @@
           <pc:docMk/>
           <pc:sldMk cId="1824931327" sldId="265"/>
         </pc:sldMkLst>
-        <pc:spChg chg="mod">
-          <ac:chgData name="Fu, Enguang" userId="0a9dcee4-6405-40fd-bb42-dd19fc94bec1" providerId="ADAL" clId="{6C62279B-C23D-C44B-818D-AE6AE8742BC2}" dt="2025-07-08T21:47:34.693" v="109"/>
-          <ac:spMkLst>
-            <pc:docMk/>
-            <pc:sldMk cId="1824931327" sldId="265"/>
-            <ac:spMk id="5" creationId="{F0A1B02B-AA23-E133-7D80-E039A83CD5E2}"/>
-          </ac:spMkLst>
-        </pc:spChg>
-        <pc:spChg chg="mod">
-          <ac:chgData name="Fu, Enguang" userId="0a9dcee4-6405-40fd-bb42-dd19fc94bec1" providerId="ADAL" clId="{6C62279B-C23D-C44B-818D-AE6AE8742BC2}" dt="2025-07-08T21:47:34.693" v="109"/>
-          <ac:spMkLst>
-            <pc:docMk/>
-            <pc:sldMk cId="1824931327" sldId="265"/>
-            <ac:spMk id="6" creationId="{EE84F03D-A08E-A9E5-4FBC-F5A6AED438A0}"/>
-          </ac:spMkLst>
-        </pc:spChg>
-        <pc:spChg chg="mod">
-          <ac:chgData name="Fu, Enguang" userId="0a9dcee4-6405-40fd-bb42-dd19fc94bec1" providerId="ADAL" clId="{6C62279B-C23D-C44B-818D-AE6AE8742BC2}" dt="2025-07-08T21:47:34.693" v="109"/>
-          <ac:spMkLst>
-            <pc:docMk/>
-            <pc:sldMk cId="1824931327" sldId="265"/>
-            <ac:spMk id="7" creationId="{6E0F08AF-9608-EBEE-CE4C-A359DE6607C2}"/>
-          </ac:spMkLst>
-        </pc:spChg>
-        <pc:spChg chg="mod">
-          <ac:chgData name="Fu, Enguang" userId="0a9dcee4-6405-40fd-bb42-dd19fc94bec1" providerId="ADAL" clId="{6C62279B-C23D-C44B-818D-AE6AE8742BC2}" dt="2025-07-08T21:47:34.693" v="109"/>
-          <ac:spMkLst>
-            <pc:docMk/>
-            <pc:sldMk cId="1824931327" sldId="265"/>
-            <ac:spMk id="8" creationId="{92F3C78F-B297-B28A-6EFB-6EEBFE7530D2}"/>
-          </ac:spMkLst>
-        </pc:spChg>
-        <pc:spChg chg="mod">
-          <ac:chgData name="Fu, Enguang" userId="0a9dcee4-6405-40fd-bb42-dd19fc94bec1" providerId="ADAL" clId="{6C62279B-C23D-C44B-818D-AE6AE8742BC2}" dt="2025-07-08T21:47:34.693" v="109"/>
-          <ac:spMkLst>
-            <pc:docMk/>
-            <pc:sldMk cId="1824931327" sldId="265"/>
-            <ac:spMk id="9" creationId="{2DA8612E-482A-08CB-37D3-36918D3521F1}"/>
-          </ac:spMkLst>
-        </pc:spChg>
-        <pc:spChg chg="mod">
-          <ac:chgData name="Fu, Enguang" userId="0a9dcee4-6405-40fd-bb42-dd19fc94bec1" providerId="ADAL" clId="{6C62279B-C23D-C44B-818D-AE6AE8742BC2}" dt="2025-07-08T21:47:34.693" v="109"/>
-          <ac:spMkLst>
-            <pc:docMk/>
-            <pc:sldMk cId="1824931327" sldId="265"/>
-            <ac:spMk id="10" creationId="{9C525F88-0424-70CA-D96A-666F75333606}"/>
-          </ac:spMkLst>
-        </pc:spChg>
-        <pc:picChg chg="mod">
-          <ac:chgData name="Fu, Enguang" userId="0a9dcee4-6405-40fd-bb42-dd19fc94bec1" providerId="ADAL" clId="{6C62279B-C23D-C44B-818D-AE6AE8742BC2}" dt="2025-07-08T21:47:34.693" v="109"/>
-          <ac:picMkLst>
-            <pc:docMk/>
-            <pc:sldMk cId="1824931327" sldId="265"/>
-            <ac:picMk id="3" creationId="{CF778D2F-7B6D-057F-C594-50E85E3420A0}"/>
-          </ac:picMkLst>
-        </pc:picChg>
       </pc:sldChg>
     </pc:docChg>
   </pc:docChgLst>
@@ -1368,7 +1447,7 @@
           <a:p>
             <a:fld id="{091E6A92-88BF-494A-9DE1-33458F3BDB38}" type="datetimeFigureOut">
               <a:rPr lang="en-US" smtClean="0"/>
-              <a:t>7/12/25</a:t>
+              <a:t>7/13/25</a:t>
             </a:fld>
             <a:endParaRPr lang="en-US"/>
           </a:p>
@@ -1566,7 +1645,7 @@
           <a:p>
             <a:fld id="{091E6A92-88BF-494A-9DE1-33458F3BDB38}" type="datetimeFigureOut">
               <a:rPr lang="en-US" smtClean="0"/>
-              <a:t>7/12/25</a:t>
+              <a:t>7/13/25</a:t>
             </a:fld>
             <a:endParaRPr lang="en-US"/>
           </a:p>
@@ -1774,7 +1853,7 @@
           <a:p>
             <a:fld id="{091E6A92-88BF-494A-9DE1-33458F3BDB38}" type="datetimeFigureOut">
               <a:rPr lang="en-US" smtClean="0"/>
-              <a:t>7/12/25</a:t>
+              <a:t>7/13/25</a:t>
             </a:fld>
             <a:endParaRPr lang="en-US"/>
           </a:p>
@@ -1972,7 +2051,7 @@
           <a:p>
             <a:fld id="{091E6A92-88BF-494A-9DE1-33458F3BDB38}" type="datetimeFigureOut">
               <a:rPr lang="en-US" smtClean="0"/>
-              <a:t>7/12/25</a:t>
+              <a:t>7/13/25</a:t>
             </a:fld>
             <a:endParaRPr lang="en-US"/>
           </a:p>
@@ -2247,7 +2326,7 @@
           <a:p>
             <a:fld id="{091E6A92-88BF-494A-9DE1-33458F3BDB38}" type="datetimeFigureOut">
               <a:rPr lang="en-US" smtClean="0"/>
-              <a:t>7/12/25</a:t>
+              <a:t>7/13/25</a:t>
             </a:fld>
             <a:endParaRPr lang="en-US"/>
           </a:p>
@@ -2512,7 +2591,7 @@
           <a:p>
             <a:fld id="{091E6A92-88BF-494A-9DE1-33458F3BDB38}" type="datetimeFigureOut">
               <a:rPr lang="en-US" smtClean="0"/>
-              <a:t>7/12/25</a:t>
+              <a:t>7/13/25</a:t>
             </a:fld>
             <a:endParaRPr lang="en-US"/>
           </a:p>
@@ -2924,7 +3003,7 @@
           <a:p>
             <a:fld id="{091E6A92-88BF-494A-9DE1-33458F3BDB38}" type="datetimeFigureOut">
               <a:rPr lang="en-US" smtClean="0"/>
-              <a:t>7/12/25</a:t>
+              <a:t>7/13/25</a:t>
             </a:fld>
             <a:endParaRPr lang="en-US"/>
           </a:p>
@@ -3065,7 +3144,7 @@
           <a:p>
             <a:fld id="{091E6A92-88BF-494A-9DE1-33458F3BDB38}" type="datetimeFigureOut">
               <a:rPr lang="en-US" smtClean="0"/>
-              <a:t>7/12/25</a:t>
+              <a:t>7/13/25</a:t>
             </a:fld>
             <a:endParaRPr lang="en-US"/>
           </a:p>
@@ -3178,7 +3257,7 @@
           <a:p>
             <a:fld id="{091E6A92-88BF-494A-9DE1-33458F3BDB38}" type="datetimeFigureOut">
               <a:rPr lang="en-US" smtClean="0"/>
-              <a:t>7/12/25</a:t>
+              <a:t>7/13/25</a:t>
             </a:fld>
             <a:endParaRPr lang="en-US"/>
           </a:p>
@@ -3489,7 +3568,7 @@
           <a:p>
             <a:fld id="{091E6A92-88BF-494A-9DE1-33458F3BDB38}" type="datetimeFigureOut">
               <a:rPr lang="en-US" smtClean="0"/>
-              <a:t>7/12/25</a:t>
+              <a:t>7/13/25</a:t>
             </a:fld>
             <a:endParaRPr lang="en-US"/>
           </a:p>
@@ -3777,7 +3856,7 @@
           <a:p>
             <a:fld id="{091E6A92-88BF-494A-9DE1-33458F3BDB38}" type="datetimeFigureOut">
               <a:rPr lang="en-US" smtClean="0"/>
-              <a:t>7/12/25</a:t>
+              <a:t>7/13/25</a:t>
             </a:fld>
             <a:endParaRPr lang="en-US"/>
           </a:p>
@@ -4018,7 +4097,7 @@
           <a:p>
             <a:fld id="{091E6A92-88BF-494A-9DE1-33458F3BDB38}" type="datetimeFigureOut">
               <a:rPr lang="en-US" smtClean="0"/>
-              <a:t>7/12/25</a:t>
+              <a:t>7/13/25</a:t>
             </a:fld>
             <a:endParaRPr lang="en-US"/>
           </a:p>
@@ -7661,7 +7740,7 @@
         </p:nvSpPr>
         <p:spPr>
           <a:xfrm rot="3327173">
-            <a:off x="5090720" y="2063955"/>
+            <a:off x="4969424" y="1956255"/>
             <a:ext cx="148431" cy="213856"/>
           </a:xfrm>
           <a:prstGeom prst="can">
@@ -7707,7 +7786,7 @@
         </p:nvSpPr>
         <p:spPr>
           <a:xfrm>
-            <a:off x="5046457" y="1818887"/>
+            <a:off x="5007295" y="1737903"/>
             <a:ext cx="952505" cy="285523"/>
           </a:xfrm>
           <a:prstGeom prst="rect">
@@ -7748,8 +7827,8 @@
           <p:nvPr/>
         </p:nvSpPr>
         <p:spPr>
-          <a:xfrm rot="4500538">
-            <a:off x="5354953" y="2583267"/>
+          <a:xfrm rot="3561027">
+            <a:off x="5326271" y="2490636"/>
             <a:ext cx="148431" cy="213856"/>
           </a:xfrm>
           <a:prstGeom prst="can">
@@ -7798,8 +7877,8 @@
         </p:nvSpPr>
         <p:spPr>
           <a:xfrm>
-            <a:off x="5258916" y="2319938"/>
-            <a:ext cx="823463" cy="276999"/>
+            <a:off x="5408850" y="2108964"/>
+            <a:ext cx="550950" cy="461665"/>
           </a:xfrm>
           <a:prstGeom prst="rect">
             <a:avLst/>
@@ -7817,7 +7896,20 @@
                 <a:latin typeface="Calibri" panose="020F0502020204030204" pitchFamily="34" charset="0"/>
                 <a:cs typeface="Calibri" panose="020F0502020204030204" pitchFamily="34" charset="0"/>
               </a:rPr>
-              <a:t>Fatty Acid</a:t>
+              <a:t>Fatty </a:t>
+            </a:r>
+            <a:br>
+              <a:rPr lang="en-US" altLang="zh-CN" sz="1200" dirty="0">
+                <a:latin typeface="Calibri" panose="020F0502020204030204" pitchFamily="34" charset="0"/>
+                <a:cs typeface="Calibri" panose="020F0502020204030204" pitchFamily="34" charset="0"/>
+              </a:rPr>
+            </a:br>
+            <a:r>
+              <a:rPr lang="en-US" altLang="zh-CN" sz="1200" dirty="0">
+                <a:latin typeface="Calibri" panose="020F0502020204030204" pitchFamily="34" charset="0"/>
+                <a:cs typeface="Calibri" panose="020F0502020204030204" pitchFamily="34" charset="0"/>
+              </a:rPr>
+              <a:t>Acid</a:t>
             </a:r>
             <a:endParaRPr lang="en-US" sz="1200" dirty="0">
               <a:latin typeface="Calibri" panose="020F0502020204030204" pitchFamily="34" charset="0"/>
@@ -7839,15 +7931,17 @@
           <p:nvPr/>
         </p:nvSpPr>
         <p:spPr>
-          <a:xfrm rot="6790259">
-            <a:off x="5320037" y="3417372"/>
+          <a:xfrm rot="5400000">
+            <a:off x="5395812" y="2854287"/>
             <a:ext cx="148431" cy="213856"/>
           </a:xfrm>
           <a:prstGeom prst="can">
             <a:avLst/>
           </a:prstGeom>
           <a:solidFill>
-            <a:srgbClr val="13294B"/>
+            <a:schemeClr val="accent6">
+              <a:lumMod val="50000"/>
+            </a:schemeClr>
           </a:solidFill>
         </p:spPr>
         <p:style>
@@ -7889,8 +7983,8 @@
         </p:nvSpPr>
         <p:spPr>
           <a:xfrm>
-            <a:off x="5158102" y="3652401"/>
-            <a:ext cx="924277" cy="285523"/>
+            <a:off x="5560244" y="2730095"/>
+            <a:ext cx="608709" cy="461665"/>
           </a:xfrm>
           <a:prstGeom prst="rect">
             <a:avLst/>
@@ -7917,6 +8011,12 @@
               </a:rPr>
               <a:t> </a:t>
             </a:r>
+            <a:br>
+              <a:rPr lang="en-US" altLang="zh-CN" sz="1200" dirty="0">
+                <a:latin typeface="Calibri" panose="020F0502020204030204" pitchFamily="34" charset="0"/>
+                <a:cs typeface="Calibri" panose="020F0502020204030204" pitchFamily="34" charset="0"/>
+              </a:rPr>
+            </a:br>
             <a:r>
               <a:rPr lang="en-US" altLang="zh-CN" sz="1200" dirty="0">
                 <a:latin typeface="Calibri" panose="020F0502020204030204" pitchFamily="34" charset="0"/>
@@ -7931,6 +8031,136 @@
           </a:p>
         </p:txBody>
       </p:sp>
+      <p:cxnSp>
+        <p:nvCxnSpPr>
+          <p:cNvPr id="3" name="Straight Arrow Connector 2">
+            <a:extLst>
+              <a:ext uri="{FF2B5EF4-FFF2-40B4-BE49-F238E27FC236}">
+                <a16:creationId xmlns:a16="http://schemas.microsoft.com/office/drawing/2014/main" id="{F1182B19-A460-D83F-7B43-F76B24AABE30}"/>
+              </a:ext>
+            </a:extLst>
+          </p:cNvPr>
+          <p:cNvCxnSpPr/>
+          <p:nvPr/>
+        </p:nvCxnSpPr>
+        <p:spPr>
+          <a:xfrm flipH="1">
+            <a:off x="4838162" y="1948397"/>
+            <a:ext cx="347224" cy="243532"/>
+          </a:xfrm>
+          <a:prstGeom prst="straightConnector1">
+            <a:avLst/>
+          </a:prstGeom>
+          <a:ln w="12700">
+            <a:solidFill>
+              <a:schemeClr val="tx1"/>
+            </a:solidFill>
+            <a:tailEnd type="triangle"/>
+          </a:ln>
+        </p:spPr>
+        <p:style>
+          <a:lnRef idx="1">
+            <a:schemeClr val="accent1"/>
+          </a:lnRef>
+          <a:fillRef idx="0">
+            <a:schemeClr val="accent1"/>
+          </a:fillRef>
+          <a:effectRef idx="0">
+            <a:schemeClr val="accent1"/>
+          </a:effectRef>
+          <a:fontRef idx="minor">
+            <a:schemeClr val="tx1"/>
+          </a:fontRef>
+        </p:style>
+      </p:cxnSp>
+      <p:cxnSp>
+        <p:nvCxnSpPr>
+          <p:cNvPr id="10" name="Straight Arrow Connector 9">
+            <a:extLst>
+              <a:ext uri="{FF2B5EF4-FFF2-40B4-BE49-F238E27FC236}">
+                <a16:creationId xmlns:a16="http://schemas.microsoft.com/office/drawing/2014/main" id="{D1FC5FD0-E467-9187-B16B-1F19F817995F}"/>
+              </a:ext>
+            </a:extLst>
+          </p:cNvPr>
+          <p:cNvCxnSpPr>
+            <a:cxnSpLocks/>
+          </p:cNvCxnSpPr>
+          <p:nvPr/>
+        </p:nvCxnSpPr>
+        <p:spPr>
+          <a:xfrm flipH="1">
+            <a:off x="5234449" y="2513651"/>
+            <a:ext cx="325795" cy="180935"/>
+          </a:xfrm>
+          <a:prstGeom prst="straightConnector1">
+            <a:avLst/>
+          </a:prstGeom>
+          <a:ln w="12700">
+            <a:solidFill>
+              <a:schemeClr val="tx1"/>
+            </a:solidFill>
+            <a:tailEnd type="triangle"/>
+          </a:ln>
+        </p:spPr>
+        <p:style>
+          <a:lnRef idx="1">
+            <a:schemeClr val="accent1"/>
+          </a:lnRef>
+          <a:fillRef idx="0">
+            <a:schemeClr val="accent1"/>
+          </a:fillRef>
+          <a:effectRef idx="0">
+            <a:schemeClr val="accent1"/>
+          </a:effectRef>
+          <a:fontRef idx="minor">
+            <a:schemeClr val="tx1"/>
+          </a:fontRef>
+        </p:style>
+      </p:cxnSp>
+      <p:cxnSp>
+        <p:nvCxnSpPr>
+          <p:cNvPr id="19" name="Straight Arrow Connector 18">
+            <a:extLst>
+              <a:ext uri="{FF2B5EF4-FFF2-40B4-BE49-F238E27FC236}">
+                <a16:creationId xmlns:a16="http://schemas.microsoft.com/office/drawing/2014/main" id="{DEBAAAEC-254D-6C88-888B-7D2010F227BA}"/>
+              </a:ext>
+            </a:extLst>
+          </p:cNvPr>
+          <p:cNvCxnSpPr>
+            <a:cxnSpLocks/>
+          </p:cNvCxnSpPr>
+          <p:nvPr/>
+        </p:nvCxnSpPr>
+        <p:spPr>
+          <a:xfrm flipH="1">
+            <a:off x="5241108" y="2962238"/>
+            <a:ext cx="374619" cy="0"/>
+          </a:xfrm>
+          <a:prstGeom prst="straightConnector1">
+            <a:avLst/>
+          </a:prstGeom>
+          <a:ln w="12700">
+            <a:solidFill>
+              <a:schemeClr val="tx1"/>
+            </a:solidFill>
+            <a:tailEnd type="triangle"/>
+          </a:ln>
+        </p:spPr>
+        <p:style>
+          <a:lnRef idx="1">
+            <a:schemeClr val="accent1"/>
+          </a:lnRef>
+          <a:fillRef idx="0">
+            <a:schemeClr val="accent1"/>
+          </a:fillRef>
+          <a:effectRef idx="0">
+            <a:schemeClr val="accent1"/>
+          </a:effectRef>
+          <a:fontRef idx="minor">
+            <a:schemeClr val="tx1"/>
+          </a:fontRef>
+        </p:style>
+      </p:cxnSp>
     </p:spTree>
     <p:extLst>
       <p:ext uri="{BB962C8B-B14F-4D97-AF65-F5344CB8AC3E}">
@@ -8047,290 +8277,6 @@
           </a:ln>
         </p:spPr>
       </p:pic>
-      <p:sp>
-        <p:nvSpPr>
-          <p:cNvPr id="3" name="Can 2">
-            <a:extLst>
-              <a:ext uri="{FF2B5EF4-FFF2-40B4-BE49-F238E27FC236}">
-                <a16:creationId xmlns:a16="http://schemas.microsoft.com/office/drawing/2014/main" id="{125D6EAD-E6CB-EA3A-EFBA-27281C2D1D9D}"/>
-              </a:ext>
-            </a:extLst>
-          </p:cNvPr>
-          <p:cNvSpPr/>
-          <p:nvPr/>
-        </p:nvSpPr>
-        <p:spPr>
-          <a:xfrm rot="3327173">
-            <a:off x="4204734" y="2360838"/>
-            <a:ext cx="148431" cy="213856"/>
-          </a:xfrm>
-          <a:prstGeom prst="can">
-            <a:avLst/>
-          </a:prstGeom>
-        </p:spPr>
-        <p:style>
-          <a:lnRef idx="2">
-            <a:schemeClr val="accent1">
-              <a:shade val="50000"/>
-            </a:schemeClr>
-          </a:lnRef>
-          <a:fillRef idx="1">
-            <a:schemeClr val="accent1"/>
-          </a:fillRef>
-          <a:effectRef idx="0">
-            <a:schemeClr val="accent1"/>
-          </a:effectRef>
-          <a:fontRef idx="minor">
-            <a:schemeClr val="lt1"/>
-          </a:fontRef>
-        </p:style>
-        <p:txBody>
-          <a:bodyPr rtlCol="0" anchor="ctr"/>
-          <a:lstStyle/>
-          <a:p>
-            <a:pPr algn="ctr"/>
-            <a:endParaRPr lang="en-US"/>
-          </a:p>
-        </p:txBody>
-      </p:sp>
-      <p:sp>
-        <p:nvSpPr>
-          <p:cNvPr id="4" name="TextBox 3">
-            <a:extLst>
-              <a:ext uri="{FF2B5EF4-FFF2-40B4-BE49-F238E27FC236}">
-                <a16:creationId xmlns:a16="http://schemas.microsoft.com/office/drawing/2014/main" id="{59F3D829-7B92-FFF8-0A7F-9CFB12C4CBE0}"/>
-              </a:ext>
-            </a:extLst>
-          </p:cNvPr>
-          <p:cNvSpPr txBox="1"/>
-          <p:nvPr/>
-        </p:nvSpPr>
-        <p:spPr>
-          <a:xfrm>
-            <a:off x="4160471" y="2115770"/>
-            <a:ext cx="952505" cy="285523"/>
-          </a:xfrm>
-          <a:prstGeom prst="rect">
-            <a:avLst/>
-          </a:prstGeom>
-          <a:noFill/>
-        </p:spPr>
-        <p:txBody>
-          <a:bodyPr wrap="square">
-            <a:spAutoFit/>
-          </a:bodyPr>
-          <a:lstStyle/>
-          <a:p>
-            <a:r>
-              <a:rPr lang="en-US" altLang="zh-CN" sz="1200" dirty="0">
-                <a:latin typeface="Calibri" panose="020F0502020204030204" pitchFamily="34" charset="0"/>
-                <a:cs typeface="Calibri" panose="020F0502020204030204" pitchFamily="34" charset="0"/>
-              </a:rPr>
-              <a:t>Nucleoside</a:t>
-            </a:r>
-            <a:endParaRPr lang="en-US" sz="1200" dirty="0">
-              <a:latin typeface="Calibri" panose="020F0502020204030204" pitchFamily="34" charset="0"/>
-              <a:cs typeface="Calibri" panose="020F0502020204030204" pitchFamily="34" charset="0"/>
-            </a:endParaRPr>
-          </a:p>
-        </p:txBody>
-      </p:sp>
-      <p:sp>
-        <p:nvSpPr>
-          <p:cNvPr id="5" name="Can 4">
-            <a:extLst>
-              <a:ext uri="{FF2B5EF4-FFF2-40B4-BE49-F238E27FC236}">
-                <a16:creationId xmlns:a16="http://schemas.microsoft.com/office/drawing/2014/main" id="{1C1F519D-3FEB-CE35-FE39-360D614D7686}"/>
-              </a:ext>
-            </a:extLst>
-          </p:cNvPr>
-          <p:cNvSpPr/>
-          <p:nvPr/>
-        </p:nvSpPr>
-        <p:spPr>
-          <a:xfrm rot="4500538">
-            <a:off x="4468967" y="2880150"/>
-            <a:ext cx="148431" cy="213856"/>
-          </a:xfrm>
-          <a:prstGeom prst="can">
-            <a:avLst/>
-          </a:prstGeom>
-          <a:solidFill>
-            <a:schemeClr val="accent2"/>
-          </a:solidFill>
-        </p:spPr>
-        <p:style>
-          <a:lnRef idx="2">
-            <a:schemeClr val="accent1">
-              <a:shade val="50000"/>
-            </a:schemeClr>
-          </a:lnRef>
-          <a:fillRef idx="1">
-            <a:schemeClr val="accent1"/>
-          </a:fillRef>
-          <a:effectRef idx="0">
-            <a:schemeClr val="accent1"/>
-          </a:effectRef>
-          <a:fontRef idx="minor">
-            <a:schemeClr val="lt1"/>
-          </a:fontRef>
-        </p:style>
-        <p:txBody>
-          <a:bodyPr rtlCol="0" anchor="ctr"/>
-          <a:lstStyle/>
-          <a:p>
-            <a:pPr algn="ctr"/>
-            <a:endParaRPr lang="en-US"/>
-          </a:p>
-        </p:txBody>
-      </p:sp>
-      <p:sp>
-        <p:nvSpPr>
-          <p:cNvPr id="6" name="TextBox 5">
-            <a:extLst>
-              <a:ext uri="{FF2B5EF4-FFF2-40B4-BE49-F238E27FC236}">
-                <a16:creationId xmlns:a16="http://schemas.microsoft.com/office/drawing/2014/main" id="{10A50EC9-7371-236A-9CD6-1378681FEC70}"/>
-              </a:ext>
-            </a:extLst>
-          </p:cNvPr>
-          <p:cNvSpPr txBox="1"/>
-          <p:nvPr/>
-        </p:nvSpPr>
-        <p:spPr>
-          <a:xfrm>
-            <a:off x="4372930" y="2616821"/>
-            <a:ext cx="823463" cy="276999"/>
-          </a:xfrm>
-          <a:prstGeom prst="rect">
-            <a:avLst/>
-          </a:prstGeom>
-          <a:noFill/>
-        </p:spPr>
-        <p:txBody>
-          <a:bodyPr wrap="square">
-            <a:spAutoFit/>
-          </a:bodyPr>
-          <a:lstStyle/>
-          <a:p>
-            <a:r>
-              <a:rPr lang="en-US" altLang="zh-CN" sz="1200" dirty="0">
-                <a:latin typeface="Calibri" panose="020F0502020204030204" pitchFamily="34" charset="0"/>
-                <a:cs typeface="Calibri" panose="020F0502020204030204" pitchFamily="34" charset="0"/>
-              </a:rPr>
-              <a:t>Fatty Acid</a:t>
-            </a:r>
-            <a:endParaRPr lang="en-US" sz="1200" dirty="0">
-              <a:latin typeface="Calibri" panose="020F0502020204030204" pitchFamily="34" charset="0"/>
-              <a:cs typeface="Calibri" panose="020F0502020204030204" pitchFamily="34" charset="0"/>
-            </a:endParaRPr>
-          </a:p>
-        </p:txBody>
-      </p:sp>
-      <p:sp>
-        <p:nvSpPr>
-          <p:cNvPr id="7" name="Can 6">
-            <a:extLst>
-              <a:ext uri="{FF2B5EF4-FFF2-40B4-BE49-F238E27FC236}">
-                <a16:creationId xmlns:a16="http://schemas.microsoft.com/office/drawing/2014/main" id="{3FF25DEF-A790-D525-F089-E5CAD31C2EFC}"/>
-              </a:ext>
-            </a:extLst>
-          </p:cNvPr>
-          <p:cNvSpPr/>
-          <p:nvPr/>
-        </p:nvSpPr>
-        <p:spPr>
-          <a:xfrm rot="6790259">
-            <a:off x="4434051" y="3714255"/>
-            <a:ext cx="148431" cy="213856"/>
-          </a:xfrm>
-          <a:prstGeom prst="can">
-            <a:avLst/>
-          </a:prstGeom>
-          <a:solidFill>
-            <a:srgbClr val="13294B"/>
-          </a:solidFill>
-        </p:spPr>
-        <p:style>
-          <a:lnRef idx="2">
-            <a:schemeClr val="accent1">
-              <a:shade val="50000"/>
-            </a:schemeClr>
-          </a:lnRef>
-          <a:fillRef idx="1">
-            <a:schemeClr val="accent1"/>
-          </a:fillRef>
-          <a:effectRef idx="0">
-            <a:schemeClr val="accent1"/>
-          </a:effectRef>
-          <a:fontRef idx="minor">
-            <a:schemeClr val="lt1"/>
-          </a:fontRef>
-        </p:style>
-        <p:txBody>
-          <a:bodyPr rtlCol="0" anchor="ctr"/>
-          <a:lstStyle/>
-          <a:p>
-            <a:pPr algn="ctr"/>
-            <a:endParaRPr lang="en-US"/>
-          </a:p>
-        </p:txBody>
-      </p:sp>
-      <p:sp>
-        <p:nvSpPr>
-          <p:cNvPr id="8" name="TextBox 7">
-            <a:extLst>
-              <a:ext uri="{FF2B5EF4-FFF2-40B4-BE49-F238E27FC236}">
-                <a16:creationId xmlns:a16="http://schemas.microsoft.com/office/drawing/2014/main" id="{D5169514-80BD-8D65-8254-BFA9ECA613BC}"/>
-              </a:ext>
-            </a:extLst>
-          </p:cNvPr>
-          <p:cNvSpPr txBox="1"/>
-          <p:nvPr/>
-        </p:nvSpPr>
-        <p:spPr>
-          <a:xfrm>
-            <a:off x="4272116" y="3949284"/>
-            <a:ext cx="937898" cy="285523"/>
-          </a:xfrm>
-          <a:prstGeom prst="rect">
-            <a:avLst/>
-          </a:prstGeom>
-          <a:noFill/>
-        </p:spPr>
-        <p:txBody>
-          <a:bodyPr wrap="square">
-            <a:spAutoFit/>
-          </a:bodyPr>
-          <a:lstStyle/>
-          <a:p>
-            <a:r>
-              <a:rPr lang="en-US" altLang="zh-CN" sz="1200" dirty="0">
-                <a:latin typeface="Calibri" panose="020F0502020204030204" pitchFamily="34" charset="0"/>
-                <a:cs typeface="Calibri" panose="020F0502020204030204" pitchFamily="34" charset="0"/>
-              </a:rPr>
-              <a:t>Amino</a:t>
-            </a:r>
-            <a:r>
-              <a:rPr lang="zh-CN" altLang="en-US" sz="1200" dirty="0">
-                <a:latin typeface="Calibri" panose="020F0502020204030204" pitchFamily="34" charset="0"/>
-                <a:cs typeface="Calibri" panose="020F0502020204030204" pitchFamily="34" charset="0"/>
-              </a:rPr>
-              <a:t> </a:t>
-            </a:r>
-            <a:r>
-              <a:rPr lang="en-US" altLang="zh-CN" sz="1200" dirty="0">
-                <a:latin typeface="Calibri" panose="020F0502020204030204" pitchFamily="34" charset="0"/>
-                <a:cs typeface="Calibri" panose="020F0502020204030204" pitchFamily="34" charset="0"/>
-              </a:rPr>
-              <a:t>Acid</a:t>
-            </a:r>
-            <a:endParaRPr lang="en-US" sz="1200" dirty="0">
-              <a:latin typeface="Calibri" panose="020F0502020204030204" pitchFamily="34" charset="0"/>
-              <a:cs typeface="Calibri" panose="020F0502020204030204" pitchFamily="34" charset="0"/>
-            </a:endParaRPr>
-          </a:p>
-        </p:txBody>
-      </p:sp>
       <p:sp>
         <p:nvSpPr>
           <p:cNvPr id="9" name="Chord 8">
@@ -8897,6 +8843,421 @@
           </a:p>
         </p:txBody>
       </p:sp>
+      <p:sp>
+        <p:nvSpPr>
+          <p:cNvPr id="20" name="Can 19">
+            <a:extLst>
+              <a:ext uri="{FF2B5EF4-FFF2-40B4-BE49-F238E27FC236}">
+                <a16:creationId xmlns:a16="http://schemas.microsoft.com/office/drawing/2014/main" id="{813634BD-4D18-4799-4859-296BFBBF5507}"/>
+              </a:ext>
+            </a:extLst>
+          </p:cNvPr>
+          <p:cNvSpPr/>
+          <p:nvPr/>
+        </p:nvSpPr>
+        <p:spPr>
+          <a:xfrm rot="3327173">
+            <a:off x="4066661" y="2209905"/>
+            <a:ext cx="148431" cy="213856"/>
+          </a:xfrm>
+          <a:prstGeom prst="can">
+            <a:avLst/>
+          </a:prstGeom>
+        </p:spPr>
+        <p:style>
+          <a:lnRef idx="2">
+            <a:schemeClr val="accent1">
+              <a:shade val="50000"/>
+            </a:schemeClr>
+          </a:lnRef>
+          <a:fillRef idx="1">
+            <a:schemeClr val="accent1"/>
+          </a:fillRef>
+          <a:effectRef idx="0">
+            <a:schemeClr val="accent1"/>
+          </a:effectRef>
+          <a:fontRef idx="minor">
+            <a:schemeClr val="lt1"/>
+          </a:fontRef>
+        </p:style>
+        <p:txBody>
+          <a:bodyPr rtlCol="0" anchor="ctr"/>
+          <a:lstStyle/>
+          <a:p>
+            <a:pPr algn="ctr"/>
+            <a:endParaRPr lang="en-US"/>
+          </a:p>
+        </p:txBody>
+      </p:sp>
+      <p:sp>
+        <p:nvSpPr>
+          <p:cNvPr id="21" name="TextBox 20">
+            <a:extLst>
+              <a:ext uri="{FF2B5EF4-FFF2-40B4-BE49-F238E27FC236}">
+                <a16:creationId xmlns:a16="http://schemas.microsoft.com/office/drawing/2014/main" id="{468D1AA2-91A2-DE8F-3E20-717B7E1E30F6}"/>
+              </a:ext>
+            </a:extLst>
+          </p:cNvPr>
+          <p:cNvSpPr txBox="1"/>
+          <p:nvPr/>
+        </p:nvSpPr>
+        <p:spPr>
+          <a:xfrm>
+            <a:off x="4104532" y="1991553"/>
+            <a:ext cx="952505" cy="285523"/>
+          </a:xfrm>
+          <a:prstGeom prst="rect">
+            <a:avLst/>
+          </a:prstGeom>
+          <a:noFill/>
+        </p:spPr>
+        <p:txBody>
+          <a:bodyPr wrap="square">
+            <a:spAutoFit/>
+          </a:bodyPr>
+          <a:lstStyle/>
+          <a:p>
+            <a:r>
+              <a:rPr lang="en-US" altLang="zh-CN" sz="1200" dirty="0">
+                <a:latin typeface="Calibri" panose="020F0502020204030204" pitchFamily="34" charset="0"/>
+                <a:cs typeface="Calibri" panose="020F0502020204030204" pitchFamily="34" charset="0"/>
+              </a:rPr>
+              <a:t>Nucleoside</a:t>
+            </a:r>
+            <a:endParaRPr lang="en-US" sz="1200" dirty="0">
+              <a:latin typeface="Calibri" panose="020F0502020204030204" pitchFamily="34" charset="0"/>
+              <a:cs typeface="Calibri" panose="020F0502020204030204" pitchFamily="34" charset="0"/>
+            </a:endParaRPr>
+          </a:p>
+        </p:txBody>
+      </p:sp>
+      <p:sp>
+        <p:nvSpPr>
+          <p:cNvPr id="22" name="Can 21">
+            <a:extLst>
+              <a:ext uri="{FF2B5EF4-FFF2-40B4-BE49-F238E27FC236}">
+                <a16:creationId xmlns:a16="http://schemas.microsoft.com/office/drawing/2014/main" id="{3C3885D1-760B-B92B-581D-28A0CC808927}"/>
+              </a:ext>
+            </a:extLst>
+          </p:cNvPr>
+          <p:cNvSpPr/>
+          <p:nvPr/>
+        </p:nvSpPr>
+        <p:spPr>
+          <a:xfrm rot="3561027">
+            <a:off x="4423508" y="2744286"/>
+            <a:ext cx="148431" cy="213856"/>
+          </a:xfrm>
+          <a:prstGeom prst="can">
+            <a:avLst/>
+          </a:prstGeom>
+          <a:solidFill>
+            <a:schemeClr val="accent2"/>
+          </a:solidFill>
+        </p:spPr>
+        <p:style>
+          <a:lnRef idx="2">
+            <a:schemeClr val="accent1">
+              <a:shade val="50000"/>
+            </a:schemeClr>
+          </a:lnRef>
+          <a:fillRef idx="1">
+            <a:schemeClr val="accent1"/>
+          </a:fillRef>
+          <a:effectRef idx="0">
+            <a:schemeClr val="accent1"/>
+          </a:effectRef>
+          <a:fontRef idx="minor">
+            <a:schemeClr val="lt1"/>
+          </a:fontRef>
+        </p:style>
+        <p:txBody>
+          <a:bodyPr rtlCol="0" anchor="ctr"/>
+          <a:lstStyle/>
+          <a:p>
+            <a:pPr algn="ctr"/>
+            <a:endParaRPr lang="en-US"/>
+          </a:p>
+        </p:txBody>
+      </p:sp>
+      <p:sp>
+        <p:nvSpPr>
+          <p:cNvPr id="23" name="TextBox 22">
+            <a:extLst>
+              <a:ext uri="{FF2B5EF4-FFF2-40B4-BE49-F238E27FC236}">
+                <a16:creationId xmlns:a16="http://schemas.microsoft.com/office/drawing/2014/main" id="{229E5509-5DFC-EF58-99C6-EC43ED19BA36}"/>
+              </a:ext>
+            </a:extLst>
+          </p:cNvPr>
+          <p:cNvSpPr txBox="1"/>
+          <p:nvPr/>
+        </p:nvSpPr>
+        <p:spPr>
+          <a:xfrm>
+            <a:off x="4506087" y="2362614"/>
+            <a:ext cx="550950" cy="461665"/>
+          </a:xfrm>
+          <a:prstGeom prst="rect">
+            <a:avLst/>
+          </a:prstGeom>
+          <a:noFill/>
+        </p:spPr>
+        <p:txBody>
+          <a:bodyPr wrap="square">
+            <a:spAutoFit/>
+          </a:bodyPr>
+          <a:lstStyle/>
+          <a:p>
+            <a:r>
+              <a:rPr lang="en-US" altLang="zh-CN" sz="1200" dirty="0">
+                <a:latin typeface="Calibri" panose="020F0502020204030204" pitchFamily="34" charset="0"/>
+                <a:cs typeface="Calibri" panose="020F0502020204030204" pitchFamily="34" charset="0"/>
+              </a:rPr>
+              <a:t>Fatty </a:t>
+            </a:r>
+            <a:br>
+              <a:rPr lang="en-US" altLang="zh-CN" sz="1200" dirty="0">
+                <a:latin typeface="Calibri" panose="020F0502020204030204" pitchFamily="34" charset="0"/>
+                <a:cs typeface="Calibri" panose="020F0502020204030204" pitchFamily="34" charset="0"/>
+              </a:rPr>
+            </a:br>
+            <a:r>
+              <a:rPr lang="en-US" altLang="zh-CN" sz="1200" dirty="0">
+                <a:latin typeface="Calibri" panose="020F0502020204030204" pitchFamily="34" charset="0"/>
+                <a:cs typeface="Calibri" panose="020F0502020204030204" pitchFamily="34" charset="0"/>
+              </a:rPr>
+              <a:t>Acid</a:t>
+            </a:r>
+            <a:endParaRPr lang="en-US" sz="1200" dirty="0">
+              <a:latin typeface="Calibri" panose="020F0502020204030204" pitchFamily="34" charset="0"/>
+              <a:cs typeface="Calibri" panose="020F0502020204030204" pitchFamily="34" charset="0"/>
+            </a:endParaRPr>
+          </a:p>
+        </p:txBody>
+      </p:sp>
+      <p:sp>
+        <p:nvSpPr>
+          <p:cNvPr id="24" name="Can 23">
+            <a:extLst>
+              <a:ext uri="{FF2B5EF4-FFF2-40B4-BE49-F238E27FC236}">
+                <a16:creationId xmlns:a16="http://schemas.microsoft.com/office/drawing/2014/main" id="{BDFFE421-37F1-2E9F-DBFD-50F917A1BA68}"/>
+              </a:ext>
+            </a:extLst>
+          </p:cNvPr>
+          <p:cNvSpPr/>
+          <p:nvPr/>
+        </p:nvSpPr>
+        <p:spPr>
+          <a:xfrm rot="5400000">
+            <a:off x="4493049" y="3107937"/>
+            <a:ext cx="148431" cy="213856"/>
+          </a:xfrm>
+          <a:prstGeom prst="can">
+            <a:avLst/>
+          </a:prstGeom>
+          <a:solidFill>
+            <a:schemeClr val="accent6">
+              <a:lumMod val="50000"/>
+            </a:schemeClr>
+          </a:solidFill>
+        </p:spPr>
+        <p:style>
+          <a:lnRef idx="2">
+            <a:schemeClr val="accent1">
+              <a:shade val="50000"/>
+            </a:schemeClr>
+          </a:lnRef>
+          <a:fillRef idx="1">
+            <a:schemeClr val="accent1"/>
+          </a:fillRef>
+          <a:effectRef idx="0">
+            <a:schemeClr val="accent1"/>
+          </a:effectRef>
+          <a:fontRef idx="minor">
+            <a:schemeClr val="lt1"/>
+          </a:fontRef>
+        </p:style>
+        <p:txBody>
+          <a:bodyPr rtlCol="0" anchor="ctr"/>
+          <a:lstStyle/>
+          <a:p>
+            <a:pPr algn="ctr"/>
+            <a:endParaRPr lang="en-US"/>
+          </a:p>
+        </p:txBody>
+      </p:sp>
+      <p:sp>
+        <p:nvSpPr>
+          <p:cNvPr id="25" name="TextBox 24">
+            <a:extLst>
+              <a:ext uri="{FF2B5EF4-FFF2-40B4-BE49-F238E27FC236}">
+                <a16:creationId xmlns:a16="http://schemas.microsoft.com/office/drawing/2014/main" id="{A3780CA0-FD5A-0E5E-EE9D-DA5CAA8FB98B}"/>
+              </a:ext>
+            </a:extLst>
+          </p:cNvPr>
+          <p:cNvSpPr txBox="1"/>
+          <p:nvPr/>
+        </p:nvSpPr>
+        <p:spPr>
+          <a:xfrm>
+            <a:off x="4657481" y="2983745"/>
+            <a:ext cx="591339" cy="461665"/>
+          </a:xfrm>
+          <a:prstGeom prst="rect">
+            <a:avLst/>
+          </a:prstGeom>
+          <a:noFill/>
+        </p:spPr>
+        <p:txBody>
+          <a:bodyPr wrap="square">
+            <a:spAutoFit/>
+          </a:bodyPr>
+          <a:lstStyle/>
+          <a:p>
+            <a:r>
+              <a:rPr lang="en-US" altLang="zh-CN" sz="1200" dirty="0">
+                <a:latin typeface="Calibri" panose="020F0502020204030204" pitchFamily="34" charset="0"/>
+                <a:cs typeface="Calibri" panose="020F0502020204030204" pitchFamily="34" charset="0"/>
+              </a:rPr>
+              <a:t>Amino Acid</a:t>
+            </a:r>
+            <a:endParaRPr lang="en-US" sz="1200" dirty="0">
+              <a:latin typeface="Calibri" panose="020F0502020204030204" pitchFamily="34" charset="0"/>
+              <a:cs typeface="Calibri" panose="020F0502020204030204" pitchFamily="34" charset="0"/>
+            </a:endParaRPr>
+          </a:p>
+        </p:txBody>
+      </p:sp>
+      <p:cxnSp>
+        <p:nvCxnSpPr>
+          <p:cNvPr id="26" name="Straight Arrow Connector 25">
+            <a:extLst>
+              <a:ext uri="{FF2B5EF4-FFF2-40B4-BE49-F238E27FC236}">
+                <a16:creationId xmlns:a16="http://schemas.microsoft.com/office/drawing/2014/main" id="{67F8192F-1ADD-6E7A-9B5A-3C03482408A5}"/>
+              </a:ext>
+            </a:extLst>
+          </p:cNvPr>
+          <p:cNvCxnSpPr/>
+          <p:nvPr/>
+        </p:nvCxnSpPr>
+        <p:spPr>
+          <a:xfrm flipH="1">
+            <a:off x="3935399" y="2202047"/>
+            <a:ext cx="347224" cy="243532"/>
+          </a:xfrm>
+          <a:prstGeom prst="straightConnector1">
+            <a:avLst/>
+          </a:prstGeom>
+          <a:ln w="12700">
+            <a:solidFill>
+              <a:schemeClr val="tx1"/>
+            </a:solidFill>
+            <a:tailEnd type="triangle"/>
+          </a:ln>
+        </p:spPr>
+        <p:style>
+          <a:lnRef idx="1">
+            <a:schemeClr val="accent1"/>
+          </a:lnRef>
+          <a:fillRef idx="0">
+            <a:schemeClr val="accent1"/>
+          </a:fillRef>
+          <a:effectRef idx="0">
+            <a:schemeClr val="accent1"/>
+          </a:effectRef>
+          <a:fontRef idx="minor">
+            <a:schemeClr val="tx1"/>
+          </a:fontRef>
+        </p:style>
+      </p:cxnSp>
+      <p:cxnSp>
+        <p:nvCxnSpPr>
+          <p:cNvPr id="27" name="Straight Arrow Connector 26">
+            <a:extLst>
+              <a:ext uri="{FF2B5EF4-FFF2-40B4-BE49-F238E27FC236}">
+                <a16:creationId xmlns:a16="http://schemas.microsoft.com/office/drawing/2014/main" id="{4C6143CD-C085-88C2-BA02-E89E41A1DF95}"/>
+              </a:ext>
+            </a:extLst>
+          </p:cNvPr>
+          <p:cNvCxnSpPr>
+            <a:cxnSpLocks/>
+          </p:cNvCxnSpPr>
+          <p:nvPr/>
+        </p:nvCxnSpPr>
+        <p:spPr>
+          <a:xfrm flipH="1">
+            <a:off x="4331686" y="2767301"/>
+            <a:ext cx="325795" cy="180935"/>
+          </a:xfrm>
+          <a:prstGeom prst="straightConnector1">
+            <a:avLst/>
+          </a:prstGeom>
+          <a:ln w="12700">
+            <a:solidFill>
+              <a:schemeClr val="tx1"/>
+            </a:solidFill>
+            <a:tailEnd type="triangle"/>
+          </a:ln>
+        </p:spPr>
+        <p:style>
+          <a:lnRef idx="1">
+            <a:schemeClr val="accent1"/>
+          </a:lnRef>
+          <a:fillRef idx="0">
+            <a:schemeClr val="accent1"/>
+          </a:fillRef>
+          <a:effectRef idx="0">
+            <a:schemeClr val="accent1"/>
+          </a:effectRef>
+          <a:fontRef idx="minor">
+            <a:schemeClr val="tx1"/>
+          </a:fontRef>
+        </p:style>
+      </p:cxnSp>
+      <p:cxnSp>
+        <p:nvCxnSpPr>
+          <p:cNvPr id="28" name="Straight Arrow Connector 27">
+            <a:extLst>
+              <a:ext uri="{FF2B5EF4-FFF2-40B4-BE49-F238E27FC236}">
+                <a16:creationId xmlns:a16="http://schemas.microsoft.com/office/drawing/2014/main" id="{89BC9010-0B88-57FB-F1A7-63E898BE2928}"/>
+              </a:ext>
+            </a:extLst>
+          </p:cNvPr>
+          <p:cNvCxnSpPr>
+            <a:cxnSpLocks/>
+          </p:cNvCxnSpPr>
+          <p:nvPr/>
+        </p:nvCxnSpPr>
+        <p:spPr>
+          <a:xfrm flipH="1">
+            <a:off x="4338345" y="3215888"/>
+            <a:ext cx="374619" cy="0"/>
+          </a:xfrm>
+          <a:prstGeom prst="straightConnector1">
+            <a:avLst/>
+          </a:prstGeom>
+          <a:ln w="12700">
+            <a:solidFill>
+              <a:schemeClr val="tx1"/>
+            </a:solidFill>
+            <a:tailEnd type="triangle"/>
+          </a:ln>
+        </p:spPr>
+        <p:style>
+          <a:lnRef idx="1">
+            <a:schemeClr val="accent1"/>
+          </a:lnRef>
+          <a:fillRef idx="0">
+            <a:schemeClr val="accent1"/>
+          </a:fillRef>
+          <a:effectRef idx="0">
+            <a:schemeClr val="accent1"/>
+          </a:effectRef>
+          <a:fontRef idx="minor">
+            <a:schemeClr val="tx1"/>
+          </a:fontRef>
+        </p:style>
+      </p:cxnSp>
     </p:spTree>
     <p:extLst>
       <p:ext uri="{BB962C8B-B14F-4D97-AF65-F5344CB8AC3E}">
@@ -11533,7 +11894,7 @@
           </a:ln>
           <a:extLst>
             <a:ext uri="{C572A759-6A51-4108-AA02-DFA0A04FC94B}">
-              <ma14:wrappingTextBoxFlag xmlns:lc="http://schemas.openxmlformats.org/drawingml/2006/lockedCanvas" xmlns:ma14="http://schemas.microsoft.com/office/mac/drawingml/2011/main" xmlns:a14="http://schemas.microsoft.com/office/drawing/2010/main" xmlns:m="http://schemas.openxmlformats.org/officeDocument/2006/math" xmlns="" val="1"/>
+              <ma14:wrappingTextBoxFlag xmlns="" xmlns:m="http://schemas.openxmlformats.org/officeDocument/2006/math" xmlns:a14="http://schemas.microsoft.com/office/drawing/2010/main" xmlns:ma14="http://schemas.microsoft.com/office/mac/drawingml/2011/main" xmlns:lc="http://schemas.openxmlformats.org/drawingml/2006/lockedCanvas" val="1"/>
             </a:ext>
           </a:extLst>
         </p:spPr>
@@ -11701,7 +12062,7 @@
           </a:ln>
           <a:extLst>
             <a:ext uri="{C572A759-6A51-4108-AA02-DFA0A04FC94B}">
-              <ma14:wrappingTextBoxFlag xmlns:lc="http://schemas.openxmlformats.org/drawingml/2006/lockedCanvas" xmlns:ma14="http://schemas.microsoft.com/office/mac/drawingml/2011/main" xmlns:a14="http://schemas.microsoft.com/office/drawing/2010/main" xmlns:m="http://schemas.openxmlformats.org/officeDocument/2006/math" xmlns="" val="1"/>
+              <ma14:wrappingTextBoxFlag xmlns="" xmlns:m="http://schemas.openxmlformats.org/officeDocument/2006/math" xmlns:a14="http://schemas.microsoft.com/office/drawing/2010/main" xmlns:ma14="http://schemas.microsoft.com/office/mac/drawingml/2011/main" xmlns:lc="http://schemas.openxmlformats.org/drawingml/2006/lockedCanvas" val="1"/>
             </a:ext>
           </a:extLst>
         </p:spPr>
@@ -12213,7 +12574,7 @@
           </a:ln>
           <a:extLst>
             <a:ext uri="{C572A759-6A51-4108-AA02-DFA0A04FC94B}">
-              <ma14:wrappingTextBoxFlag xmlns:ma14="http://schemas.microsoft.com/office/mac/drawingml/2011/main" xmlns:a14="http://schemas.microsoft.com/office/drawing/2010/main" xmlns:m="http://schemas.openxmlformats.org/officeDocument/2006/math" xmlns="" val="1"/>
+              <ma14:wrappingTextBoxFlag xmlns="" xmlns:m="http://schemas.openxmlformats.org/officeDocument/2006/math" xmlns:a14="http://schemas.microsoft.com/office/drawing/2010/main" xmlns:ma14="http://schemas.microsoft.com/office/mac/drawingml/2011/main" val="1"/>
             </a:ext>
           </a:extLst>
         </p:spPr>
@@ -12925,7 +13286,7 @@
           </a:ln>
           <a:extLst>
             <a:ext uri="{C572A759-6A51-4108-AA02-DFA0A04FC94B}">
-              <ma14:wrappingTextBoxFlag xmlns:ma14="http://schemas.microsoft.com/office/mac/drawingml/2011/main" xmlns:a14="http://schemas.microsoft.com/office/drawing/2010/main" xmlns:m="http://schemas.openxmlformats.org/officeDocument/2006/math" xmlns="" val="1"/>
+              <ma14:wrappingTextBoxFlag xmlns="" xmlns:m="http://schemas.openxmlformats.org/officeDocument/2006/math" xmlns:a14="http://schemas.microsoft.com/office/drawing/2010/main" xmlns:ma14="http://schemas.microsoft.com/office/mac/drawingml/2011/main" val="1"/>
             </a:ext>
           </a:extLst>
         </p:spPr>
@@ -13049,7 +13410,7 @@
           </a:ln>
           <a:extLst>
             <a:ext uri="{C572A759-6A51-4108-AA02-DFA0A04FC94B}">
-              <ma14:wrappingTextBoxFlag xmlns:ma14="http://schemas.microsoft.com/office/mac/drawingml/2011/main" xmlns:a14="http://schemas.microsoft.com/office/drawing/2010/main" xmlns:m="http://schemas.openxmlformats.org/officeDocument/2006/math" xmlns="" val="1"/>
+              <ma14:wrappingTextBoxFlag xmlns="" xmlns:m="http://schemas.openxmlformats.org/officeDocument/2006/math" xmlns:a14="http://schemas.microsoft.com/office/drawing/2010/main" xmlns:ma14="http://schemas.microsoft.com/office/mac/drawingml/2011/main" val="1"/>
             </a:ext>
           </a:extLst>
         </p:spPr>
@@ -13170,7 +13531,7 @@
           </a:ln>
           <a:extLst>
             <a:ext uri="{C572A759-6A51-4108-AA02-DFA0A04FC94B}">
-              <ma14:wrappingTextBoxFlag xmlns:ma14="http://schemas.microsoft.com/office/mac/drawingml/2011/main" xmlns:a14="http://schemas.microsoft.com/office/drawing/2010/main" xmlns:m="http://schemas.openxmlformats.org/officeDocument/2006/math" xmlns="" val="1"/>
+              <ma14:wrappingTextBoxFlag xmlns="" xmlns:m="http://schemas.openxmlformats.org/officeDocument/2006/math" xmlns:a14="http://schemas.microsoft.com/office/drawing/2010/main" xmlns:ma14="http://schemas.microsoft.com/office/mac/drawingml/2011/main" val="1"/>
             </a:ext>
           </a:extLst>
         </p:spPr>
@@ -13240,7 +13601,7 @@
           </a:ln>
           <a:extLst>
             <a:ext uri="{C572A759-6A51-4108-AA02-DFA0A04FC94B}">
-              <ma14:wrappingTextBoxFlag xmlns:ma14="http://schemas.microsoft.com/office/mac/drawingml/2011/main" xmlns:a14="http://schemas.microsoft.com/office/drawing/2010/main" xmlns:m="http://schemas.openxmlformats.org/officeDocument/2006/math" xmlns="" val="1"/>
+              <ma14:wrappingTextBoxFlag xmlns="" xmlns:m="http://schemas.openxmlformats.org/officeDocument/2006/math" xmlns:a14="http://schemas.microsoft.com/office/drawing/2010/main" xmlns:ma14="http://schemas.microsoft.com/office/mac/drawingml/2011/main" val="1"/>
             </a:ext>
           </a:extLst>
         </p:spPr>
